--- a/Images/Figures_PPT/PieWithOutRAPTOR.pptx
+++ b/Images/Figures_PPT/PieWithOutRAPTOR.pptx
@@ -2298,625 +2298,670 @@
           </p:nvSpPr>
           <p:spPr>
             <a:xfrm>
-              <a:off x="3012811" y="1749568"/>
-              <a:ext cx="4946998" cy="4947143"/>
+              <a:off x="3013028" y="1749568"/>
+              <a:ext cx="4946930" cy="4947008"/>
             </a:xfrm>
             <a:custGeom>
               <a:avLst/>
               <a:pathLst>
-                <a:path w="4946998" h="4947143">
+                <a:path w="4946930" h="4947008">
                   <a:moveTo>
-                    <a:pt x="2473588" y="2473613"/>
+                    <a:pt x="2473371" y="2473613"/>
                   </a:moveTo>
                   <a:lnTo>
-                    <a:pt x="2389446" y="2459623"/>
-                  </a:lnTo>
-                  <a:lnTo>
-                    <a:pt x="2305304" y="2445632"/>
-                  </a:lnTo>
-                  <a:lnTo>
-                    <a:pt x="2221162" y="2431641"/>
-                  </a:lnTo>
-                  <a:lnTo>
-                    <a:pt x="2137020" y="2417650"/>
-                  </a:lnTo>
-                  <a:lnTo>
-                    <a:pt x="2052879" y="2403659"/>
-                  </a:lnTo>
-                  <a:lnTo>
-                    <a:pt x="1968737" y="2389669"/>
-                  </a:lnTo>
-                  <a:lnTo>
-                    <a:pt x="1884595" y="2375678"/>
-                  </a:lnTo>
-                  <a:lnTo>
-                    <a:pt x="1800453" y="2361687"/>
-                  </a:lnTo>
-                  <a:lnTo>
-                    <a:pt x="1716311" y="2347696"/>
-                  </a:lnTo>
-                  <a:lnTo>
-                    <a:pt x="1632170" y="2333706"/>
-                  </a:lnTo>
-                  <a:lnTo>
-                    <a:pt x="1548028" y="2319715"/>
-                  </a:lnTo>
-                  <a:lnTo>
-                    <a:pt x="1463886" y="2305724"/>
-                  </a:lnTo>
-                  <a:lnTo>
-                    <a:pt x="1379744" y="2291733"/>
-                  </a:lnTo>
-                  <a:lnTo>
-                    <a:pt x="1295602" y="2277742"/>
-                  </a:lnTo>
-                  <a:lnTo>
-                    <a:pt x="1211461" y="2263752"/>
-                  </a:lnTo>
-                  <a:lnTo>
-                    <a:pt x="1127319" y="2249761"/>
-                  </a:lnTo>
-                  <a:lnTo>
-                    <a:pt x="1043177" y="2235770"/>
-                  </a:lnTo>
-                  <a:lnTo>
-                    <a:pt x="959035" y="2221779"/>
-                  </a:lnTo>
-                  <a:lnTo>
-                    <a:pt x="874893" y="2207788"/>
-                  </a:lnTo>
-                  <a:lnTo>
-                    <a:pt x="790752" y="2193798"/>
-                  </a:lnTo>
-                  <a:lnTo>
-                    <a:pt x="706610" y="2179807"/>
-                  </a:lnTo>
-                  <a:lnTo>
-                    <a:pt x="622468" y="2165816"/>
-                  </a:lnTo>
-                  <a:lnTo>
-                    <a:pt x="538326" y="2151825"/>
-                  </a:lnTo>
-                  <a:lnTo>
-                    <a:pt x="454184" y="2137835"/>
-                  </a:lnTo>
-                  <a:lnTo>
-                    <a:pt x="370043" y="2123844"/>
-                  </a:lnTo>
-                  <a:lnTo>
-                    <a:pt x="285901" y="2109853"/>
-                  </a:lnTo>
-                  <a:lnTo>
-                    <a:pt x="201759" y="2095862"/>
-                  </a:lnTo>
-                  <a:lnTo>
-                    <a:pt x="117617" y="2081871"/>
-                  </a:lnTo>
-                  <a:lnTo>
-                    <a:pt x="33475" y="2067881"/>
-                  </a:lnTo>
-                  <a:lnTo>
-                    <a:pt x="21136" y="2150742"/>
-                  </a:lnTo>
-                  <a:lnTo>
-                    <a:pt x="11609" y="2233974"/>
-                  </a:lnTo>
-                  <a:lnTo>
-                    <a:pt x="4906" y="2317480"/>
-                  </a:lnTo>
-                  <a:lnTo>
-                    <a:pt x="1035" y="2401166"/>
-                  </a:lnTo>
-                  <a:lnTo>
-                    <a:pt x="0" y="2484935"/>
-                  </a:lnTo>
-                  <a:lnTo>
-                    <a:pt x="1801" y="2568691"/>
-                  </a:lnTo>
-                  <a:lnTo>
-                    <a:pt x="6439" y="2652337"/>
-                  </a:lnTo>
-                  <a:lnTo>
-                    <a:pt x="13906" y="2735779"/>
-                  </a:lnTo>
-                  <a:lnTo>
-                    <a:pt x="24194" y="2818920"/>
-                  </a:lnTo>
-                  <a:lnTo>
-                    <a:pt x="37292" y="2901665"/>
-                  </a:lnTo>
-                  <a:lnTo>
-                    <a:pt x="53184" y="2983919"/>
-                  </a:lnTo>
-                  <a:lnTo>
-                    <a:pt x="71852" y="3065588"/>
-                  </a:lnTo>
-                  <a:lnTo>
-                    <a:pt x="93276" y="3146578"/>
-                  </a:lnTo>
-                  <a:lnTo>
-                    <a:pt x="117429" y="3226795"/>
-                  </a:lnTo>
-                  <a:lnTo>
-                    <a:pt x="144285" y="3306149"/>
-                  </a:lnTo>
-                  <a:lnTo>
-                    <a:pt x="173813" y="3384548"/>
-                  </a:lnTo>
-                  <a:lnTo>
-                    <a:pt x="205978" y="3461902"/>
-                  </a:lnTo>
-                  <a:lnTo>
-                    <a:pt x="240745" y="3538123"/>
-                  </a:lnTo>
-                  <a:lnTo>
-                    <a:pt x="278073" y="3613122"/>
-                  </a:lnTo>
-                  <a:lnTo>
-                    <a:pt x="317919" y="3686815"/>
-                  </a:lnTo>
-                  <a:lnTo>
-                    <a:pt x="360237" y="3759116"/>
-                  </a:lnTo>
-                  <a:lnTo>
-                    <a:pt x="404980" y="3829942"/>
-                  </a:lnTo>
-                  <a:lnTo>
-                    <a:pt x="452095" y="3899213"/>
-                  </a:lnTo>
-                  <a:lnTo>
-                    <a:pt x="501529" y="3966849"/>
-                  </a:lnTo>
-                  <a:lnTo>
-                    <a:pt x="553225" y="4032771"/>
-                  </a:lnTo>
-                  <a:lnTo>
-                    <a:pt x="607124" y="4096906"/>
-                  </a:lnTo>
-                  <a:lnTo>
-                    <a:pt x="663163" y="4159178"/>
-                  </a:lnTo>
-                  <a:lnTo>
-                    <a:pt x="721279" y="4219517"/>
-                  </a:lnTo>
-                  <a:lnTo>
-                    <a:pt x="781405" y="4277854"/>
-                  </a:lnTo>
-                  <a:lnTo>
-                    <a:pt x="843472" y="4334121"/>
-                  </a:lnTo>
-                  <a:lnTo>
-                    <a:pt x="907409" y="4388254"/>
-                  </a:lnTo>
-                  <a:lnTo>
-                    <a:pt x="973142" y="4440191"/>
-                  </a:lnTo>
-                  <a:lnTo>
-                    <a:pt x="1040596" y="4489872"/>
-                  </a:lnTo>
-                  <a:lnTo>
-                    <a:pt x="1109693" y="4537241"/>
-                  </a:lnTo>
-                  <a:lnTo>
-                    <a:pt x="1180356" y="4582243"/>
-                  </a:lnTo>
-                  <a:lnTo>
-                    <a:pt x="1252501" y="4624826"/>
-                  </a:lnTo>
-                  <a:lnTo>
-                    <a:pt x="1326047" y="4664941"/>
-                  </a:lnTo>
-                  <a:lnTo>
-                    <a:pt x="1400910" y="4702543"/>
-                  </a:lnTo>
-                  <a:lnTo>
-                    <a:pt x="1477002" y="4737589"/>
-                  </a:lnTo>
-                  <a:lnTo>
-                    <a:pt x="1554238" y="4770037"/>
-                  </a:lnTo>
-                  <a:lnTo>
-                    <a:pt x="1632528" y="4799852"/>
-                  </a:lnTo>
-                  <a:lnTo>
-                    <a:pt x="1711783" y="4826998"/>
-                  </a:lnTo>
-                  <a:lnTo>
-                    <a:pt x="1791912" y="4851445"/>
-                  </a:lnTo>
-                  <a:lnTo>
-                    <a:pt x="1872823" y="4873165"/>
-                  </a:lnTo>
-                  <a:lnTo>
-                    <a:pt x="1954423" y="4892132"/>
-                  </a:lnTo>
-                  <a:lnTo>
-                    <a:pt x="2036618" y="4908326"/>
-                  </a:lnTo>
-                  <a:lnTo>
-                    <a:pt x="2119314" y="4921726"/>
-                  </a:lnTo>
-                  <a:lnTo>
-                    <a:pt x="2202417" y="4932319"/>
-                  </a:lnTo>
-                  <a:lnTo>
-                    <a:pt x="2285831" y="4940091"/>
-                  </a:lnTo>
-                  <a:lnTo>
-                    <a:pt x="2369460" y="4945035"/>
-                  </a:lnTo>
-                  <a:lnTo>
-                    <a:pt x="2453209" y="4947143"/>
-                  </a:lnTo>
-                  <a:lnTo>
-                    <a:pt x="2536981" y="4946415"/>
-                  </a:lnTo>
-                  <a:lnTo>
-                    <a:pt x="2620680" y="4942850"/>
-                  </a:lnTo>
-                  <a:lnTo>
-                    <a:pt x="2704211" y="4936453"/>
-                  </a:lnTo>
-                  <a:lnTo>
-                    <a:pt x="2787477" y="4927231"/>
-                  </a:lnTo>
-                  <a:lnTo>
-                    <a:pt x="2870383" y="4915195"/>
-                  </a:lnTo>
-                  <a:lnTo>
-                    <a:pt x="2952834" y="4900358"/>
-                  </a:lnTo>
-                  <a:lnTo>
-                    <a:pt x="3034735" y="4882738"/>
-                  </a:lnTo>
-                  <a:lnTo>
-                    <a:pt x="3115993" y="4862354"/>
-                  </a:lnTo>
-                  <a:lnTo>
-                    <a:pt x="3196514" y="4839230"/>
-                  </a:lnTo>
-                  <a:lnTo>
-                    <a:pt x="3276205" y="4813394"/>
-                  </a:lnTo>
-                  <a:lnTo>
-                    <a:pt x="3354976" y="4784873"/>
-                  </a:lnTo>
-                  <a:lnTo>
-                    <a:pt x="3432736" y="4753701"/>
-                  </a:lnTo>
-                  <a:lnTo>
-                    <a:pt x="3509396" y="4719914"/>
-                  </a:lnTo>
-                  <a:lnTo>
-                    <a:pt x="3584867" y="4683551"/>
-                  </a:lnTo>
-                  <a:lnTo>
-                    <a:pt x="3659064" y="4644652"/>
-                  </a:lnTo>
-                  <a:lnTo>
-                    <a:pt x="3731902" y="4603264"/>
-                  </a:lnTo>
-                  <a:lnTo>
-                    <a:pt x="3803296" y="4559433"/>
-                  </a:lnTo>
-                  <a:lnTo>
-                    <a:pt x="3873165" y="4513209"/>
-                  </a:lnTo>
-                  <a:lnTo>
-                    <a:pt x="3941428" y="4464646"/>
-                  </a:lnTo>
-                  <a:lnTo>
-                    <a:pt x="4008008" y="4413799"/>
-                  </a:lnTo>
-                  <a:lnTo>
-                    <a:pt x="4072828" y="4360727"/>
-                  </a:lnTo>
-                  <a:lnTo>
-                    <a:pt x="4135813" y="4305490"/>
-                  </a:lnTo>
-                  <a:lnTo>
-                    <a:pt x="4196892" y="4248152"/>
-                  </a:lnTo>
-                  <a:lnTo>
-                    <a:pt x="4255995" y="4188778"/>
-                  </a:lnTo>
-                  <a:lnTo>
-                    <a:pt x="4313053" y="4127438"/>
-                  </a:lnTo>
-                  <a:lnTo>
-                    <a:pt x="4368000" y="4064200"/>
-                  </a:lnTo>
-                  <a:lnTo>
-                    <a:pt x="4420776" y="3999138"/>
-                  </a:lnTo>
-                  <a:lnTo>
-                    <a:pt x="4471317" y="3932326"/>
-                  </a:lnTo>
-                  <a:lnTo>
-                    <a:pt x="4519567" y="3863841"/>
-                  </a:lnTo>
-                  <a:lnTo>
-                    <a:pt x="4565471" y="3793761"/>
-                  </a:lnTo>
-                  <a:lnTo>
-                    <a:pt x="4608975" y="3722167"/>
-                  </a:lnTo>
-                  <a:lnTo>
-                    <a:pt x="4650030" y="3649141"/>
-                  </a:lnTo>
-                  <a:lnTo>
-                    <a:pt x="4688588" y="3574767"/>
-                  </a:lnTo>
-                  <a:lnTo>
-                    <a:pt x="4724606" y="3499130"/>
-                  </a:lnTo>
-                  <a:lnTo>
-                    <a:pt x="4758041" y="3422316"/>
-                  </a:lnTo>
-                  <a:lnTo>
-                    <a:pt x="4788857" y="3344414"/>
-                  </a:lnTo>
-                  <a:lnTo>
-                    <a:pt x="4817017" y="3265514"/>
-                  </a:lnTo>
-                  <a:lnTo>
-                    <a:pt x="4842489" y="3185705"/>
-                  </a:lnTo>
-                  <a:lnTo>
-                    <a:pt x="4865243" y="3105079"/>
-                  </a:lnTo>
-                  <a:lnTo>
-                    <a:pt x="4885255" y="3023729"/>
-                  </a:lnTo>
-                  <a:lnTo>
-                    <a:pt x="4902500" y="2941748"/>
-                  </a:lnTo>
-                  <a:lnTo>
-                    <a:pt x="4916959" y="2859230"/>
-                  </a:lnTo>
-                  <a:lnTo>
-                    <a:pt x="4928616" y="2776270"/>
-                  </a:lnTo>
-                  <a:lnTo>
-                    <a:pt x="4937457" y="2692962"/>
-                  </a:lnTo>
-                  <a:lnTo>
-                    <a:pt x="4943472" y="2609403"/>
-                  </a:lnTo>
-                  <a:lnTo>
-                    <a:pt x="4946653" y="2525689"/>
-                  </a:lnTo>
-                  <a:lnTo>
-                    <a:pt x="4946998" y="2441914"/>
-                  </a:lnTo>
-                  <a:lnTo>
-                    <a:pt x="4944506" y="2358176"/>
-                  </a:lnTo>
-                  <a:lnTo>
-                    <a:pt x="4939180" y="2274570"/>
-                  </a:lnTo>
-                  <a:lnTo>
-                    <a:pt x="4931026" y="2191193"/>
-                  </a:lnTo>
-                  <a:lnTo>
-                    <a:pt x="4920053" y="2108139"/>
-                  </a:lnTo>
-                  <a:lnTo>
-                    <a:pt x="4906274" y="2025505"/>
-                  </a:lnTo>
-                  <a:lnTo>
-                    <a:pt x="4889705" y="1943385"/>
-                  </a:lnTo>
-                  <a:lnTo>
-                    <a:pt x="4870364" y="1861873"/>
-                  </a:lnTo>
-                  <a:lnTo>
-                    <a:pt x="4848275" y="1781062"/>
-                  </a:lnTo>
-                  <a:lnTo>
-                    <a:pt x="4823461" y="1701046"/>
-                  </a:lnTo>
-                  <a:lnTo>
-                    <a:pt x="4795952" y="1621916"/>
-                  </a:lnTo>
-                  <a:lnTo>
-                    <a:pt x="4765780" y="1543763"/>
-                  </a:lnTo>
-                  <a:lnTo>
-                    <a:pt x="4732978" y="1466677"/>
-                  </a:lnTo>
-                  <a:lnTo>
-                    <a:pt x="4697584" y="1390745"/>
-                  </a:lnTo>
-                  <a:lnTo>
-                    <a:pt x="4659640" y="1316056"/>
-                  </a:lnTo>
-                  <a:lnTo>
-                    <a:pt x="4619188" y="1242694"/>
-                  </a:lnTo>
-                  <a:lnTo>
-                    <a:pt x="4576276" y="1170744"/>
-                  </a:lnTo>
-                  <a:lnTo>
-                    <a:pt x="4530951" y="1100289"/>
-                  </a:lnTo>
-                  <a:lnTo>
-                    <a:pt x="4483267" y="1031408"/>
-                  </a:lnTo>
-                  <a:lnTo>
-                    <a:pt x="4433277" y="964182"/>
-                  </a:lnTo>
-                  <a:lnTo>
-                    <a:pt x="4381040" y="898688"/>
-                  </a:lnTo>
-                  <a:lnTo>
-                    <a:pt x="4326615" y="835000"/>
-                  </a:lnTo>
-                  <a:lnTo>
-                    <a:pt x="4270064" y="773191"/>
-                  </a:lnTo>
-                  <a:lnTo>
-                    <a:pt x="4211453" y="713333"/>
-                  </a:lnTo>
-                  <a:lnTo>
-                    <a:pt x="4150849" y="655493"/>
-                  </a:lnTo>
-                  <a:lnTo>
-                    <a:pt x="4088320" y="599739"/>
-                  </a:lnTo>
-                  <a:lnTo>
-                    <a:pt x="4023940" y="546135"/>
-                  </a:lnTo>
-                  <a:lnTo>
-                    <a:pt x="3957781" y="494741"/>
-                  </a:lnTo>
-                  <a:lnTo>
-                    <a:pt x="3889920" y="445617"/>
-                  </a:lnTo>
-                  <a:lnTo>
-                    <a:pt x="3820434" y="398820"/>
-                  </a:lnTo>
-                  <a:lnTo>
-                    <a:pt x="3749404" y="354402"/>
-                  </a:lnTo>
-                  <a:lnTo>
-                    <a:pt x="3676910" y="312415"/>
-                  </a:lnTo>
-                  <a:lnTo>
-                    <a:pt x="3603036" y="272906"/>
-                  </a:lnTo>
-                  <a:lnTo>
-                    <a:pt x="3527866" y="235922"/>
-                  </a:lnTo>
-                  <a:lnTo>
-                    <a:pt x="3451488" y="201505"/>
-                  </a:lnTo>
-                  <a:lnTo>
-                    <a:pt x="3373987" y="169694"/>
-                  </a:lnTo>
-                  <a:lnTo>
-                    <a:pt x="3295454" y="140525"/>
-                  </a:lnTo>
-                  <a:lnTo>
-                    <a:pt x="3215978" y="114032"/>
-                  </a:lnTo>
-                  <a:lnTo>
-                    <a:pt x="3135650" y="90246"/>
-                  </a:lnTo>
-                  <a:lnTo>
-                    <a:pt x="3054563" y="69194"/>
-                  </a:lnTo>
-                  <a:lnTo>
-                    <a:pt x="2972810" y="50900"/>
-                  </a:lnTo>
-                  <a:lnTo>
-                    <a:pt x="2890484" y="35384"/>
-                  </a:lnTo>
-                  <a:lnTo>
-                    <a:pt x="2807680" y="22665"/>
-                  </a:lnTo>
-                  <a:lnTo>
-                    <a:pt x="2724493" y="12757"/>
-                  </a:lnTo>
-                  <a:lnTo>
-                    <a:pt x="2641018" y="5672"/>
-                  </a:lnTo>
-                  <a:lnTo>
-                    <a:pt x="2557351" y="1418"/>
-                  </a:lnTo>
-                  <a:lnTo>
-                    <a:pt x="2473588" y="0"/>
-                  </a:lnTo>
-                  <a:lnTo>
-                    <a:pt x="2473588" y="85297"/>
-                  </a:lnTo>
-                  <a:lnTo>
-                    <a:pt x="2473588" y="170594"/>
-                  </a:lnTo>
-                  <a:lnTo>
-                    <a:pt x="2473588" y="255891"/>
-                  </a:lnTo>
-                  <a:lnTo>
-                    <a:pt x="2473588" y="341188"/>
-                  </a:lnTo>
-                  <a:lnTo>
-                    <a:pt x="2473588" y="426485"/>
-                  </a:lnTo>
-                  <a:lnTo>
-                    <a:pt x="2473588" y="511782"/>
-                  </a:lnTo>
-                  <a:lnTo>
-                    <a:pt x="2473588" y="597079"/>
-                  </a:lnTo>
-                  <a:lnTo>
-                    <a:pt x="2473588" y="682376"/>
-                  </a:lnTo>
-                  <a:lnTo>
-                    <a:pt x="2473588" y="767673"/>
-                  </a:lnTo>
-                  <a:lnTo>
-                    <a:pt x="2473588" y="852970"/>
-                  </a:lnTo>
-                  <a:lnTo>
-                    <a:pt x="2473588" y="938267"/>
-                  </a:lnTo>
-                  <a:lnTo>
-                    <a:pt x="2473588" y="1023564"/>
-                  </a:lnTo>
-                  <a:lnTo>
-                    <a:pt x="2473588" y="1108861"/>
-                  </a:lnTo>
-                  <a:lnTo>
-                    <a:pt x="2473588" y="1194158"/>
-                  </a:lnTo>
-                  <a:lnTo>
-                    <a:pt x="2473588" y="1279455"/>
-                  </a:lnTo>
-                  <a:lnTo>
-                    <a:pt x="2473588" y="1364752"/>
-                  </a:lnTo>
-                  <a:lnTo>
-                    <a:pt x="2473588" y="1450049"/>
-                  </a:lnTo>
-                  <a:lnTo>
-                    <a:pt x="2473588" y="1535346"/>
-                  </a:lnTo>
-                  <a:lnTo>
-                    <a:pt x="2473588" y="1620643"/>
-                  </a:lnTo>
-                  <a:lnTo>
-                    <a:pt x="2473588" y="1705940"/>
-                  </a:lnTo>
-                  <a:lnTo>
-                    <a:pt x="2473588" y="1791237"/>
-                  </a:lnTo>
-                  <a:lnTo>
-                    <a:pt x="2473588" y="1876534"/>
-                  </a:lnTo>
-                  <a:lnTo>
-                    <a:pt x="2473588" y="1961831"/>
-                  </a:lnTo>
-                  <a:lnTo>
-                    <a:pt x="2473588" y="2047128"/>
-                  </a:lnTo>
-                  <a:lnTo>
-                    <a:pt x="2473588" y="2132425"/>
-                  </a:lnTo>
-                  <a:lnTo>
-                    <a:pt x="2473588" y="2217722"/>
-                  </a:lnTo>
-                  <a:lnTo>
-                    <a:pt x="2473588" y="2303019"/>
-                  </a:lnTo>
-                  <a:lnTo>
-                    <a:pt x="2473588" y="2388316"/>
+                    <a:pt x="2407807" y="2419051"/>
+                  </a:lnTo>
+                  <a:lnTo>
+                    <a:pt x="2342244" y="2364489"/>
+                  </a:lnTo>
+                  <a:lnTo>
+                    <a:pt x="2276681" y="2309927"/>
+                  </a:lnTo>
+                  <a:lnTo>
+                    <a:pt x="2211117" y="2255365"/>
+                  </a:lnTo>
+                  <a:lnTo>
+                    <a:pt x="2145554" y="2200802"/>
+                  </a:lnTo>
+                  <a:lnTo>
+                    <a:pt x="2079991" y="2146240"/>
+                  </a:lnTo>
+                  <a:lnTo>
+                    <a:pt x="2014427" y="2091678"/>
+                  </a:lnTo>
+                  <a:lnTo>
+                    <a:pt x="1948864" y="2037116"/>
+                  </a:lnTo>
+                  <a:lnTo>
+                    <a:pt x="1883301" y="1982554"/>
+                  </a:lnTo>
+                  <a:lnTo>
+                    <a:pt x="1817737" y="1927991"/>
+                  </a:lnTo>
+                  <a:lnTo>
+                    <a:pt x="1752174" y="1873429"/>
+                  </a:lnTo>
+                  <a:lnTo>
+                    <a:pt x="1686611" y="1818867"/>
+                  </a:lnTo>
+                  <a:lnTo>
+                    <a:pt x="1621047" y="1764305"/>
+                  </a:lnTo>
+                  <a:lnTo>
+                    <a:pt x="1555484" y="1709742"/>
+                  </a:lnTo>
+                  <a:lnTo>
+                    <a:pt x="1489921" y="1655180"/>
+                  </a:lnTo>
+                  <a:lnTo>
+                    <a:pt x="1424357" y="1600618"/>
+                  </a:lnTo>
+                  <a:lnTo>
+                    <a:pt x="1358794" y="1546056"/>
+                  </a:lnTo>
+                  <a:lnTo>
+                    <a:pt x="1293231" y="1491494"/>
+                  </a:lnTo>
+                  <a:lnTo>
+                    <a:pt x="1227667" y="1436931"/>
+                  </a:lnTo>
+                  <a:lnTo>
+                    <a:pt x="1162104" y="1382369"/>
+                  </a:lnTo>
+                  <a:lnTo>
+                    <a:pt x="1096541" y="1327807"/>
+                  </a:lnTo>
+                  <a:lnTo>
+                    <a:pt x="1030977" y="1273245"/>
+                  </a:lnTo>
+                  <a:lnTo>
+                    <a:pt x="965414" y="1218683"/>
+                  </a:lnTo>
+                  <a:lnTo>
+                    <a:pt x="899851" y="1164120"/>
+                  </a:lnTo>
+                  <a:lnTo>
+                    <a:pt x="834288" y="1109558"/>
+                  </a:lnTo>
+                  <a:lnTo>
+                    <a:pt x="768724" y="1054996"/>
+                  </a:lnTo>
+                  <a:lnTo>
+                    <a:pt x="703161" y="1000434"/>
+                  </a:lnTo>
+                  <a:lnTo>
+                    <a:pt x="637598" y="945872"/>
+                  </a:lnTo>
+                  <a:lnTo>
+                    <a:pt x="572034" y="891309"/>
+                  </a:lnTo>
+                  <a:lnTo>
+                    <a:pt x="519341" y="956862"/>
+                  </a:lnTo>
+                  <a:lnTo>
+                    <a:pt x="468906" y="1024169"/>
+                  </a:lnTo>
+                  <a:lnTo>
+                    <a:pt x="420789" y="1093151"/>
+                  </a:lnTo>
+                  <a:lnTo>
+                    <a:pt x="375045" y="1163730"/>
+                  </a:lnTo>
+                  <a:lnTo>
+                    <a:pt x="331727" y="1235822"/>
+                  </a:lnTo>
+                  <a:lnTo>
+                    <a:pt x="290884" y="1309346"/>
+                  </a:lnTo>
+                  <a:lnTo>
+                    <a:pt x="252565" y="1384215"/>
+                  </a:lnTo>
+                  <a:lnTo>
+                    <a:pt x="216813" y="1460344"/>
+                  </a:lnTo>
+                  <a:lnTo>
+                    <a:pt x="183670" y="1537645"/>
+                  </a:lnTo>
+                  <a:lnTo>
+                    <a:pt x="153174" y="1616027"/>
+                  </a:lnTo>
+                  <a:lnTo>
+                    <a:pt x="125360" y="1695401"/>
+                  </a:lnTo>
+                  <a:lnTo>
+                    <a:pt x="100261" y="1775675"/>
+                  </a:lnTo>
+                  <a:lnTo>
+                    <a:pt x="77906" y="1856755"/>
+                  </a:lnTo>
+                  <a:lnTo>
+                    <a:pt x="58319" y="1938549"/>
+                  </a:lnTo>
+                  <a:lnTo>
+                    <a:pt x="41525" y="2020961"/>
+                  </a:lnTo>
+                  <a:lnTo>
+                    <a:pt x="27542" y="2103897"/>
+                  </a:lnTo>
+                  <a:lnTo>
+                    <a:pt x="16387" y="2187260"/>
+                  </a:lnTo>
+                  <a:lnTo>
+                    <a:pt x="8072" y="2270954"/>
+                  </a:lnTo>
+                  <a:lnTo>
+                    <a:pt x="2608" y="2354882"/>
+                  </a:lnTo>
+                  <a:lnTo>
+                    <a:pt x="0" y="2438948"/>
+                  </a:lnTo>
+                  <a:lnTo>
+                    <a:pt x="251" y="2523053"/>
+                  </a:lnTo>
+                  <a:lnTo>
+                    <a:pt x="3361" y="2607102"/>
+                  </a:lnTo>
+                  <a:lnTo>
+                    <a:pt x="9327" y="2690996"/>
+                  </a:lnTo>
+                  <a:lnTo>
+                    <a:pt x="18141" y="2774639"/>
+                  </a:lnTo>
+                  <a:lnTo>
+                    <a:pt x="29794" y="2857933"/>
+                  </a:lnTo>
+                  <a:lnTo>
+                    <a:pt x="44272" y="2940784"/>
+                  </a:lnTo>
+                  <a:lnTo>
+                    <a:pt x="61559" y="3023094"/>
+                  </a:lnTo>
+                  <a:lnTo>
+                    <a:pt x="81633" y="3104770"/>
+                  </a:lnTo>
+                  <a:lnTo>
+                    <a:pt x="104473" y="3185715"/>
+                  </a:lnTo>
+                  <a:lnTo>
+                    <a:pt x="130051" y="3265837"/>
+                  </a:lnTo>
+                  <a:lnTo>
+                    <a:pt x="158338" y="3345044"/>
+                  </a:lnTo>
+                  <a:lnTo>
+                    <a:pt x="189302" y="3423243"/>
+                  </a:lnTo>
+                  <a:lnTo>
+                    <a:pt x="222906" y="3500344"/>
+                  </a:lnTo>
+                  <a:lnTo>
+                    <a:pt x="259112" y="3576258"/>
+                  </a:lnTo>
+                  <a:lnTo>
+                    <a:pt x="297878" y="3650897"/>
+                  </a:lnTo>
+                  <a:lnTo>
+                    <a:pt x="339159" y="3724176"/>
+                  </a:lnTo>
+                  <a:lnTo>
+                    <a:pt x="382907" y="3796008"/>
+                  </a:lnTo>
+                  <a:lnTo>
+                    <a:pt x="429072" y="3866312"/>
+                  </a:lnTo>
+                  <a:lnTo>
+                    <a:pt x="477600" y="3935005"/>
+                  </a:lnTo>
+                  <a:lnTo>
+                    <a:pt x="528436" y="4002010"/>
+                  </a:lnTo>
+                  <a:lnTo>
+                    <a:pt x="581520" y="4067247"/>
+                  </a:lnTo>
+                  <a:lnTo>
+                    <a:pt x="636791" y="4130642"/>
+                  </a:lnTo>
+                  <a:lnTo>
+                    <a:pt x="694186" y="4192121"/>
+                  </a:lnTo>
+                  <a:lnTo>
+                    <a:pt x="753637" y="4251613"/>
+                  </a:lnTo>
+                  <a:lnTo>
+                    <a:pt x="815077" y="4309050"/>
+                  </a:lnTo>
+                  <a:lnTo>
+                    <a:pt x="878434" y="4364365"/>
+                  </a:lnTo>
+                  <a:lnTo>
+                    <a:pt x="943634" y="4417494"/>
+                  </a:lnTo>
+                  <a:lnTo>
+                    <a:pt x="1010603" y="4468376"/>
+                  </a:lnTo>
+                  <a:lnTo>
+                    <a:pt x="1079263" y="4516952"/>
+                  </a:lnTo>
+                  <a:lnTo>
+                    <a:pt x="1149535" y="4563165"/>
+                  </a:lnTo>
+                  <a:lnTo>
+                    <a:pt x="1221338" y="4606963"/>
+                  </a:lnTo>
+                  <a:lnTo>
+                    <a:pt x="1294588" y="4648294"/>
+                  </a:lnTo>
+                  <a:lnTo>
+                    <a:pt x="1369200" y="4687111"/>
+                  </a:lnTo>
+                  <a:lnTo>
+                    <a:pt x="1445089" y="4723370"/>
+                  </a:lnTo>
+                  <a:lnTo>
+                    <a:pt x="1522167" y="4757027"/>
+                  </a:lnTo>
+                  <a:lnTo>
+                    <a:pt x="1600345" y="4788045"/>
+                  </a:lnTo>
+                  <a:lnTo>
+                    <a:pt x="1679532" y="4816387"/>
+                  </a:lnTo>
+                  <a:lnTo>
+                    <a:pt x="1759636" y="4842020"/>
+                  </a:lnTo>
+                  <a:lnTo>
+                    <a:pt x="1840566" y="4864915"/>
+                  </a:lnTo>
+                  <a:lnTo>
+                    <a:pt x="1922227" y="4885046"/>
+                  </a:lnTo>
+                  <a:lnTo>
+                    <a:pt x="2004526" y="4902389"/>
+                  </a:lnTo>
+                  <a:lnTo>
+                    <a:pt x="2087366" y="4916924"/>
+                  </a:lnTo>
+                  <a:lnTo>
+                    <a:pt x="2170653" y="4928634"/>
+                  </a:lnTo>
+                  <a:lnTo>
+                    <a:pt x="2254290" y="4937507"/>
+                  </a:lnTo>
+                  <a:lnTo>
+                    <a:pt x="2338180" y="4943530"/>
+                  </a:lnTo>
+                  <a:lnTo>
+                    <a:pt x="2422226" y="4946699"/>
+                  </a:lnTo>
+                  <a:lnTo>
+                    <a:pt x="2506332" y="4947008"/>
+                  </a:lnTo>
+                  <a:lnTo>
+                    <a:pt x="2590399" y="4944457"/>
+                  </a:lnTo>
+                  <a:lnTo>
+                    <a:pt x="2674331" y="4939051"/>
+                  </a:lnTo>
+                  <a:lnTo>
+                    <a:pt x="2758031" y="4930794"/>
+                  </a:lnTo>
+                  <a:lnTo>
+                    <a:pt x="2841401" y="4919696"/>
+                  </a:lnTo>
+                  <a:lnTo>
+                    <a:pt x="2924346" y="4905770"/>
+                  </a:lnTo>
+                  <a:lnTo>
+                    <a:pt x="3006770" y="4889033"/>
+                  </a:lnTo>
+                  <a:lnTo>
+                    <a:pt x="3088577" y="4869503"/>
+                  </a:lnTo>
+                  <a:lnTo>
+                    <a:pt x="3169673" y="4847203"/>
+                  </a:lnTo>
+                  <a:lnTo>
+                    <a:pt x="3249964" y="4822159"/>
+                  </a:lnTo>
+                  <a:lnTo>
+                    <a:pt x="3329357" y="4794401"/>
+                  </a:lnTo>
+                  <a:lnTo>
+                    <a:pt x="3407761" y="4763959"/>
+                  </a:lnTo>
+                  <a:lnTo>
+                    <a:pt x="3485084" y="4730869"/>
+                  </a:lnTo>
+                  <a:lnTo>
+                    <a:pt x="3561238" y="4695169"/>
+                  </a:lnTo>
+                  <a:lnTo>
+                    <a:pt x="3636134" y="4656902"/>
+                  </a:lnTo>
+                  <a:lnTo>
+                    <a:pt x="3709685" y="4616110"/>
+                  </a:lnTo>
+                  <a:lnTo>
+                    <a:pt x="3781808" y="4572841"/>
+                  </a:lnTo>
+                  <a:lnTo>
+                    <a:pt x="3852417" y="4527146"/>
+                  </a:lnTo>
+                  <a:lnTo>
+                    <a:pt x="3921433" y="4479076"/>
+                  </a:lnTo>
+                  <a:lnTo>
+                    <a:pt x="3988774" y="4428688"/>
+                  </a:lnTo>
+                  <a:lnTo>
+                    <a:pt x="4054364" y="4376040"/>
+                  </a:lnTo>
+                  <a:lnTo>
+                    <a:pt x="4118125" y="4321192"/>
+                  </a:lnTo>
+                  <a:lnTo>
+                    <a:pt x="4179986" y="4264209"/>
+                  </a:lnTo>
+                  <a:lnTo>
+                    <a:pt x="4239873" y="4205155"/>
+                  </a:lnTo>
+                  <a:lnTo>
+                    <a:pt x="4297718" y="4144099"/>
+                  </a:lnTo>
+                  <a:lnTo>
+                    <a:pt x="4353454" y="4081112"/>
+                  </a:lnTo>
+                  <a:lnTo>
+                    <a:pt x="4407016" y="4016267"/>
+                  </a:lnTo>
+                  <a:lnTo>
+                    <a:pt x="4458343" y="3949639"/>
+                  </a:lnTo>
+                  <a:lnTo>
+                    <a:pt x="4507375" y="3881304"/>
+                  </a:lnTo>
+                  <a:lnTo>
+                    <a:pt x="4554056" y="3811341"/>
+                  </a:lnTo>
+                  <a:lnTo>
+                    <a:pt x="4598331" y="3739832"/>
+                  </a:lnTo>
+                  <a:lnTo>
+                    <a:pt x="4640149" y="3666859"/>
+                  </a:lnTo>
+                  <a:lnTo>
+                    <a:pt x="4679463" y="3592507"/>
+                  </a:lnTo>
+                  <a:lnTo>
+                    <a:pt x="4716226" y="3516861"/>
+                  </a:lnTo>
+                  <a:lnTo>
+                    <a:pt x="4750396" y="3440009"/>
+                  </a:lnTo>
+                  <a:lnTo>
+                    <a:pt x="4781934" y="3362040"/>
+                  </a:lnTo>
+                  <a:lnTo>
+                    <a:pt x="4810802" y="3283044"/>
+                  </a:lnTo>
+                  <a:lnTo>
+                    <a:pt x="4836969" y="3203112"/>
+                  </a:lnTo>
+                  <a:lnTo>
+                    <a:pt x="4860403" y="3122336"/>
+                  </a:lnTo>
+                  <a:lnTo>
+                    <a:pt x="4881077" y="3040811"/>
+                  </a:lnTo>
+                  <a:lnTo>
+                    <a:pt x="4898968" y="2958630"/>
+                  </a:lnTo>
+                  <a:lnTo>
+                    <a:pt x="4914055" y="2875888"/>
+                  </a:lnTo>
+                  <a:lnTo>
+                    <a:pt x="4926320" y="2792681"/>
+                  </a:lnTo>
+                  <a:lnTo>
+                    <a:pt x="4935749" y="2709105"/>
+                  </a:lnTo>
+                  <a:lnTo>
+                    <a:pt x="4942332" y="2625257"/>
+                  </a:lnTo>
+                  <a:lnTo>
+                    <a:pt x="4946060" y="2541234"/>
+                  </a:lnTo>
+                  <a:lnTo>
+                    <a:pt x="4946930" y="2457133"/>
+                  </a:lnTo>
+                  <a:lnTo>
+                    <a:pt x="4944939" y="2373050"/>
+                  </a:lnTo>
+                  <a:lnTo>
+                    <a:pt x="4940092" y="2289084"/>
+                  </a:lnTo>
+                  <a:lnTo>
+                    <a:pt x="4932393" y="2205331"/>
+                  </a:lnTo>
+                  <a:lnTo>
+                    <a:pt x="4921851" y="2121888"/>
+                  </a:lnTo>
+                  <a:lnTo>
+                    <a:pt x="4908478" y="2038852"/>
+                  </a:lnTo>
+                  <a:lnTo>
+                    <a:pt x="4892290" y="1956319"/>
+                  </a:lnTo>
+                  <a:lnTo>
+                    <a:pt x="4873306" y="1874383"/>
+                  </a:lnTo>
+                  <a:lnTo>
+                    <a:pt x="4851547" y="1793141"/>
+                  </a:lnTo>
+                  <a:lnTo>
+                    <a:pt x="4827039" y="1712685"/>
+                  </a:lnTo>
+                  <a:lnTo>
+                    <a:pt x="4799809" y="1633108"/>
+                  </a:lnTo>
+                  <a:lnTo>
+                    <a:pt x="4769890" y="1554504"/>
+                  </a:lnTo>
+                  <a:lnTo>
+                    <a:pt x="4737316" y="1476962"/>
+                  </a:lnTo>
+                  <a:lnTo>
+                    <a:pt x="4702125" y="1400572"/>
+                  </a:lnTo>
+                  <a:lnTo>
+                    <a:pt x="4664358" y="1325423"/>
+                  </a:lnTo>
+                  <a:lnTo>
+                    <a:pt x="4624057" y="1251601"/>
+                  </a:lnTo>
+                  <a:lnTo>
+                    <a:pt x="4581270" y="1179192"/>
+                  </a:lnTo>
+                  <a:lnTo>
+                    <a:pt x="4536046" y="1108279"/>
+                  </a:lnTo>
+                  <a:lnTo>
+                    <a:pt x="4488437" y="1038945"/>
+                  </a:lnTo>
+                  <a:lnTo>
+                    <a:pt x="4438499" y="971269"/>
+                  </a:lnTo>
+                  <a:lnTo>
+                    <a:pt x="4386288" y="905331"/>
+                  </a:lnTo>
+                  <a:lnTo>
+                    <a:pt x="4331867" y="841205"/>
+                  </a:lnTo>
+                  <a:lnTo>
+                    <a:pt x="4275296" y="778966"/>
+                  </a:lnTo>
+                  <a:lnTo>
+                    <a:pt x="4216643" y="718687"/>
+                  </a:lnTo>
+                  <a:lnTo>
+                    <a:pt x="4155974" y="660437"/>
+                  </a:lnTo>
+                  <a:lnTo>
+                    <a:pt x="4093360" y="604282"/>
+                  </a:lnTo>
+                  <a:lnTo>
+                    <a:pt x="4028873" y="550289"/>
+                  </a:lnTo>
+                  <a:lnTo>
+                    <a:pt x="3962588" y="498519"/>
+                  </a:lnTo>
+                  <a:lnTo>
+                    <a:pt x="3894581" y="449033"/>
+                  </a:lnTo>
+                  <a:lnTo>
+                    <a:pt x="3824932" y="401887"/>
+                  </a:lnTo>
+                  <a:lnTo>
+                    <a:pt x="3753719" y="357137"/>
+                  </a:lnTo>
+                  <a:lnTo>
+                    <a:pt x="3681027" y="314833"/>
+                  </a:lnTo>
+                  <a:lnTo>
+                    <a:pt x="3606938" y="275025"/>
+                  </a:lnTo>
+                  <a:lnTo>
+                    <a:pt x="3531539" y="237759"/>
+                  </a:lnTo>
+                  <a:lnTo>
+                    <a:pt x="3454916" y="203077"/>
+                  </a:lnTo>
+                  <a:lnTo>
+                    <a:pt x="3377159" y="171021"/>
+                  </a:lnTo>
+                  <a:lnTo>
+                    <a:pt x="3298357" y="141626"/>
+                  </a:lnTo>
+                  <a:lnTo>
+                    <a:pt x="3218601" y="114928"/>
+                  </a:lnTo>
+                  <a:lnTo>
+                    <a:pt x="3137983" y="90956"/>
+                  </a:lnTo>
+                  <a:lnTo>
+                    <a:pt x="3056597" y="69739"/>
+                  </a:lnTo>
+                  <a:lnTo>
+                    <a:pt x="2974537" y="51301"/>
+                  </a:lnTo>
+                  <a:lnTo>
+                    <a:pt x="2891898" y="35663"/>
+                  </a:lnTo>
+                  <a:lnTo>
+                    <a:pt x="2808774" y="22844"/>
+                  </a:lnTo>
+                  <a:lnTo>
+                    <a:pt x="2725263" y="12858"/>
+                  </a:lnTo>
+                  <a:lnTo>
+                    <a:pt x="2641461" y="5717"/>
+                  </a:lnTo>
+                  <a:lnTo>
+                    <a:pt x="2557464" y="1429"/>
+                  </a:lnTo>
+                  <a:lnTo>
+                    <a:pt x="2473371" y="0"/>
+                  </a:lnTo>
+                  <a:lnTo>
+                    <a:pt x="2473371" y="85297"/>
+                  </a:lnTo>
+                  <a:lnTo>
+                    <a:pt x="2473371" y="170594"/>
+                  </a:lnTo>
+                  <a:lnTo>
+                    <a:pt x="2473371" y="255891"/>
+                  </a:lnTo>
+                  <a:lnTo>
+                    <a:pt x="2473371" y="341188"/>
+                  </a:lnTo>
+                  <a:lnTo>
+                    <a:pt x="2473371" y="426485"/>
+                  </a:lnTo>
+                  <a:lnTo>
+                    <a:pt x="2473371" y="511782"/>
+                  </a:lnTo>
+                  <a:lnTo>
+                    <a:pt x="2473371" y="597079"/>
+                  </a:lnTo>
+                  <a:lnTo>
+                    <a:pt x="2473371" y="682376"/>
+                  </a:lnTo>
+                  <a:lnTo>
+                    <a:pt x="2473371" y="767673"/>
+                  </a:lnTo>
+                  <a:lnTo>
+                    <a:pt x="2473371" y="852970"/>
+                  </a:lnTo>
+                  <a:lnTo>
+                    <a:pt x="2473371" y="938267"/>
+                  </a:lnTo>
+                  <a:lnTo>
+                    <a:pt x="2473371" y="1023564"/>
+                  </a:lnTo>
+                  <a:lnTo>
+                    <a:pt x="2473371" y="1108861"/>
+                  </a:lnTo>
+                  <a:lnTo>
+                    <a:pt x="2473371" y="1194158"/>
+                  </a:lnTo>
+                  <a:lnTo>
+                    <a:pt x="2473371" y="1279455"/>
+                  </a:lnTo>
+                  <a:lnTo>
+                    <a:pt x="2473371" y="1364752"/>
+                  </a:lnTo>
+                  <a:lnTo>
+                    <a:pt x="2473371" y="1450049"/>
+                  </a:lnTo>
+                  <a:lnTo>
+                    <a:pt x="2473371" y="1535346"/>
+                  </a:lnTo>
+                  <a:lnTo>
+                    <a:pt x="2473371" y="1620643"/>
+                  </a:lnTo>
+                  <a:lnTo>
+                    <a:pt x="2473371" y="1705940"/>
+                  </a:lnTo>
+                  <a:lnTo>
+                    <a:pt x="2473371" y="1791237"/>
+                  </a:lnTo>
+                  <a:lnTo>
+                    <a:pt x="2473371" y="1876534"/>
+                  </a:lnTo>
+                  <a:lnTo>
+                    <a:pt x="2473371" y="1961831"/>
+                  </a:lnTo>
+                  <a:lnTo>
+                    <a:pt x="2473371" y="2047128"/>
+                  </a:lnTo>
+                  <a:lnTo>
+                    <a:pt x="2473371" y="2132425"/>
+                  </a:lnTo>
+                  <a:lnTo>
+                    <a:pt x="2473371" y="2217722"/>
+                  </a:lnTo>
+                  <a:lnTo>
+                    <a:pt x="2473371" y="2303019"/>
+                  </a:lnTo>
+                  <a:lnTo>
+                    <a:pt x="2473371" y="2388316"/>
                   </a:lnTo>
                   <a:close/>
                 </a:path>
               </a:pathLst>
             </a:custGeom>
             <a:solidFill>
-              <a:srgbClr val="E76BF3">
+              <a:srgbClr val="C77CFF">
                 <a:alpha val="100000"/>
               </a:srgbClr>
             </a:solidFill>
@@ -2944,208 +2989,208 @@
           </p:nvSpPr>
           <p:spPr>
             <a:xfrm>
-              <a:off x="3046287" y="3397046"/>
-              <a:ext cx="2440112" cy="826136"/>
+              <a:off x="3585063" y="2302720"/>
+              <a:ext cx="1901336" cy="1920462"/>
             </a:xfrm>
             <a:custGeom>
               <a:avLst/>
               <a:pathLst>
-                <a:path w="2440112" h="826136">
+                <a:path w="1901336" h="1920462">
                   <a:moveTo>
-                    <a:pt x="2440112" y="826136"/>
+                    <a:pt x="1901336" y="1920462"/>
                   </a:moveTo>
                   <a:lnTo>
-                    <a:pt x="2359712" y="797648"/>
-                  </a:lnTo>
-                  <a:lnTo>
-                    <a:pt x="2279313" y="769161"/>
-                  </a:lnTo>
-                  <a:lnTo>
-                    <a:pt x="2198914" y="740673"/>
-                  </a:lnTo>
-                  <a:lnTo>
-                    <a:pt x="2118514" y="712186"/>
-                  </a:lnTo>
-                  <a:lnTo>
-                    <a:pt x="2038115" y="683698"/>
-                  </a:lnTo>
-                  <a:lnTo>
-                    <a:pt x="1957716" y="655211"/>
-                  </a:lnTo>
-                  <a:lnTo>
-                    <a:pt x="1877316" y="626723"/>
-                  </a:lnTo>
-                  <a:lnTo>
-                    <a:pt x="1796917" y="598236"/>
-                  </a:lnTo>
-                  <a:lnTo>
-                    <a:pt x="1716518" y="569749"/>
-                  </a:lnTo>
-                  <a:lnTo>
-                    <a:pt x="1636118" y="541261"/>
-                  </a:lnTo>
-                  <a:lnTo>
-                    <a:pt x="1555719" y="512774"/>
-                  </a:lnTo>
-                  <a:lnTo>
-                    <a:pt x="1475320" y="484286"/>
-                  </a:lnTo>
-                  <a:lnTo>
-                    <a:pt x="1394921" y="455799"/>
-                  </a:lnTo>
-                  <a:lnTo>
-                    <a:pt x="1314521" y="427311"/>
-                  </a:lnTo>
-                  <a:lnTo>
-                    <a:pt x="1234122" y="398824"/>
-                  </a:lnTo>
-                  <a:lnTo>
-                    <a:pt x="1153723" y="370336"/>
-                  </a:lnTo>
-                  <a:lnTo>
-                    <a:pt x="1073323" y="341849"/>
-                  </a:lnTo>
-                  <a:lnTo>
-                    <a:pt x="992924" y="313361"/>
-                  </a:lnTo>
-                  <a:lnTo>
-                    <a:pt x="912525" y="284874"/>
-                  </a:lnTo>
-                  <a:lnTo>
-                    <a:pt x="832125" y="256387"/>
-                  </a:lnTo>
-                  <a:lnTo>
-                    <a:pt x="751726" y="227899"/>
-                  </a:lnTo>
-                  <a:lnTo>
-                    <a:pt x="671327" y="199412"/>
-                  </a:lnTo>
-                  <a:lnTo>
-                    <a:pt x="590927" y="170924"/>
-                  </a:lnTo>
-                  <a:lnTo>
-                    <a:pt x="510528" y="142437"/>
-                  </a:lnTo>
-                  <a:lnTo>
-                    <a:pt x="430129" y="113949"/>
-                  </a:lnTo>
-                  <a:lnTo>
-                    <a:pt x="349730" y="85462"/>
-                  </a:lnTo>
-                  <a:lnTo>
-                    <a:pt x="269330" y="56974"/>
-                  </a:lnTo>
-                  <a:lnTo>
-                    <a:pt x="188931" y="28487"/>
-                  </a:lnTo>
-                  <a:lnTo>
-                    <a:pt x="108532" y="0"/>
-                  </a:lnTo>
-                  <a:lnTo>
-                    <a:pt x="80939" y="82450"/>
-                  </a:lnTo>
-                  <a:lnTo>
-                    <a:pt x="56260" y="165818"/>
-                  </a:lnTo>
-                  <a:lnTo>
-                    <a:pt x="34527" y="250003"/>
-                  </a:lnTo>
-                  <a:lnTo>
-                    <a:pt x="15766" y="334900"/>
-                  </a:lnTo>
-                  <a:lnTo>
-                    <a:pt x="0" y="420403"/>
-                  </a:lnTo>
-                  <a:lnTo>
-                    <a:pt x="84141" y="434394"/>
-                  </a:lnTo>
-                  <a:lnTo>
-                    <a:pt x="168283" y="448384"/>
-                  </a:lnTo>
-                  <a:lnTo>
-                    <a:pt x="252425" y="462375"/>
-                  </a:lnTo>
-                  <a:lnTo>
-                    <a:pt x="336567" y="476366"/>
-                  </a:lnTo>
-                  <a:lnTo>
-                    <a:pt x="420708" y="490357"/>
-                  </a:lnTo>
-                  <a:lnTo>
-                    <a:pt x="504850" y="504348"/>
-                  </a:lnTo>
-                  <a:lnTo>
-                    <a:pt x="588992" y="518338"/>
-                  </a:lnTo>
-                  <a:lnTo>
-                    <a:pt x="673134" y="532329"/>
-                  </a:lnTo>
-                  <a:lnTo>
-                    <a:pt x="757276" y="546320"/>
-                  </a:lnTo>
-                  <a:lnTo>
-                    <a:pt x="841417" y="560311"/>
-                  </a:lnTo>
-                  <a:lnTo>
-                    <a:pt x="925559" y="574302"/>
-                  </a:lnTo>
-                  <a:lnTo>
-                    <a:pt x="1009701" y="588292"/>
-                  </a:lnTo>
-                  <a:lnTo>
-                    <a:pt x="1093843" y="602283"/>
-                  </a:lnTo>
-                  <a:lnTo>
-                    <a:pt x="1177985" y="616274"/>
-                  </a:lnTo>
-                  <a:lnTo>
-                    <a:pt x="1262126" y="630265"/>
-                  </a:lnTo>
-                  <a:lnTo>
-                    <a:pt x="1346268" y="644255"/>
-                  </a:lnTo>
-                  <a:lnTo>
-                    <a:pt x="1430410" y="658246"/>
-                  </a:lnTo>
-                  <a:lnTo>
-                    <a:pt x="1514552" y="672237"/>
-                  </a:lnTo>
-                  <a:lnTo>
-                    <a:pt x="1598694" y="686228"/>
-                  </a:lnTo>
-                  <a:lnTo>
-                    <a:pt x="1682835" y="700219"/>
-                  </a:lnTo>
-                  <a:lnTo>
-                    <a:pt x="1766977" y="714209"/>
-                  </a:lnTo>
-                  <a:lnTo>
-                    <a:pt x="1851119" y="728200"/>
-                  </a:lnTo>
-                  <a:lnTo>
-                    <a:pt x="1935261" y="742191"/>
-                  </a:lnTo>
-                  <a:lnTo>
-                    <a:pt x="2019403" y="756182"/>
-                  </a:lnTo>
-                  <a:lnTo>
-                    <a:pt x="2103544" y="770173"/>
-                  </a:lnTo>
-                  <a:lnTo>
-                    <a:pt x="2187686" y="784163"/>
-                  </a:lnTo>
-                  <a:lnTo>
-                    <a:pt x="2271828" y="798154"/>
-                  </a:lnTo>
-                  <a:lnTo>
-                    <a:pt x="2355970" y="812145"/>
+                    <a:pt x="1847576" y="1854239"/>
+                  </a:lnTo>
+                  <a:lnTo>
+                    <a:pt x="1793816" y="1788016"/>
+                  </a:lnTo>
+                  <a:lnTo>
+                    <a:pt x="1740056" y="1721793"/>
+                  </a:lnTo>
+                  <a:lnTo>
+                    <a:pt x="1686296" y="1655570"/>
+                  </a:lnTo>
+                  <a:lnTo>
+                    <a:pt x="1632537" y="1589347"/>
+                  </a:lnTo>
+                  <a:lnTo>
+                    <a:pt x="1578777" y="1523125"/>
+                  </a:lnTo>
+                  <a:lnTo>
+                    <a:pt x="1525017" y="1456902"/>
+                  </a:lnTo>
+                  <a:lnTo>
+                    <a:pt x="1471257" y="1390679"/>
+                  </a:lnTo>
+                  <a:lnTo>
+                    <a:pt x="1417497" y="1324456"/>
+                  </a:lnTo>
+                  <a:lnTo>
+                    <a:pt x="1363737" y="1258233"/>
+                  </a:lnTo>
+                  <a:lnTo>
+                    <a:pt x="1309978" y="1192010"/>
+                  </a:lnTo>
+                  <a:lnTo>
+                    <a:pt x="1256218" y="1125788"/>
+                  </a:lnTo>
+                  <a:lnTo>
+                    <a:pt x="1202458" y="1059565"/>
+                  </a:lnTo>
+                  <a:lnTo>
+                    <a:pt x="1148698" y="993342"/>
+                  </a:lnTo>
+                  <a:lnTo>
+                    <a:pt x="1094938" y="927119"/>
+                  </a:lnTo>
+                  <a:lnTo>
+                    <a:pt x="1041178" y="860896"/>
+                  </a:lnTo>
+                  <a:lnTo>
+                    <a:pt x="987419" y="794673"/>
+                  </a:lnTo>
+                  <a:lnTo>
+                    <a:pt x="933659" y="728451"/>
+                  </a:lnTo>
+                  <a:lnTo>
+                    <a:pt x="879899" y="662228"/>
+                  </a:lnTo>
+                  <a:lnTo>
+                    <a:pt x="826139" y="596005"/>
+                  </a:lnTo>
+                  <a:lnTo>
+                    <a:pt x="772379" y="529782"/>
+                  </a:lnTo>
+                  <a:lnTo>
+                    <a:pt x="718619" y="463559"/>
+                  </a:lnTo>
+                  <a:lnTo>
+                    <a:pt x="664859" y="397336"/>
+                  </a:lnTo>
+                  <a:lnTo>
+                    <a:pt x="611100" y="331114"/>
+                  </a:lnTo>
+                  <a:lnTo>
+                    <a:pt x="557340" y="264891"/>
+                  </a:lnTo>
+                  <a:lnTo>
+                    <a:pt x="503580" y="198668"/>
+                  </a:lnTo>
+                  <a:lnTo>
+                    <a:pt x="449820" y="132445"/>
+                  </a:lnTo>
+                  <a:lnTo>
+                    <a:pt x="396060" y="66222"/>
+                  </a:lnTo>
+                  <a:lnTo>
+                    <a:pt x="342300" y="0"/>
+                  </a:lnTo>
+                  <a:lnTo>
+                    <a:pt x="268671" y="62190"/>
+                  </a:lnTo>
+                  <a:lnTo>
+                    <a:pt x="197520" y="127202"/>
+                  </a:lnTo>
+                  <a:lnTo>
+                    <a:pt x="128956" y="194937"/>
+                  </a:lnTo>
+                  <a:lnTo>
+                    <a:pt x="63082" y="265291"/>
+                  </a:lnTo>
+                  <a:lnTo>
+                    <a:pt x="0" y="338158"/>
+                  </a:lnTo>
+                  <a:lnTo>
+                    <a:pt x="65563" y="392720"/>
+                  </a:lnTo>
+                  <a:lnTo>
+                    <a:pt x="131126" y="447282"/>
+                  </a:lnTo>
+                  <a:lnTo>
+                    <a:pt x="196689" y="501844"/>
+                  </a:lnTo>
+                  <a:lnTo>
+                    <a:pt x="262253" y="556406"/>
+                  </a:lnTo>
+                  <a:lnTo>
+                    <a:pt x="327816" y="610969"/>
+                  </a:lnTo>
+                  <a:lnTo>
+                    <a:pt x="393379" y="665531"/>
+                  </a:lnTo>
+                  <a:lnTo>
+                    <a:pt x="458943" y="720093"/>
+                  </a:lnTo>
+                  <a:lnTo>
+                    <a:pt x="524506" y="774655"/>
+                  </a:lnTo>
+                  <a:lnTo>
+                    <a:pt x="590069" y="829217"/>
+                  </a:lnTo>
+                  <a:lnTo>
+                    <a:pt x="655633" y="883780"/>
+                  </a:lnTo>
+                  <a:lnTo>
+                    <a:pt x="721196" y="938342"/>
+                  </a:lnTo>
+                  <a:lnTo>
+                    <a:pt x="786759" y="992904"/>
+                  </a:lnTo>
+                  <a:lnTo>
+                    <a:pt x="852323" y="1047466"/>
+                  </a:lnTo>
+                  <a:lnTo>
+                    <a:pt x="917886" y="1102028"/>
+                  </a:lnTo>
+                  <a:lnTo>
+                    <a:pt x="983449" y="1156591"/>
+                  </a:lnTo>
+                  <a:lnTo>
+                    <a:pt x="1049013" y="1211153"/>
+                  </a:lnTo>
+                  <a:lnTo>
+                    <a:pt x="1114576" y="1265715"/>
+                  </a:lnTo>
+                  <a:lnTo>
+                    <a:pt x="1180139" y="1320277"/>
+                  </a:lnTo>
+                  <a:lnTo>
+                    <a:pt x="1245703" y="1374840"/>
+                  </a:lnTo>
+                  <a:lnTo>
+                    <a:pt x="1311266" y="1429402"/>
+                  </a:lnTo>
+                  <a:lnTo>
+                    <a:pt x="1376829" y="1483964"/>
+                  </a:lnTo>
+                  <a:lnTo>
+                    <a:pt x="1442393" y="1538526"/>
+                  </a:lnTo>
+                  <a:lnTo>
+                    <a:pt x="1507956" y="1593088"/>
+                  </a:lnTo>
+                  <a:lnTo>
+                    <a:pt x="1573519" y="1647651"/>
+                  </a:lnTo>
+                  <a:lnTo>
+                    <a:pt x="1639082" y="1702213"/>
+                  </a:lnTo>
+                  <a:lnTo>
+                    <a:pt x="1704646" y="1756775"/>
+                  </a:lnTo>
+                  <a:lnTo>
+                    <a:pt x="1770209" y="1811337"/>
+                  </a:lnTo>
+                  <a:lnTo>
+                    <a:pt x="1835772" y="1865899"/>
                   </a:lnTo>
                   <a:close/>
                 </a:path>
               </a:pathLst>
             </a:custGeom>
             <a:solidFill>
-              <a:srgbClr val="00B0F6">
+              <a:srgbClr val="00BFC4">
                 <a:alpha val="100000"/>
               </a:srgbClr>
             </a:solidFill>
@@ -3173,247 +3218,244 @@
           </p:nvSpPr>
           <p:spPr>
             <a:xfrm>
-              <a:off x="3154820" y="2202995"/>
-              <a:ext cx="2331579" cy="2020186"/>
+              <a:off x="3927364" y="1761295"/>
+              <a:ext cx="1559035" cy="2461886"/>
             </a:xfrm>
             <a:custGeom>
               <a:avLst/>
               <a:pathLst>
-                <a:path w="2331579" h="2020186">
+                <a:path w="1559035" h="2461886">
                   <a:moveTo>
-                    <a:pt x="2331579" y="2020186"/>
+                    <a:pt x="1559035" y="2461886"/>
                   </a:moveTo>
                   <a:lnTo>
-                    <a:pt x="2282357" y="1950524"/>
-                  </a:lnTo>
-                  <a:lnTo>
-                    <a:pt x="2233135" y="1880863"/>
-                  </a:lnTo>
-                  <a:lnTo>
-                    <a:pt x="2183912" y="1811201"/>
-                  </a:lnTo>
-                  <a:lnTo>
-                    <a:pt x="2134690" y="1741540"/>
-                  </a:lnTo>
-                  <a:lnTo>
-                    <a:pt x="2085467" y="1671878"/>
-                  </a:lnTo>
-                  <a:lnTo>
-                    <a:pt x="2036245" y="1602216"/>
-                  </a:lnTo>
-                  <a:lnTo>
-                    <a:pt x="1987023" y="1532555"/>
-                  </a:lnTo>
-                  <a:lnTo>
-                    <a:pt x="1937800" y="1462893"/>
-                  </a:lnTo>
-                  <a:lnTo>
-                    <a:pt x="1888578" y="1393232"/>
-                  </a:lnTo>
-                  <a:lnTo>
-                    <a:pt x="1839355" y="1323570"/>
-                  </a:lnTo>
-                  <a:lnTo>
-                    <a:pt x="1790133" y="1253908"/>
-                  </a:lnTo>
-                  <a:lnTo>
-                    <a:pt x="1740911" y="1184247"/>
-                  </a:lnTo>
-                  <a:lnTo>
-                    <a:pt x="1691688" y="1114585"/>
-                  </a:lnTo>
-                  <a:lnTo>
-                    <a:pt x="1642466" y="1044924"/>
-                  </a:lnTo>
-                  <a:lnTo>
-                    <a:pt x="1593243" y="975262"/>
-                  </a:lnTo>
-                  <a:lnTo>
-                    <a:pt x="1544021" y="905600"/>
-                  </a:lnTo>
-                  <a:lnTo>
-                    <a:pt x="1494799" y="835939"/>
-                  </a:lnTo>
-                  <a:lnTo>
-                    <a:pt x="1445576" y="766277"/>
-                  </a:lnTo>
-                  <a:lnTo>
-                    <a:pt x="1396354" y="696616"/>
-                  </a:lnTo>
-                  <a:lnTo>
-                    <a:pt x="1347132" y="626954"/>
-                  </a:lnTo>
-                  <a:lnTo>
-                    <a:pt x="1297909" y="557292"/>
-                  </a:lnTo>
-                  <a:lnTo>
-                    <a:pt x="1248687" y="487631"/>
-                  </a:lnTo>
-                  <a:lnTo>
-                    <a:pt x="1199464" y="417969"/>
-                  </a:lnTo>
-                  <a:lnTo>
-                    <a:pt x="1150242" y="348308"/>
-                  </a:lnTo>
-                  <a:lnTo>
-                    <a:pt x="1101020" y="278646"/>
-                  </a:lnTo>
-                  <a:lnTo>
-                    <a:pt x="1051797" y="208984"/>
-                  </a:lnTo>
-                  <a:lnTo>
-                    <a:pt x="1002575" y="139323"/>
-                  </a:lnTo>
-                  <a:lnTo>
-                    <a:pt x="953352" y="69661"/>
-                  </a:lnTo>
-                  <a:lnTo>
-                    <a:pt x="904130" y="0"/>
-                  </a:lnTo>
-                  <a:lnTo>
-                    <a:pt x="835938" y="49952"/>
-                  </a:lnTo>
-                  <a:lnTo>
-                    <a:pt x="769493" y="102205"/>
-                  </a:lnTo>
-                  <a:lnTo>
-                    <a:pt x="704873" y="156697"/>
-                  </a:lnTo>
-                  <a:lnTo>
-                    <a:pt x="642151" y="213366"/>
-                  </a:lnTo>
-                  <a:lnTo>
-                    <a:pt x="581403" y="272145"/>
-                  </a:lnTo>
-                  <a:lnTo>
-                    <a:pt x="522699" y="332965"/>
-                  </a:lnTo>
-                  <a:lnTo>
-                    <a:pt x="466106" y="395755"/>
-                  </a:lnTo>
-                  <a:lnTo>
-                    <a:pt x="411693" y="460442"/>
-                  </a:lnTo>
-                  <a:lnTo>
-                    <a:pt x="359521" y="526951"/>
-                  </a:lnTo>
-                  <a:lnTo>
-                    <a:pt x="309652" y="595203"/>
-                  </a:lnTo>
-                  <a:lnTo>
-                    <a:pt x="262144" y="665120"/>
-                  </a:lnTo>
-                  <a:lnTo>
-                    <a:pt x="217053" y="736619"/>
-                  </a:lnTo>
-                  <a:lnTo>
-                    <a:pt x="174431" y="809617"/>
-                  </a:lnTo>
-                  <a:lnTo>
-                    <a:pt x="134329" y="884028"/>
-                  </a:lnTo>
-                  <a:lnTo>
-                    <a:pt x="96792" y="959766"/>
-                  </a:lnTo>
-                  <a:lnTo>
-                    <a:pt x="61865" y="1036743"/>
-                  </a:lnTo>
-                  <a:lnTo>
-                    <a:pt x="29588" y="1114868"/>
-                  </a:lnTo>
-                  <a:lnTo>
-                    <a:pt x="0" y="1194050"/>
-                  </a:lnTo>
-                  <a:lnTo>
-                    <a:pt x="80399" y="1222537"/>
-                  </a:lnTo>
-                  <a:lnTo>
-                    <a:pt x="160798" y="1251025"/>
-                  </a:lnTo>
-                  <a:lnTo>
-                    <a:pt x="241197" y="1279512"/>
-                  </a:lnTo>
-                  <a:lnTo>
-                    <a:pt x="321597" y="1308000"/>
-                  </a:lnTo>
-                  <a:lnTo>
-                    <a:pt x="401996" y="1336487"/>
-                  </a:lnTo>
-                  <a:lnTo>
-                    <a:pt x="482395" y="1364975"/>
-                  </a:lnTo>
-                  <a:lnTo>
-                    <a:pt x="562795" y="1393462"/>
-                  </a:lnTo>
-                  <a:lnTo>
-                    <a:pt x="643194" y="1421950"/>
-                  </a:lnTo>
-                  <a:lnTo>
-                    <a:pt x="723593" y="1450437"/>
-                  </a:lnTo>
-                  <a:lnTo>
-                    <a:pt x="803993" y="1478924"/>
-                  </a:lnTo>
-                  <a:lnTo>
-                    <a:pt x="884392" y="1507412"/>
-                  </a:lnTo>
-                  <a:lnTo>
-                    <a:pt x="964791" y="1535899"/>
-                  </a:lnTo>
-                  <a:lnTo>
-                    <a:pt x="1045190" y="1564387"/>
-                  </a:lnTo>
-                  <a:lnTo>
-                    <a:pt x="1125590" y="1592874"/>
-                  </a:lnTo>
-                  <a:lnTo>
-                    <a:pt x="1205989" y="1621362"/>
-                  </a:lnTo>
-                  <a:lnTo>
-                    <a:pt x="1286388" y="1649849"/>
-                  </a:lnTo>
-                  <a:lnTo>
-                    <a:pt x="1366788" y="1678337"/>
-                  </a:lnTo>
-                  <a:lnTo>
-                    <a:pt x="1447187" y="1706824"/>
-                  </a:lnTo>
-                  <a:lnTo>
-                    <a:pt x="1527586" y="1735312"/>
-                  </a:lnTo>
-                  <a:lnTo>
-                    <a:pt x="1607986" y="1763799"/>
-                  </a:lnTo>
-                  <a:lnTo>
-                    <a:pt x="1688385" y="1792286"/>
-                  </a:lnTo>
-                  <a:lnTo>
-                    <a:pt x="1768784" y="1820774"/>
-                  </a:lnTo>
-                  <a:lnTo>
-                    <a:pt x="1849184" y="1849261"/>
-                  </a:lnTo>
-                  <a:lnTo>
-                    <a:pt x="1929583" y="1877749"/>
-                  </a:lnTo>
-                  <a:lnTo>
-                    <a:pt x="2009982" y="1906236"/>
-                  </a:lnTo>
-                  <a:lnTo>
-                    <a:pt x="2090381" y="1934724"/>
-                  </a:lnTo>
-                  <a:lnTo>
-                    <a:pt x="2170781" y="1963211"/>
-                  </a:lnTo>
-                  <a:lnTo>
-                    <a:pt x="2251180" y="1991699"/>
+                    <a:pt x="1550739" y="2376993"/>
+                  </a:lnTo>
+                  <a:lnTo>
+                    <a:pt x="1542443" y="2292101"/>
+                  </a:lnTo>
+                  <a:lnTo>
+                    <a:pt x="1534147" y="2207208"/>
+                  </a:lnTo>
+                  <a:lnTo>
+                    <a:pt x="1525851" y="2122316"/>
+                  </a:lnTo>
+                  <a:lnTo>
+                    <a:pt x="1517555" y="2037423"/>
+                  </a:lnTo>
+                  <a:lnTo>
+                    <a:pt x="1509259" y="1952530"/>
+                  </a:lnTo>
+                  <a:lnTo>
+                    <a:pt x="1500963" y="1867638"/>
+                  </a:lnTo>
+                  <a:lnTo>
+                    <a:pt x="1492667" y="1782745"/>
+                  </a:lnTo>
+                  <a:lnTo>
+                    <a:pt x="1484371" y="1697852"/>
+                  </a:lnTo>
+                  <a:lnTo>
+                    <a:pt x="1476075" y="1612960"/>
+                  </a:lnTo>
+                  <a:lnTo>
+                    <a:pt x="1467779" y="1528067"/>
+                  </a:lnTo>
+                  <a:lnTo>
+                    <a:pt x="1459483" y="1443174"/>
+                  </a:lnTo>
+                  <a:lnTo>
+                    <a:pt x="1451187" y="1358282"/>
+                  </a:lnTo>
+                  <a:lnTo>
+                    <a:pt x="1442891" y="1273389"/>
+                  </a:lnTo>
+                  <a:lnTo>
+                    <a:pt x="1434595" y="1188496"/>
+                  </a:lnTo>
+                  <a:lnTo>
+                    <a:pt x="1426299" y="1103604"/>
+                  </a:lnTo>
+                  <a:lnTo>
+                    <a:pt x="1418003" y="1018711"/>
+                  </a:lnTo>
+                  <a:lnTo>
+                    <a:pt x="1409707" y="933819"/>
+                  </a:lnTo>
+                  <a:lnTo>
+                    <a:pt x="1401411" y="848926"/>
+                  </a:lnTo>
+                  <a:lnTo>
+                    <a:pt x="1393116" y="764033"/>
+                  </a:lnTo>
+                  <a:lnTo>
+                    <a:pt x="1384820" y="679141"/>
+                  </a:lnTo>
+                  <a:lnTo>
+                    <a:pt x="1376524" y="594248"/>
+                  </a:lnTo>
+                  <a:lnTo>
+                    <a:pt x="1368228" y="509355"/>
+                  </a:lnTo>
+                  <a:lnTo>
+                    <a:pt x="1359932" y="424463"/>
+                  </a:lnTo>
+                  <a:lnTo>
+                    <a:pt x="1351636" y="339570"/>
+                  </a:lnTo>
+                  <a:lnTo>
+                    <a:pt x="1343340" y="254677"/>
+                  </a:lnTo>
+                  <a:lnTo>
+                    <a:pt x="1335044" y="169785"/>
+                  </a:lnTo>
+                  <a:lnTo>
+                    <a:pt x="1326748" y="84892"/>
+                  </a:lnTo>
+                  <a:lnTo>
+                    <a:pt x="1318452" y="0"/>
+                  </a:lnTo>
+                  <a:lnTo>
+                    <a:pt x="1233968" y="9724"/>
+                  </a:lnTo>
+                  <a:lnTo>
+                    <a:pt x="1149868" y="22348"/>
+                  </a:lnTo>
+                  <a:lnTo>
+                    <a:pt x="1066252" y="37854"/>
+                  </a:lnTo>
+                  <a:lnTo>
+                    <a:pt x="983218" y="56226"/>
+                  </a:lnTo>
+                  <a:lnTo>
+                    <a:pt x="900865" y="77441"/>
+                  </a:lnTo>
+                  <a:lnTo>
+                    <a:pt x="819290" y="101475"/>
+                  </a:lnTo>
+                  <a:lnTo>
+                    <a:pt x="738589" y="128298"/>
+                  </a:lnTo>
+                  <a:lnTo>
+                    <a:pt x="658857" y="157879"/>
+                  </a:lnTo>
+                  <a:lnTo>
+                    <a:pt x="580190" y="190184"/>
+                  </a:lnTo>
+                  <a:lnTo>
+                    <a:pt x="502680" y="225174"/>
+                  </a:lnTo>
+                  <a:lnTo>
+                    <a:pt x="426418" y="262808"/>
+                  </a:lnTo>
+                  <a:lnTo>
+                    <a:pt x="351495" y="303040"/>
+                  </a:lnTo>
+                  <a:lnTo>
+                    <a:pt x="278000" y="345825"/>
+                  </a:lnTo>
+                  <a:lnTo>
+                    <a:pt x="206018" y="391110"/>
+                  </a:lnTo>
+                  <a:lnTo>
+                    <a:pt x="135636" y="438844"/>
+                  </a:lnTo>
+                  <a:lnTo>
+                    <a:pt x="66936" y="488968"/>
+                  </a:lnTo>
+                  <a:lnTo>
+                    <a:pt x="0" y="541424"/>
+                  </a:lnTo>
+                  <a:lnTo>
+                    <a:pt x="53759" y="607647"/>
+                  </a:lnTo>
+                  <a:lnTo>
+                    <a:pt x="107519" y="673870"/>
+                  </a:lnTo>
+                  <a:lnTo>
+                    <a:pt x="161279" y="740092"/>
+                  </a:lnTo>
+                  <a:lnTo>
+                    <a:pt x="215039" y="806315"/>
+                  </a:lnTo>
+                  <a:lnTo>
+                    <a:pt x="268799" y="872538"/>
+                  </a:lnTo>
+                  <a:lnTo>
+                    <a:pt x="322559" y="938761"/>
+                  </a:lnTo>
+                  <a:lnTo>
+                    <a:pt x="376318" y="1004984"/>
+                  </a:lnTo>
+                  <a:lnTo>
+                    <a:pt x="430078" y="1071207"/>
+                  </a:lnTo>
+                  <a:lnTo>
+                    <a:pt x="483838" y="1137429"/>
+                  </a:lnTo>
+                  <a:lnTo>
+                    <a:pt x="537598" y="1203652"/>
+                  </a:lnTo>
+                  <a:lnTo>
+                    <a:pt x="591358" y="1269875"/>
+                  </a:lnTo>
+                  <a:lnTo>
+                    <a:pt x="645118" y="1336098"/>
+                  </a:lnTo>
+                  <a:lnTo>
+                    <a:pt x="698877" y="1402321"/>
+                  </a:lnTo>
+                  <a:lnTo>
+                    <a:pt x="752637" y="1468544"/>
+                  </a:lnTo>
+                  <a:lnTo>
+                    <a:pt x="806397" y="1534766"/>
+                  </a:lnTo>
+                  <a:lnTo>
+                    <a:pt x="860157" y="1600989"/>
+                  </a:lnTo>
+                  <a:lnTo>
+                    <a:pt x="913917" y="1667212"/>
+                  </a:lnTo>
+                  <a:lnTo>
+                    <a:pt x="967677" y="1733435"/>
+                  </a:lnTo>
+                  <a:lnTo>
+                    <a:pt x="1021436" y="1799658"/>
+                  </a:lnTo>
+                  <a:lnTo>
+                    <a:pt x="1075196" y="1865881"/>
+                  </a:lnTo>
+                  <a:lnTo>
+                    <a:pt x="1128956" y="1932103"/>
+                  </a:lnTo>
+                  <a:lnTo>
+                    <a:pt x="1182716" y="1998326"/>
+                  </a:lnTo>
+                  <a:lnTo>
+                    <a:pt x="1236476" y="2064549"/>
+                  </a:lnTo>
+                  <a:lnTo>
+                    <a:pt x="1290236" y="2130772"/>
+                  </a:lnTo>
+                  <a:lnTo>
+                    <a:pt x="1343995" y="2196995"/>
+                  </a:lnTo>
+                  <a:lnTo>
+                    <a:pt x="1397755" y="2263218"/>
+                  </a:lnTo>
+                  <a:lnTo>
+                    <a:pt x="1451515" y="2329440"/>
+                  </a:lnTo>
+                  <a:lnTo>
+                    <a:pt x="1505275" y="2395663"/>
                   </a:lnTo>
                   <a:close/>
                 </a:path>
               </a:pathLst>
             </a:custGeom>
             <a:solidFill>
-              <a:srgbClr val="00BF7D">
+              <a:srgbClr val="7CAE00">
                 <a:alpha val="100000"/>
               </a:srgbClr>
             </a:solidFill>
@@ -3441,451 +3483,192 @@
           </p:nvSpPr>
           <p:spPr>
             <a:xfrm>
-              <a:off x="4058950" y="1759113"/>
-              <a:ext cx="1427449" cy="2464069"/>
+              <a:off x="5245816" y="1749568"/>
+              <a:ext cx="240583" cy="2473613"/>
             </a:xfrm>
             <a:custGeom>
               <a:avLst/>
               <a:pathLst>
-                <a:path w="1427449" h="2464069">
+                <a:path w="240583" h="2473613">
                   <a:moveTo>
-                    <a:pt x="1427449" y="2464069"/>
+                    <a:pt x="240583" y="2473613"/>
                   </a:moveTo>
                   <a:lnTo>
-                    <a:pt x="1419963" y="2379101"/>
-                  </a:lnTo>
-                  <a:lnTo>
-                    <a:pt x="1412477" y="2294133"/>
-                  </a:lnTo>
-                  <a:lnTo>
-                    <a:pt x="1404991" y="2209165"/>
-                  </a:lnTo>
-                  <a:lnTo>
-                    <a:pt x="1397505" y="2124197"/>
-                  </a:lnTo>
-                  <a:lnTo>
-                    <a:pt x="1390019" y="2039229"/>
-                  </a:lnTo>
-                  <a:lnTo>
-                    <a:pt x="1382533" y="1954261"/>
-                  </a:lnTo>
-                  <a:lnTo>
-                    <a:pt x="1375047" y="1869293"/>
-                  </a:lnTo>
-                  <a:lnTo>
-                    <a:pt x="1367561" y="1784325"/>
-                  </a:lnTo>
-                  <a:lnTo>
-                    <a:pt x="1360075" y="1699357"/>
-                  </a:lnTo>
-                  <a:lnTo>
-                    <a:pt x="1352589" y="1614390"/>
-                  </a:lnTo>
-                  <a:lnTo>
-                    <a:pt x="1345103" y="1529422"/>
-                  </a:lnTo>
-                  <a:lnTo>
-                    <a:pt x="1337617" y="1444454"/>
-                  </a:lnTo>
-                  <a:lnTo>
-                    <a:pt x="1330131" y="1359486"/>
-                  </a:lnTo>
-                  <a:lnTo>
-                    <a:pt x="1322645" y="1274518"/>
-                  </a:lnTo>
-                  <a:lnTo>
-                    <a:pt x="1315159" y="1189550"/>
-                  </a:lnTo>
-                  <a:lnTo>
-                    <a:pt x="1307673" y="1104582"/>
-                  </a:lnTo>
-                  <a:lnTo>
-                    <a:pt x="1300187" y="1019614"/>
-                  </a:lnTo>
-                  <a:lnTo>
-                    <a:pt x="1292701" y="934646"/>
-                  </a:lnTo>
-                  <a:lnTo>
-                    <a:pt x="1285215" y="849678"/>
-                  </a:lnTo>
-                  <a:lnTo>
-                    <a:pt x="1277729" y="764711"/>
-                  </a:lnTo>
-                  <a:lnTo>
-                    <a:pt x="1270243" y="679743"/>
-                  </a:lnTo>
-                  <a:lnTo>
-                    <a:pt x="1262757" y="594775"/>
-                  </a:lnTo>
-                  <a:lnTo>
-                    <a:pt x="1255271" y="509807"/>
-                  </a:lnTo>
-                  <a:lnTo>
-                    <a:pt x="1247785" y="424839"/>
-                  </a:lnTo>
-                  <a:lnTo>
-                    <a:pt x="1240299" y="339871"/>
-                  </a:lnTo>
-                  <a:lnTo>
-                    <a:pt x="1232813" y="254903"/>
-                  </a:lnTo>
-                  <a:lnTo>
-                    <a:pt x="1225328" y="169935"/>
-                  </a:lnTo>
-                  <a:lnTo>
-                    <a:pt x="1217842" y="84967"/>
-                  </a:lnTo>
-                  <a:lnTo>
-                    <a:pt x="1210356" y="0"/>
-                  </a:lnTo>
-                  <a:lnTo>
-                    <a:pt x="1123894" y="9151"/>
-                  </a:lnTo>
-                  <a:lnTo>
-                    <a:pt x="1037807" y="21335"/>
-                  </a:lnTo>
-                  <a:lnTo>
-                    <a:pt x="952202" y="36538"/>
-                  </a:lnTo>
-                  <a:lnTo>
-                    <a:pt x="867183" y="54739"/>
-                  </a:lnTo>
-                  <a:lnTo>
-                    <a:pt x="782857" y="75917"/>
-                  </a:lnTo>
-                  <a:lnTo>
-                    <a:pt x="699328" y="100045"/>
-                  </a:lnTo>
-                  <a:lnTo>
-                    <a:pt x="616697" y="127094"/>
-                  </a:lnTo>
-                  <a:lnTo>
-                    <a:pt x="535069" y="157031"/>
-                  </a:lnTo>
-                  <a:lnTo>
-                    <a:pt x="454543" y="189817"/>
-                  </a:lnTo>
-                  <a:lnTo>
-                    <a:pt x="375219" y="225413"/>
-                  </a:lnTo>
-                  <a:lnTo>
-                    <a:pt x="297195" y="263775"/>
-                  </a:lnTo>
-                  <a:lnTo>
-                    <a:pt x="220567" y="304855"/>
-                  </a:lnTo>
-                  <a:lnTo>
-                    <a:pt x="145430" y="348603"/>
-                  </a:lnTo>
-                  <a:lnTo>
-                    <a:pt x="71878" y="394964"/>
-                  </a:lnTo>
-                  <a:lnTo>
-                    <a:pt x="0" y="443882"/>
-                  </a:lnTo>
-                  <a:lnTo>
-                    <a:pt x="49222" y="513544"/>
-                  </a:lnTo>
-                  <a:lnTo>
-                    <a:pt x="98444" y="583205"/>
-                  </a:lnTo>
-                  <a:lnTo>
-                    <a:pt x="147667" y="652867"/>
-                  </a:lnTo>
-                  <a:lnTo>
-                    <a:pt x="196889" y="722528"/>
-                  </a:lnTo>
-                  <a:lnTo>
-                    <a:pt x="246111" y="792190"/>
-                  </a:lnTo>
-                  <a:lnTo>
-                    <a:pt x="295334" y="861852"/>
-                  </a:lnTo>
-                  <a:lnTo>
-                    <a:pt x="344556" y="931513"/>
-                  </a:lnTo>
-                  <a:lnTo>
-                    <a:pt x="393779" y="1001175"/>
-                  </a:lnTo>
-                  <a:lnTo>
-                    <a:pt x="443001" y="1070836"/>
-                  </a:lnTo>
-                  <a:lnTo>
-                    <a:pt x="492223" y="1140498"/>
-                  </a:lnTo>
-                  <a:lnTo>
-                    <a:pt x="541446" y="1210160"/>
-                  </a:lnTo>
-                  <a:lnTo>
-                    <a:pt x="590668" y="1279821"/>
-                  </a:lnTo>
-                  <a:lnTo>
-                    <a:pt x="639891" y="1349483"/>
-                  </a:lnTo>
-                  <a:lnTo>
-                    <a:pt x="689113" y="1419144"/>
-                  </a:lnTo>
-                  <a:lnTo>
-                    <a:pt x="738335" y="1488806"/>
-                  </a:lnTo>
-                  <a:lnTo>
-                    <a:pt x="787558" y="1558468"/>
-                  </a:lnTo>
-                  <a:lnTo>
-                    <a:pt x="836780" y="1628129"/>
-                  </a:lnTo>
-                  <a:lnTo>
-                    <a:pt x="886003" y="1697791"/>
-                  </a:lnTo>
-                  <a:lnTo>
-                    <a:pt x="935225" y="1767452"/>
-                  </a:lnTo>
-                  <a:lnTo>
-                    <a:pt x="984447" y="1837114"/>
-                  </a:lnTo>
-                  <a:lnTo>
-                    <a:pt x="1033670" y="1906776"/>
-                  </a:lnTo>
-                  <a:lnTo>
-                    <a:pt x="1082892" y="1976437"/>
-                  </a:lnTo>
-                  <a:lnTo>
-                    <a:pt x="1132115" y="2046099"/>
-                  </a:lnTo>
-                  <a:lnTo>
-                    <a:pt x="1181337" y="2115761"/>
-                  </a:lnTo>
-                  <a:lnTo>
-                    <a:pt x="1230559" y="2185422"/>
-                  </a:lnTo>
-                  <a:lnTo>
-                    <a:pt x="1279782" y="2255084"/>
-                  </a:lnTo>
-                  <a:lnTo>
-                    <a:pt x="1329004" y="2324745"/>
-                  </a:lnTo>
-                  <a:lnTo>
-                    <a:pt x="1378227" y="2394407"/>
-                  </a:lnTo>
-                  <a:close/>
-                </a:path>
-              </a:pathLst>
-            </a:custGeom>
-            <a:solidFill>
-              <a:srgbClr val="A3A500">
-                <a:alpha val="100000"/>
-              </a:srgbClr>
-            </a:solidFill>
-            <a:ln w="13550" cap="flat">
-              <a:solidFill>
-                <a:srgbClr val="000000">
-                  <a:alpha val="100000"/>
-                </a:srgbClr>
-              </a:solidFill>
-              <a:prstDash val="solid"/>
-              <a:miter/>
-            </a:ln>
-          </p:spPr>
-          <p:txBody>
-            <a:bodyPr/>
-            <a:lstStyle/>
-            <a:p/>
-          </p:txBody>
-        </p:sp>
-        <p:sp>
-          <p:nvSpPr>
-            <p:cNvPr id="9" name="pg8"/>
-            <p:cNvSpPr/>
-            <p:nvPr/>
-          </p:nvSpPr>
-          <p:spPr>
-            <a:xfrm>
-              <a:off x="5269306" y="1749568"/>
-              <a:ext cx="217093" cy="2473613"/>
-            </a:xfrm>
-            <a:custGeom>
-              <a:avLst/>
-              <a:pathLst>
-                <a:path w="217093" h="2473613">
-                  <a:moveTo>
-                    <a:pt x="217093" y="2473613"/>
-                  </a:moveTo>
-                  <a:lnTo>
-                    <a:pt x="217093" y="2388316"/>
-                  </a:lnTo>
-                  <a:lnTo>
-                    <a:pt x="217093" y="2303019"/>
-                  </a:lnTo>
-                  <a:lnTo>
-                    <a:pt x="217093" y="2217722"/>
-                  </a:lnTo>
-                  <a:lnTo>
-                    <a:pt x="217093" y="2132425"/>
-                  </a:lnTo>
-                  <a:lnTo>
-                    <a:pt x="217093" y="2047128"/>
-                  </a:lnTo>
-                  <a:lnTo>
-                    <a:pt x="217093" y="1961831"/>
-                  </a:lnTo>
-                  <a:lnTo>
-                    <a:pt x="217093" y="1876534"/>
-                  </a:lnTo>
-                  <a:lnTo>
-                    <a:pt x="217093" y="1791237"/>
-                  </a:lnTo>
-                  <a:lnTo>
-                    <a:pt x="217093" y="1705940"/>
-                  </a:lnTo>
-                  <a:lnTo>
-                    <a:pt x="217093" y="1620643"/>
-                  </a:lnTo>
-                  <a:lnTo>
-                    <a:pt x="217093" y="1535346"/>
-                  </a:lnTo>
-                  <a:lnTo>
-                    <a:pt x="217093" y="1450049"/>
-                  </a:lnTo>
-                  <a:lnTo>
-                    <a:pt x="217093" y="1364752"/>
-                  </a:lnTo>
-                  <a:lnTo>
-                    <a:pt x="217093" y="1279455"/>
-                  </a:lnTo>
-                  <a:lnTo>
-                    <a:pt x="217093" y="1194158"/>
-                  </a:lnTo>
-                  <a:lnTo>
-                    <a:pt x="217093" y="1108861"/>
-                  </a:lnTo>
-                  <a:lnTo>
-                    <a:pt x="217093" y="1023564"/>
-                  </a:lnTo>
-                  <a:lnTo>
-                    <a:pt x="217093" y="938267"/>
-                  </a:lnTo>
-                  <a:lnTo>
-                    <a:pt x="217093" y="852970"/>
-                  </a:lnTo>
-                  <a:lnTo>
-                    <a:pt x="217093" y="767673"/>
-                  </a:lnTo>
-                  <a:lnTo>
-                    <a:pt x="217093" y="682376"/>
-                  </a:lnTo>
-                  <a:lnTo>
-                    <a:pt x="217093" y="597079"/>
-                  </a:lnTo>
-                  <a:lnTo>
-                    <a:pt x="217093" y="511782"/>
-                  </a:lnTo>
-                  <a:lnTo>
-                    <a:pt x="217093" y="426485"/>
-                  </a:lnTo>
-                  <a:lnTo>
-                    <a:pt x="217093" y="341188"/>
-                  </a:lnTo>
-                  <a:lnTo>
-                    <a:pt x="217093" y="255891"/>
-                  </a:lnTo>
-                  <a:lnTo>
-                    <a:pt x="217093" y="170594"/>
-                  </a:lnTo>
-                  <a:lnTo>
-                    <a:pt x="217093" y="85297"/>
-                  </a:lnTo>
-                  <a:lnTo>
-                    <a:pt x="217093" y="0"/>
-                  </a:lnTo>
-                  <a:lnTo>
-                    <a:pt x="108441" y="2387"/>
-                  </a:lnTo>
-                  <a:lnTo>
-                    <a:pt x="0" y="9544"/>
-                  </a:lnTo>
-                  <a:lnTo>
-                    <a:pt x="7485" y="94512"/>
-                  </a:lnTo>
-                  <a:lnTo>
-                    <a:pt x="14971" y="179480"/>
-                  </a:lnTo>
-                  <a:lnTo>
-                    <a:pt x="22457" y="264448"/>
-                  </a:lnTo>
-                  <a:lnTo>
-                    <a:pt x="29943" y="349416"/>
-                  </a:lnTo>
-                  <a:lnTo>
-                    <a:pt x="37429" y="434384"/>
-                  </a:lnTo>
-                  <a:lnTo>
-                    <a:pt x="44915" y="519352"/>
-                  </a:lnTo>
-                  <a:lnTo>
-                    <a:pt x="52401" y="604320"/>
-                  </a:lnTo>
-                  <a:lnTo>
-                    <a:pt x="59887" y="689288"/>
-                  </a:lnTo>
-                  <a:lnTo>
-                    <a:pt x="67373" y="774255"/>
-                  </a:lnTo>
-                  <a:lnTo>
-                    <a:pt x="74859" y="859223"/>
-                  </a:lnTo>
-                  <a:lnTo>
-                    <a:pt x="82345" y="944191"/>
-                  </a:lnTo>
-                  <a:lnTo>
-                    <a:pt x="89831" y="1029159"/>
-                  </a:lnTo>
-                  <a:lnTo>
-                    <a:pt x="97317" y="1114127"/>
-                  </a:lnTo>
-                  <a:lnTo>
-                    <a:pt x="104803" y="1199095"/>
-                  </a:lnTo>
-                  <a:lnTo>
-                    <a:pt x="112289" y="1284063"/>
-                  </a:lnTo>
-                  <a:lnTo>
-                    <a:pt x="119775" y="1369031"/>
-                  </a:lnTo>
-                  <a:lnTo>
-                    <a:pt x="127261" y="1453999"/>
-                  </a:lnTo>
-                  <a:lnTo>
-                    <a:pt x="134747" y="1538967"/>
-                  </a:lnTo>
-                  <a:lnTo>
-                    <a:pt x="142233" y="1623934"/>
-                  </a:lnTo>
-                  <a:lnTo>
-                    <a:pt x="149719" y="1708902"/>
-                  </a:lnTo>
-                  <a:lnTo>
-                    <a:pt x="157205" y="1793870"/>
-                  </a:lnTo>
-                  <a:lnTo>
-                    <a:pt x="164691" y="1878838"/>
-                  </a:lnTo>
-                  <a:lnTo>
-                    <a:pt x="172177" y="1963806"/>
-                  </a:lnTo>
-                  <a:lnTo>
-                    <a:pt x="179663" y="2048774"/>
-                  </a:lnTo>
-                  <a:lnTo>
-                    <a:pt x="187149" y="2133742"/>
-                  </a:lnTo>
-                  <a:lnTo>
-                    <a:pt x="194635" y="2218710"/>
-                  </a:lnTo>
-                  <a:lnTo>
-                    <a:pt x="202121" y="2303678"/>
-                  </a:lnTo>
-                  <a:lnTo>
-                    <a:pt x="209607" y="2388646"/>
+                    <a:pt x="240583" y="2388316"/>
+                  </a:lnTo>
+                  <a:lnTo>
+                    <a:pt x="240583" y="2303019"/>
+                  </a:lnTo>
+                  <a:lnTo>
+                    <a:pt x="240583" y="2217722"/>
+                  </a:lnTo>
+                  <a:lnTo>
+                    <a:pt x="240583" y="2132425"/>
+                  </a:lnTo>
+                  <a:lnTo>
+                    <a:pt x="240583" y="2047128"/>
+                  </a:lnTo>
+                  <a:lnTo>
+                    <a:pt x="240583" y="1961831"/>
+                  </a:lnTo>
+                  <a:lnTo>
+                    <a:pt x="240583" y="1876534"/>
+                  </a:lnTo>
+                  <a:lnTo>
+                    <a:pt x="240583" y="1791237"/>
+                  </a:lnTo>
+                  <a:lnTo>
+                    <a:pt x="240583" y="1705940"/>
+                  </a:lnTo>
+                  <a:lnTo>
+                    <a:pt x="240583" y="1620643"/>
+                  </a:lnTo>
+                  <a:lnTo>
+                    <a:pt x="240583" y="1535346"/>
+                  </a:lnTo>
+                  <a:lnTo>
+                    <a:pt x="240583" y="1450049"/>
+                  </a:lnTo>
+                  <a:lnTo>
+                    <a:pt x="240583" y="1364752"/>
+                  </a:lnTo>
+                  <a:lnTo>
+                    <a:pt x="240583" y="1279455"/>
+                  </a:lnTo>
+                  <a:lnTo>
+                    <a:pt x="240583" y="1194158"/>
+                  </a:lnTo>
+                  <a:lnTo>
+                    <a:pt x="240583" y="1108861"/>
+                  </a:lnTo>
+                  <a:lnTo>
+                    <a:pt x="240583" y="1023564"/>
+                  </a:lnTo>
+                  <a:lnTo>
+                    <a:pt x="240583" y="938267"/>
+                  </a:lnTo>
+                  <a:lnTo>
+                    <a:pt x="240583" y="852970"/>
+                  </a:lnTo>
+                  <a:lnTo>
+                    <a:pt x="240583" y="767673"/>
+                  </a:lnTo>
+                  <a:lnTo>
+                    <a:pt x="240583" y="682376"/>
+                  </a:lnTo>
+                  <a:lnTo>
+                    <a:pt x="240583" y="597079"/>
+                  </a:lnTo>
+                  <a:lnTo>
+                    <a:pt x="240583" y="511782"/>
+                  </a:lnTo>
+                  <a:lnTo>
+                    <a:pt x="240583" y="426485"/>
+                  </a:lnTo>
+                  <a:lnTo>
+                    <a:pt x="240583" y="341188"/>
+                  </a:lnTo>
+                  <a:lnTo>
+                    <a:pt x="240583" y="255891"/>
+                  </a:lnTo>
+                  <a:lnTo>
+                    <a:pt x="240583" y="170594"/>
+                  </a:lnTo>
+                  <a:lnTo>
+                    <a:pt x="240583" y="85297"/>
+                  </a:lnTo>
+                  <a:lnTo>
+                    <a:pt x="240583" y="0"/>
+                  </a:lnTo>
+                  <a:lnTo>
+                    <a:pt x="120148" y="2933"/>
+                  </a:lnTo>
+                  <a:lnTo>
+                    <a:pt x="0" y="11727"/>
+                  </a:lnTo>
+                  <a:lnTo>
+                    <a:pt x="8295" y="96619"/>
+                  </a:lnTo>
+                  <a:lnTo>
+                    <a:pt x="16591" y="181512"/>
+                  </a:lnTo>
+                  <a:lnTo>
+                    <a:pt x="24887" y="266405"/>
+                  </a:lnTo>
+                  <a:lnTo>
+                    <a:pt x="33183" y="351297"/>
+                  </a:lnTo>
+                  <a:lnTo>
+                    <a:pt x="41479" y="436190"/>
+                  </a:lnTo>
+                  <a:lnTo>
+                    <a:pt x="49775" y="521083"/>
+                  </a:lnTo>
+                  <a:lnTo>
+                    <a:pt x="58071" y="605975"/>
+                  </a:lnTo>
+                  <a:lnTo>
+                    <a:pt x="66367" y="690868"/>
+                  </a:lnTo>
+                  <a:lnTo>
+                    <a:pt x="74663" y="775761"/>
+                  </a:lnTo>
+                  <a:lnTo>
+                    <a:pt x="82959" y="860653"/>
+                  </a:lnTo>
+                  <a:lnTo>
+                    <a:pt x="91255" y="945546"/>
+                  </a:lnTo>
+                  <a:lnTo>
+                    <a:pt x="99551" y="1030439"/>
+                  </a:lnTo>
+                  <a:lnTo>
+                    <a:pt x="107847" y="1115331"/>
+                  </a:lnTo>
+                  <a:lnTo>
+                    <a:pt x="116143" y="1200224"/>
+                  </a:lnTo>
+                  <a:lnTo>
+                    <a:pt x="124439" y="1285116"/>
+                  </a:lnTo>
+                  <a:lnTo>
+                    <a:pt x="132735" y="1370009"/>
+                  </a:lnTo>
+                  <a:lnTo>
+                    <a:pt x="141031" y="1454902"/>
+                  </a:lnTo>
+                  <a:lnTo>
+                    <a:pt x="149327" y="1539794"/>
+                  </a:lnTo>
+                  <a:lnTo>
+                    <a:pt x="157623" y="1624687"/>
+                  </a:lnTo>
+                  <a:lnTo>
+                    <a:pt x="165919" y="1709580"/>
+                  </a:lnTo>
+                  <a:lnTo>
+                    <a:pt x="174215" y="1794472"/>
+                  </a:lnTo>
+                  <a:lnTo>
+                    <a:pt x="182511" y="1879365"/>
+                  </a:lnTo>
+                  <a:lnTo>
+                    <a:pt x="190807" y="1964258"/>
+                  </a:lnTo>
+                  <a:lnTo>
+                    <a:pt x="199103" y="2049150"/>
+                  </a:lnTo>
+                  <a:lnTo>
+                    <a:pt x="207399" y="2134043"/>
+                  </a:lnTo>
+                  <a:lnTo>
+                    <a:pt x="215695" y="2218936"/>
+                  </a:lnTo>
+                  <a:lnTo>
+                    <a:pt x="223991" y="2303828"/>
+                  </a:lnTo>
+                  <a:lnTo>
+                    <a:pt x="232287" y="2388721"/>
                   </a:lnTo>
                   <a:close/>
                 </a:path>
@@ -3914,13 +3697,13 @@
         </p:sp>
         <p:sp>
           <p:nvSpPr>
-            <p:cNvPr id="10" name="tx9"/>
+            <p:cNvPr id="9" name="tx8"/>
             <p:cNvSpPr/>
             <p:nvPr/>
           </p:nvSpPr>
           <p:spPr>
             <a:xfrm>
-              <a:off x="5209436" y="5223629"/>
+              <a:off x="4935264" y="5399601"/>
               <a:ext cx="1566579" cy="157737"/>
             </a:xfrm>
             <a:prstGeom prst="rect">
@@ -3960,13 +3743,13 @@
         </p:sp>
         <p:sp>
           <p:nvSpPr>
-            <p:cNvPr id="11" name="tx10"/>
+            <p:cNvPr id="10" name="tx9"/>
             <p:cNvSpPr/>
             <p:nvPr/>
           </p:nvSpPr>
           <p:spPr>
             <a:xfrm>
-              <a:off x="5504533" y="5530013"/>
+              <a:off x="5230360" y="5705985"/>
               <a:ext cx="976386" cy="163560"/>
             </a:xfrm>
             <a:prstGeom prst="rect">
@@ -3999,20 +3782,20 @@
                   <a:latin typeface="Arial"/>
                   <a:cs typeface="Arial"/>
                 </a:rPr>
-                <a:t> 77.622 %</a:t>
+                <a:t> 86.047 %</a:t>
               </a:r>
             </a:p>
           </p:txBody>
         </p:sp>
         <p:sp>
           <p:nvSpPr>
-            <p:cNvPr id="12" name="tx11"/>
+            <p:cNvPr id="11" name="tx10"/>
             <p:cNvSpPr/>
             <p:nvPr/>
           </p:nvSpPr>
           <p:spPr>
             <a:xfrm>
-              <a:off x="2977996" y="3970546"/>
+              <a:off x="3306227" y="3399589"/>
               <a:ext cx="2036510" cy="157737"/>
             </a:xfrm>
             <a:prstGeom prst="rect">
@@ -4052,13 +3835,13 @@
         </p:sp>
         <p:sp>
           <p:nvSpPr>
-            <p:cNvPr id="13" name="tx12"/>
+            <p:cNvPr id="12" name="tx11"/>
             <p:cNvSpPr/>
             <p:nvPr/>
           </p:nvSpPr>
           <p:spPr>
             <a:xfrm>
-              <a:off x="3568348" y="4276930"/>
+              <a:off x="3896579" y="3705973"/>
               <a:ext cx="855806" cy="163560"/>
             </a:xfrm>
             <a:prstGeom prst="rect">
@@ -4091,112 +3874,20 @@
                   <a:latin typeface="Arial"/>
                   <a:cs typeface="Arial"/>
                 </a:rPr>
-                <a:t> 2.797 %</a:t>
+                <a:t> 3.101 %</a:t>
               </a:r>
             </a:p>
           </p:txBody>
         </p:sp>
         <p:sp>
           <p:nvSpPr>
-            <p:cNvPr id="14" name="tx13"/>
+            <p:cNvPr id="13" name="tx12"/>
             <p:cNvSpPr/>
             <p:nvPr/>
           </p:nvSpPr>
           <p:spPr>
             <a:xfrm>
-              <a:off x="4559249" y="3371187"/>
-              <a:ext cx="1205158" cy="198283"/>
-            </a:xfrm>
-            <a:prstGeom prst="rect">
-              <a:avLst/>
-            </a:prstGeom>
-            <a:noFill/>
-          </p:spPr>
-          <p:txBody>
-            <a:bodyPr lIns="0" rIns="0" tIns="0" bIns="0" anchorCtr="1" anchor="ctr" wrap="none"/>
-            <a:lstStyle/>
-            <a:p>
-              <a:pPr algn="l" marL="0" marR="0" indent="0">
-                <a:lnSpc>
-                  <a:spcPts val="1707"/>
-                </a:lnSpc>
-                <a:spcBef>
-                  <a:spcPts val="0"/>
-                </a:spcBef>
-                <a:spcAft>
-                  <a:spcPts val="0"/>
-                </a:spcAft>
-              </a:pPr>
-              <a:r>
-                <a:rPr sz="1707">
-                  <a:solidFill>
-                    <a:srgbClr val="000000">
-                      <a:alpha val="100000"/>
-                    </a:srgbClr>
-                  </a:solidFill>
-                  <a:latin typeface="Arial"/>
-                  <a:cs typeface="Arial"/>
-                </a:rPr>
-                <a:t>Heterotroph </a:t>
-              </a:r>
-            </a:p>
-          </p:txBody>
-        </p:sp>
-        <p:sp>
-          <p:nvSpPr>
-            <p:cNvPr id="15" name="tx14"/>
-            <p:cNvSpPr/>
-            <p:nvPr/>
-          </p:nvSpPr>
-          <p:spPr>
-            <a:xfrm>
-              <a:off x="4794215" y="3718117"/>
-              <a:ext cx="735227" cy="163560"/>
-            </a:xfrm>
-            <a:prstGeom prst="rect">
-              <a:avLst/>
-            </a:prstGeom>
-            <a:noFill/>
-          </p:spPr>
-          <p:txBody>
-            <a:bodyPr lIns="0" rIns="0" tIns="0" bIns="0" anchorCtr="1" anchor="ctr" wrap="none"/>
-            <a:lstStyle/>
-            <a:p>
-              <a:pPr algn="l" marL="0" marR="0" indent="0">
-                <a:lnSpc>
-                  <a:spcPts val="1707"/>
-                </a:lnSpc>
-                <a:spcBef>
-                  <a:spcPts val="0"/>
-                </a:spcBef>
-                <a:spcAft>
-                  <a:spcPts val="0"/>
-                </a:spcAft>
-              </a:pPr>
-              <a:r>
-                <a:rPr sz="1707">
-                  <a:solidFill>
-                    <a:srgbClr val="000000">
-                      <a:alpha val="100000"/>
-                    </a:srgbClr>
-                  </a:solidFill>
-                  <a:latin typeface="Arial"/>
-                  <a:cs typeface="Arial"/>
-                </a:rPr>
-                <a:t> 9.79 %</a:t>
-              </a:r>
-            </a:p>
-          </p:txBody>
-        </p:sp>
-        <p:sp>
-          <p:nvSpPr>
-            <p:cNvPr id="16" name="tx15"/>
-            <p:cNvSpPr/>
-            <p:nvPr/>
-          </p:nvSpPr>
-          <p:spPr>
-            <a:xfrm>
-              <a:off x="3532199" y="2809118"/>
+              <a:off x="3578975" y="2506759"/>
               <a:ext cx="1470136" cy="200824"/>
             </a:xfrm>
             <a:prstGeom prst="rect">
@@ -4236,13 +3927,13 @@
         </p:sp>
         <p:sp>
           <p:nvSpPr>
-            <p:cNvPr id="17" name="tx16"/>
+            <p:cNvPr id="14" name="tx13"/>
             <p:cNvSpPr/>
             <p:nvPr/>
           </p:nvSpPr>
           <p:spPr>
             <a:xfrm>
-              <a:off x="3839364" y="3158589"/>
+              <a:off x="3886140" y="2856229"/>
               <a:ext cx="855806" cy="163560"/>
             </a:xfrm>
             <a:prstGeom prst="rect">
@@ -4275,20 +3966,20 @@
                   <a:latin typeface="Arial"/>
                   <a:cs typeface="Arial"/>
                 </a:rPr>
-                <a:t> 8.392 %</a:t>
+                <a:t> 9.302 %</a:t>
               </a:r>
             </a:p>
           </p:txBody>
         </p:sp>
         <p:sp>
           <p:nvSpPr>
-            <p:cNvPr id="18" name="tx17"/>
+            <p:cNvPr id="15" name="tx14"/>
             <p:cNvSpPr/>
             <p:nvPr/>
           </p:nvSpPr>
           <p:spPr>
             <a:xfrm>
-              <a:off x="5147031" y="2417206"/>
+              <a:off x="5141094" y="2417784"/>
               <a:ext cx="1156990" cy="198283"/>
             </a:xfrm>
             <a:prstGeom prst="rect">
@@ -4328,14 +4019,14 @@
         </p:sp>
         <p:sp>
           <p:nvSpPr>
-            <p:cNvPr id="19" name="tx18"/>
+            <p:cNvPr id="16" name="tx15"/>
             <p:cNvSpPr/>
             <p:nvPr/>
           </p:nvSpPr>
           <p:spPr>
             <a:xfrm>
-              <a:off x="5297622" y="2764136"/>
-              <a:ext cx="855806" cy="163560"/>
+              <a:off x="5351976" y="2764714"/>
+              <a:ext cx="735227" cy="163560"/>
             </a:xfrm>
             <a:prstGeom prst="rect">
               <a:avLst/>
@@ -4367,14 +4058,14 @@
                   <a:latin typeface="Arial"/>
                   <a:cs typeface="Arial"/>
                 </a:rPr>
-                <a:t> 1.399 %</a:t>
+                <a:t> 1.55 %</a:t>
               </a:r>
             </a:p>
           </p:txBody>
         </p:sp>
         <p:sp>
           <p:nvSpPr>
-            <p:cNvPr id="20" name="tx19"/>
+            <p:cNvPr id="17" name="tx16"/>
             <p:cNvSpPr/>
             <p:nvPr/>
           </p:nvSpPr>

--- a/Images/Figures_PPT/PieWithOutRAPTOR.pptx
+++ b/Images/Figures_PPT/PieWithOutRAPTOR.pptx
@@ -2298,670 +2298,634 @@
           </p:nvSpPr>
           <p:spPr>
             <a:xfrm>
-              <a:off x="3013028" y="1749568"/>
-              <a:ext cx="4946930" cy="4947008"/>
+              <a:off x="3012790" y="1749568"/>
+              <a:ext cx="4947048" cy="4947102"/>
             </a:xfrm>
             <a:custGeom>
               <a:avLst/>
               <a:pathLst>
-                <a:path w="4946930" h="4947008">
+                <a:path w="4947048" h="4947102">
                   <a:moveTo>
-                    <a:pt x="2473371" y="2473613"/>
+                    <a:pt x="2473609" y="2473613"/>
                   </a:moveTo>
                   <a:lnTo>
-                    <a:pt x="2407807" y="2419051"/>
-                  </a:lnTo>
-                  <a:lnTo>
-                    <a:pt x="2342244" y="2364489"/>
-                  </a:lnTo>
-                  <a:lnTo>
-                    <a:pt x="2276681" y="2309927"/>
-                  </a:lnTo>
-                  <a:lnTo>
-                    <a:pt x="2211117" y="2255365"/>
-                  </a:lnTo>
-                  <a:lnTo>
-                    <a:pt x="2145554" y="2200802"/>
-                  </a:lnTo>
-                  <a:lnTo>
-                    <a:pt x="2079991" y="2146240"/>
-                  </a:lnTo>
-                  <a:lnTo>
-                    <a:pt x="2014427" y="2091678"/>
-                  </a:lnTo>
-                  <a:lnTo>
-                    <a:pt x="1948864" y="2037116"/>
-                  </a:lnTo>
-                  <a:lnTo>
-                    <a:pt x="1883301" y="1982554"/>
-                  </a:lnTo>
-                  <a:lnTo>
-                    <a:pt x="1817737" y="1927991"/>
-                  </a:lnTo>
-                  <a:lnTo>
-                    <a:pt x="1752174" y="1873429"/>
-                  </a:lnTo>
-                  <a:lnTo>
-                    <a:pt x="1686611" y="1818867"/>
-                  </a:lnTo>
-                  <a:lnTo>
-                    <a:pt x="1621047" y="1764305"/>
-                  </a:lnTo>
-                  <a:lnTo>
-                    <a:pt x="1555484" y="1709742"/>
-                  </a:lnTo>
-                  <a:lnTo>
-                    <a:pt x="1489921" y="1655180"/>
-                  </a:lnTo>
-                  <a:lnTo>
-                    <a:pt x="1424357" y="1600618"/>
-                  </a:lnTo>
-                  <a:lnTo>
-                    <a:pt x="1358794" y="1546056"/>
-                  </a:lnTo>
-                  <a:lnTo>
-                    <a:pt x="1293231" y="1491494"/>
-                  </a:lnTo>
-                  <a:lnTo>
-                    <a:pt x="1227667" y="1436931"/>
-                  </a:lnTo>
-                  <a:lnTo>
-                    <a:pt x="1162104" y="1382369"/>
-                  </a:lnTo>
-                  <a:lnTo>
-                    <a:pt x="1096541" y="1327807"/>
-                  </a:lnTo>
-                  <a:lnTo>
-                    <a:pt x="1030977" y="1273245"/>
-                  </a:lnTo>
-                  <a:lnTo>
-                    <a:pt x="965414" y="1218683"/>
-                  </a:lnTo>
-                  <a:lnTo>
-                    <a:pt x="899851" y="1164120"/>
-                  </a:lnTo>
-                  <a:lnTo>
-                    <a:pt x="834288" y="1109558"/>
-                  </a:lnTo>
-                  <a:lnTo>
-                    <a:pt x="768724" y="1054996"/>
-                  </a:lnTo>
-                  <a:lnTo>
-                    <a:pt x="703161" y="1000434"/>
-                  </a:lnTo>
-                  <a:lnTo>
-                    <a:pt x="637598" y="945872"/>
-                  </a:lnTo>
-                  <a:lnTo>
-                    <a:pt x="572034" y="891309"/>
-                  </a:lnTo>
-                  <a:lnTo>
-                    <a:pt x="519341" y="956862"/>
-                  </a:lnTo>
-                  <a:lnTo>
-                    <a:pt x="468906" y="1024169"/>
-                  </a:lnTo>
-                  <a:lnTo>
-                    <a:pt x="420789" y="1093151"/>
-                  </a:lnTo>
-                  <a:lnTo>
-                    <a:pt x="375045" y="1163730"/>
-                  </a:lnTo>
-                  <a:lnTo>
-                    <a:pt x="331727" y="1235822"/>
-                  </a:lnTo>
-                  <a:lnTo>
-                    <a:pt x="290884" y="1309346"/>
-                  </a:lnTo>
-                  <a:lnTo>
-                    <a:pt x="252565" y="1384215"/>
-                  </a:lnTo>
-                  <a:lnTo>
-                    <a:pt x="216813" y="1460344"/>
-                  </a:lnTo>
-                  <a:lnTo>
-                    <a:pt x="183670" y="1537645"/>
-                  </a:lnTo>
-                  <a:lnTo>
-                    <a:pt x="153174" y="1616027"/>
-                  </a:lnTo>
-                  <a:lnTo>
-                    <a:pt x="125360" y="1695401"/>
-                  </a:lnTo>
-                  <a:lnTo>
-                    <a:pt x="100261" y="1775675"/>
-                  </a:lnTo>
-                  <a:lnTo>
-                    <a:pt x="77906" y="1856755"/>
-                  </a:lnTo>
-                  <a:lnTo>
-                    <a:pt x="58319" y="1938549"/>
-                  </a:lnTo>
-                  <a:lnTo>
-                    <a:pt x="41525" y="2020961"/>
-                  </a:lnTo>
-                  <a:lnTo>
-                    <a:pt x="27542" y="2103897"/>
-                  </a:lnTo>
-                  <a:lnTo>
-                    <a:pt x="16387" y="2187260"/>
-                  </a:lnTo>
-                  <a:lnTo>
-                    <a:pt x="8072" y="2270954"/>
-                  </a:lnTo>
-                  <a:lnTo>
-                    <a:pt x="2608" y="2354882"/>
-                  </a:lnTo>
-                  <a:lnTo>
-                    <a:pt x="0" y="2438948"/>
-                  </a:lnTo>
-                  <a:lnTo>
-                    <a:pt x="251" y="2523053"/>
-                  </a:lnTo>
-                  <a:lnTo>
-                    <a:pt x="3361" y="2607102"/>
-                  </a:lnTo>
-                  <a:lnTo>
-                    <a:pt x="9327" y="2690996"/>
-                  </a:lnTo>
-                  <a:lnTo>
-                    <a:pt x="18141" y="2774639"/>
-                  </a:lnTo>
-                  <a:lnTo>
-                    <a:pt x="29794" y="2857933"/>
-                  </a:lnTo>
-                  <a:lnTo>
-                    <a:pt x="44272" y="2940784"/>
-                  </a:lnTo>
-                  <a:lnTo>
-                    <a:pt x="61559" y="3023094"/>
-                  </a:lnTo>
-                  <a:lnTo>
-                    <a:pt x="81633" y="3104770"/>
-                  </a:lnTo>
-                  <a:lnTo>
-                    <a:pt x="104473" y="3185715"/>
-                  </a:lnTo>
-                  <a:lnTo>
-                    <a:pt x="130051" y="3265837"/>
-                  </a:lnTo>
-                  <a:lnTo>
-                    <a:pt x="158338" y="3345044"/>
-                  </a:lnTo>
-                  <a:lnTo>
-                    <a:pt x="189302" y="3423243"/>
-                  </a:lnTo>
-                  <a:lnTo>
-                    <a:pt x="222906" y="3500344"/>
-                  </a:lnTo>
-                  <a:lnTo>
-                    <a:pt x="259112" y="3576258"/>
-                  </a:lnTo>
-                  <a:lnTo>
-                    <a:pt x="297878" y="3650897"/>
-                  </a:lnTo>
-                  <a:lnTo>
-                    <a:pt x="339159" y="3724176"/>
-                  </a:lnTo>
-                  <a:lnTo>
-                    <a:pt x="382907" y="3796008"/>
-                  </a:lnTo>
-                  <a:lnTo>
-                    <a:pt x="429072" y="3866312"/>
-                  </a:lnTo>
-                  <a:lnTo>
-                    <a:pt x="477600" y="3935005"/>
-                  </a:lnTo>
-                  <a:lnTo>
-                    <a:pt x="528436" y="4002010"/>
-                  </a:lnTo>
-                  <a:lnTo>
-                    <a:pt x="581520" y="4067247"/>
-                  </a:lnTo>
-                  <a:lnTo>
-                    <a:pt x="636791" y="4130642"/>
-                  </a:lnTo>
-                  <a:lnTo>
-                    <a:pt x="694186" y="4192121"/>
-                  </a:lnTo>
-                  <a:lnTo>
-                    <a:pt x="753637" y="4251613"/>
-                  </a:lnTo>
-                  <a:lnTo>
-                    <a:pt x="815077" y="4309050"/>
-                  </a:lnTo>
-                  <a:lnTo>
-                    <a:pt x="878434" y="4364365"/>
-                  </a:lnTo>
-                  <a:lnTo>
-                    <a:pt x="943634" y="4417494"/>
-                  </a:lnTo>
-                  <a:lnTo>
-                    <a:pt x="1010603" y="4468376"/>
-                  </a:lnTo>
-                  <a:lnTo>
-                    <a:pt x="1079263" y="4516952"/>
-                  </a:lnTo>
-                  <a:lnTo>
-                    <a:pt x="1149535" y="4563165"/>
-                  </a:lnTo>
-                  <a:lnTo>
-                    <a:pt x="1221338" y="4606963"/>
-                  </a:lnTo>
-                  <a:lnTo>
-                    <a:pt x="1294588" y="4648294"/>
-                  </a:lnTo>
-                  <a:lnTo>
-                    <a:pt x="1369200" y="4687111"/>
-                  </a:lnTo>
-                  <a:lnTo>
-                    <a:pt x="1445089" y="4723370"/>
-                  </a:lnTo>
-                  <a:lnTo>
-                    <a:pt x="1522167" y="4757027"/>
-                  </a:lnTo>
-                  <a:lnTo>
-                    <a:pt x="1600345" y="4788045"/>
-                  </a:lnTo>
-                  <a:lnTo>
-                    <a:pt x="1679532" y="4816387"/>
-                  </a:lnTo>
-                  <a:lnTo>
-                    <a:pt x="1759636" y="4842020"/>
-                  </a:lnTo>
-                  <a:lnTo>
-                    <a:pt x="1840566" y="4864915"/>
-                  </a:lnTo>
-                  <a:lnTo>
-                    <a:pt x="1922227" y="4885046"/>
-                  </a:lnTo>
-                  <a:lnTo>
-                    <a:pt x="2004526" y="4902389"/>
-                  </a:lnTo>
-                  <a:lnTo>
-                    <a:pt x="2087366" y="4916924"/>
-                  </a:lnTo>
-                  <a:lnTo>
-                    <a:pt x="2170653" y="4928634"/>
-                  </a:lnTo>
-                  <a:lnTo>
-                    <a:pt x="2254290" y="4937507"/>
-                  </a:lnTo>
-                  <a:lnTo>
-                    <a:pt x="2338180" y="4943530"/>
-                  </a:lnTo>
-                  <a:lnTo>
-                    <a:pt x="2422226" y="4946699"/>
-                  </a:lnTo>
-                  <a:lnTo>
-                    <a:pt x="2506332" y="4947008"/>
-                  </a:lnTo>
-                  <a:lnTo>
-                    <a:pt x="2590399" y="4944457"/>
-                  </a:lnTo>
-                  <a:lnTo>
-                    <a:pt x="2674331" y="4939051"/>
-                  </a:lnTo>
-                  <a:lnTo>
-                    <a:pt x="2758031" y="4930794"/>
-                  </a:lnTo>
-                  <a:lnTo>
-                    <a:pt x="2841401" y="4919696"/>
-                  </a:lnTo>
-                  <a:lnTo>
-                    <a:pt x="2924346" y="4905770"/>
-                  </a:lnTo>
-                  <a:lnTo>
-                    <a:pt x="3006770" y="4889033"/>
-                  </a:lnTo>
-                  <a:lnTo>
-                    <a:pt x="3088577" y="4869503"/>
-                  </a:lnTo>
-                  <a:lnTo>
-                    <a:pt x="3169673" y="4847203"/>
-                  </a:lnTo>
-                  <a:lnTo>
-                    <a:pt x="3249964" y="4822159"/>
-                  </a:lnTo>
-                  <a:lnTo>
-                    <a:pt x="3329357" y="4794401"/>
-                  </a:lnTo>
-                  <a:lnTo>
-                    <a:pt x="3407761" y="4763959"/>
-                  </a:lnTo>
-                  <a:lnTo>
-                    <a:pt x="3485084" y="4730869"/>
-                  </a:lnTo>
-                  <a:lnTo>
-                    <a:pt x="3561238" y="4695169"/>
-                  </a:lnTo>
-                  <a:lnTo>
-                    <a:pt x="3636134" y="4656902"/>
-                  </a:lnTo>
-                  <a:lnTo>
-                    <a:pt x="3709685" y="4616110"/>
-                  </a:lnTo>
-                  <a:lnTo>
-                    <a:pt x="3781808" y="4572841"/>
-                  </a:lnTo>
-                  <a:lnTo>
-                    <a:pt x="3852417" y="4527146"/>
-                  </a:lnTo>
-                  <a:lnTo>
-                    <a:pt x="3921433" y="4479076"/>
-                  </a:lnTo>
-                  <a:lnTo>
-                    <a:pt x="3988774" y="4428688"/>
-                  </a:lnTo>
-                  <a:lnTo>
-                    <a:pt x="4054364" y="4376040"/>
-                  </a:lnTo>
-                  <a:lnTo>
-                    <a:pt x="4118125" y="4321192"/>
-                  </a:lnTo>
-                  <a:lnTo>
-                    <a:pt x="4179986" y="4264209"/>
-                  </a:lnTo>
-                  <a:lnTo>
-                    <a:pt x="4239873" y="4205155"/>
-                  </a:lnTo>
-                  <a:lnTo>
-                    <a:pt x="4297718" y="4144099"/>
-                  </a:lnTo>
-                  <a:lnTo>
-                    <a:pt x="4353454" y="4081112"/>
-                  </a:lnTo>
-                  <a:lnTo>
-                    <a:pt x="4407016" y="4016267"/>
-                  </a:lnTo>
-                  <a:lnTo>
-                    <a:pt x="4458343" y="3949639"/>
-                  </a:lnTo>
-                  <a:lnTo>
-                    <a:pt x="4507375" y="3881304"/>
-                  </a:lnTo>
-                  <a:lnTo>
-                    <a:pt x="4554056" y="3811341"/>
-                  </a:lnTo>
-                  <a:lnTo>
-                    <a:pt x="4598331" y="3739832"/>
-                  </a:lnTo>
-                  <a:lnTo>
-                    <a:pt x="4640149" y="3666859"/>
-                  </a:lnTo>
-                  <a:lnTo>
-                    <a:pt x="4679463" y="3592507"/>
-                  </a:lnTo>
-                  <a:lnTo>
-                    <a:pt x="4716226" y="3516861"/>
-                  </a:lnTo>
-                  <a:lnTo>
-                    <a:pt x="4750396" y="3440009"/>
-                  </a:lnTo>
-                  <a:lnTo>
-                    <a:pt x="4781934" y="3362040"/>
-                  </a:lnTo>
-                  <a:lnTo>
-                    <a:pt x="4810802" y="3283044"/>
-                  </a:lnTo>
-                  <a:lnTo>
-                    <a:pt x="4836969" y="3203112"/>
-                  </a:lnTo>
-                  <a:lnTo>
-                    <a:pt x="4860403" y="3122336"/>
-                  </a:lnTo>
-                  <a:lnTo>
-                    <a:pt x="4881077" y="3040811"/>
-                  </a:lnTo>
-                  <a:lnTo>
-                    <a:pt x="4898968" y="2958630"/>
-                  </a:lnTo>
-                  <a:lnTo>
-                    <a:pt x="4914055" y="2875888"/>
-                  </a:lnTo>
-                  <a:lnTo>
-                    <a:pt x="4926320" y="2792681"/>
-                  </a:lnTo>
-                  <a:lnTo>
-                    <a:pt x="4935749" y="2709105"/>
-                  </a:lnTo>
-                  <a:lnTo>
-                    <a:pt x="4942332" y="2625257"/>
-                  </a:lnTo>
-                  <a:lnTo>
-                    <a:pt x="4946060" y="2541234"/>
-                  </a:lnTo>
-                  <a:lnTo>
-                    <a:pt x="4946930" y="2457133"/>
-                  </a:lnTo>
-                  <a:lnTo>
-                    <a:pt x="4944939" y="2373050"/>
-                  </a:lnTo>
-                  <a:lnTo>
-                    <a:pt x="4940092" y="2289084"/>
-                  </a:lnTo>
-                  <a:lnTo>
-                    <a:pt x="4932393" y="2205331"/>
-                  </a:lnTo>
-                  <a:lnTo>
-                    <a:pt x="4921851" y="2121888"/>
-                  </a:lnTo>
-                  <a:lnTo>
-                    <a:pt x="4908478" y="2038852"/>
-                  </a:lnTo>
-                  <a:lnTo>
-                    <a:pt x="4892290" y="1956319"/>
-                  </a:lnTo>
-                  <a:lnTo>
-                    <a:pt x="4873306" y="1874383"/>
-                  </a:lnTo>
-                  <a:lnTo>
-                    <a:pt x="4851547" y="1793141"/>
-                  </a:lnTo>
-                  <a:lnTo>
-                    <a:pt x="4827039" y="1712685"/>
-                  </a:lnTo>
-                  <a:lnTo>
-                    <a:pt x="4799809" y="1633108"/>
-                  </a:lnTo>
-                  <a:lnTo>
-                    <a:pt x="4769890" y="1554504"/>
-                  </a:lnTo>
-                  <a:lnTo>
-                    <a:pt x="4737316" y="1476962"/>
-                  </a:lnTo>
-                  <a:lnTo>
-                    <a:pt x="4702125" y="1400572"/>
-                  </a:lnTo>
-                  <a:lnTo>
-                    <a:pt x="4664358" y="1325423"/>
-                  </a:lnTo>
-                  <a:lnTo>
-                    <a:pt x="4624057" y="1251601"/>
-                  </a:lnTo>
-                  <a:lnTo>
-                    <a:pt x="4581270" y="1179192"/>
-                  </a:lnTo>
-                  <a:lnTo>
-                    <a:pt x="4536046" y="1108279"/>
-                  </a:lnTo>
-                  <a:lnTo>
-                    <a:pt x="4488437" y="1038945"/>
-                  </a:lnTo>
-                  <a:lnTo>
-                    <a:pt x="4438499" y="971269"/>
-                  </a:lnTo>
-                  <a:lnTo>
-                    <a:pt x="4386288" y="905331"/>
-                  </a:lnTo>
-                  <a:lnTo>
-                    <a:pt x="4331867" y="841205"/>
-                  </a:lnTo>
-                  <a:lnTo>
-                    <a:pt x="4275296" y="778966"/>
-                  </a:lnTo>
-                  <a:lnTo>
-                    <a:pt x="4216643" y="718687"/>
-                  </a:lnTo>
-                  <a:lnTo>
-                    <a:pt x="4155974" y="660437"/>
-                  </a:lnTo>
-                  <a:lnTo>
-                    <a:pt x="4093360" y="604282"/>
-                  </a:lnTo>
-                  <a:lnTo>
-                    <a:pt x="4028873" y="550289"/>
-                  </a:lnTo>
-                  <a:lnTo>
-                    <a:pt x="3962588" y="498519"/>
-                  </a:lnTo>
-                  <a:lnTo>
-                    <a:pt x="3894581" y="449033"/>
-                  </a:lnTo>
-                  <a:lnTo>
-                    <a:pt x="3824932" y="401887"/>
-                  </a:lnTo>
-                  <a:lnTo>
-                    <a:pt x="3753719" y="357137"/>
-                  </a:lnTo>
-                  <a:lnTo>
-                    <a:pt x="3681027" y="314833"/>
-                  </a:lnTo>
-                  <a:lnTo>
-                    <a:pt x="3606938" y="275025"/>
-                  </a:lnTo>
-                  <a:lnTo>
-                    <a:pt x="3531539" y="237759"/>
-                  </a:lnTo>
-                  <a:lnTo>
-                    <a:pt x="3454916" y="203077"/>
-                  </a:lnTo>
-                  <a:lnTo>
-                    <a:pt x="3377159" y="171021"/>
-                  </a:lnTo>
-                  <a:lnTo>
-                    <a:pt x="3298357" y="141626"/>
-                  </a:lnTo>
-                  <a:lnTo>
-                    <a:pt x="3218601" y="114928"/>
-                  </a:lnTo>
-                  <a:lnTo>
-                    <a:pt x="3137983" y="90956"/>
-                  </a:lnTo>
-                  <a:lnTo>
-                    <a:pt x="3056597" y="69739"/>
-                  </a:lnTo>
-                  <a:lnTo>
-                    <a:pt x="2974537" y="51301"/>
-                  </a:lnTo>
-                  <a:lnTo>
-                    <a:pt x="2891898" y="35663"/>
-                  </a:lnTo>
-                  <a:lnTo>
-                    <a:pt x="2808774" y="22844"/>
-                  </a:lnTo>
-                  <a:lnTo>
-                    <a:pt x="2725263" y="12858"/>
-                  </a:lnTo>
-                  <a:lnTo>
-                    <a:pt x="2641461" y="5717"/>
-                  </a:lnTo>
-                  <a:lnTo>
-                    <a:pt x="2557464" y="1429"/>
-                  </a:lnTo>
-                  <a:lnTo>
-                    <a:pt x="2473371" y="0"/>
-                  </a:lnTo>
-                  <a:lnTo>
-                    <a:pt x="2473371" y="85297"/>
-                  </a:lnTo>
-                  <a:lnTo>
-                    <a:pt x="2473371" y="170594"/>
-                  </a:lnTo>
-                  <a:lnTo>
-                    <a:pt x="2473371" y="255891"/>
-                  </a:lnTo>
-                  <a:lnTo>
-                    <a:pt x="2473371" y="341188"/>
-                  </a:lnTo>
-                  <a:lnTo>
-                    <a:pt x="2473371" y="426485"/>
-                  </a:lnTo>
-                  <a:lnTo>
-                    <a:pt x="2473371" y="511782"/>
-                  </a:lnTo>
-                  <a:lnTo>
-                    <a:pt x="2473371" y="597079"/>
-                  </a:lnTo>
-                  <a:lnTo>
-                    <a:pt x="2473371" y="682376"/>
-                  </a:lnTo>
-                  <a:lnTo>
-                    <a:pt x="2473371" y="767673"/>
-                  </a:lnTo>
-                  <a:lnTo>
-                    <a:pt x="2473371" y="852970"/>
-                  </a:lnTo>
-                  <a:lnTo>
-                    <a:pt x="2473371" y="938267"/>
-                  </a:lnTo>
-                  <a:lnTo>
-                    <a:pt x="2473371" y="1023564"/>
-                  </a:lnTo>
-                  <a:lnTo>
-                    <a:pt x="2473371" y="1108861"/>
-                  </a:lnTo>
-                  <a:lnTo>
-                    <a:pt x="2473371" y="1194158"/>
-                  </a:lnTo>
-                  <a:lnTo>
-                    <a:pt x="2473371" y="1279455"/>
-                  </a:lnTo>
-                  <a:lnTo>
-                    <a:pt x="2473371" y="1364752"/>
-                  </a:lnTo>
-                  <a:lnTo>
-                    <a:pt x="2473371" y="1450049"/>
-                  </a:lnTo>
-                  <a:lnTo>
-                    <a:pt x="2473371" y="1535346"/>
-                  </a:lnTo>
-                  <a:lnTo>
-                    <a:pt x="2473371" y="1620643"/>
-                  </a:lnTo>
-                  <a:lnTo>
-                    <a:pt x="2473371" y="1705940"/>
-                  </a:lnTo>
-                  <a:lnTo>
-                    <a:pt x="2473371" y="1791237"/>
-                  </a:lnTo>
-                  <a:lnTo>
-                    <a:pt x="2473371" y="1876534"/>
-                  </a:lnTo>
-                  <a:lnTo>
-                    <a:pt x="2473371" y="1961831"/>
-                  </a:lnTo>
-                  <a:lnTo>
-                    <a:pt x="2473371" y="2047128"/>
-                  </a:lnTo>
-                  <a:lnTo>
-                    <a:pt x="2473371" y="2132425"/>
-                  </a:lnTo>
-                  <a:lnTo>
-                    <a:pt x="2473371" y="2217722"/>
-                  </a:lnTo>
-                  <a:lnTo>
-                    <a:pt x="2473371" y="2303019"/>
-                  </a:lnTo>
-                  <a:lnTo>
-                    <a:pt x="2473371" y="2388316"/>
+                    <a:pt x="2391386" y="2450921"/>
+                  </a:lnTo>
+                  <a:lnTo>
+                    <a:pt x="2309163" y="2428229"/>
+                  </a:lnTo>
+                  <a:lnTo>
+                    <a:pt x="2226940" y="2405537"/>
+                  </a:lnTo>
+                  <a:lnTo>
+                    <a:pt x="2144717" y="2382845"/>
+                  </a:lnTo>
+                  <a:lnTo>
+                    <a:pt x="2062493" y="2360153"/>
+                  </a:lnTo>
+                  <a:lnTo>
+                    <a:pt x="1980270" y="2337461"/>
+                  </a:lnTo>
+                  <a:lnTo>
+                    <a:pt x="1898047" y="2314768"/>
+                  </a:lnTo>
+                  <a:lnTo>
+                    <a:pt x="1815824" y="2292076"/>
+                  </a:lnTo>
+                  <a:lnTo>
+                    <a:pt x="1733601" y="2269384"/>
+                  </a:lnTo>
+                  <a:lnTo>
+                    <a:pt x="1651378" y="2246692"/>
+                  </a:lnTo>
+                  <a:lnTo>
+                    <a:pt x="1569154" y="2224000"/>
+                  </a:lnTo>
+                  <a:lnTo>
+                    <a:pt x="1486931" y="2201308"/>
+                  </a:lnTo>
+                  <a:lnTo>
+                    <a:pt x="1404708" y="2178615"/>
+                  </a:lnTo>
+                  <a:lnTo>
+                    <a:pt x="1322485" y="2155923"/>
+                  </a:lnTo>
+                  <a:lnTo>
+                    <a:pt x="1240262" y="2133231"/>
+                  </a:lnTo>
+                  <a:lnTo>
+                    <a:pt x="1158039" y="2110539"/>
+                  </a:lnTo>
+                  <a:lnTo>
+                    <a:pt x="1075815" y="2087847"/>
+                  </a:lnTo>
+                  <a:lnTo>
+                    <a:pt x="993592" y="2065155"/>
+                  </a:lnTo>
+                  <a:lnTo>
+                    <a:pt x="911369" y="2042463"/>
+                  </a:lnTo>
+                  <a:lnTo>
+                    <a:pt x="829146" y="2019770"/>
+                  </a:lnTo>
+                  <a:lnTo>
+                    <a:pt x="746923" y="1997078"/>
+                  </a:lnTo>
+                  <a:lnTo>
+                    <a:pt x="664700" y="1974386"/>
+                  </a:lnTo>
+                  <a:lnTo>
+                    <a:pt x="582476" y="1951694"/>
+                  </a:lnTo>
+                  <a:lnTo>
+                    <a:pt x="500253" y="1929002"/>
+                  </a:lnTo>
+                  <a:lnTo>
+                    <a:pt x="418030" y="1906310"/>
+                  </a:lnTo>
+                  <a:lnTo>
+                    <a:pt x="335807" y="1883617"/>
+                  </a:lnTo>
+                  <a:lnTo>
+                    <a:pt x="253584" y="1860925"/>
+                  </a:lnTo>
+                  <a:lnTo>
+                    <a:pt x="171360" y="1838233"/>
+                  </a:lnTo>
+                  <a:lnTo>
+                    <a:pt x="89137" y="1815541"/>
+                  </a:lnTo>
+                  <a:lnTo>
+                    <a:pt x="68209" y="1896710"/>
+                  </a:lnTo>
+                  <a:lnTo>
+                    <a:pt x="50044" y="1978542"/>
+                  </a:lnTo>
+                  <a:lnTo>
+                    <a:pt x="34661" y="2060943"/>
+                  </a:lnTo>
+                  <a:lnTo>
+                    <a:pt x="22079" y="2143817"/>
+                  </a:lnTo>
+                  <a:lnTo>
+                    <a:pt x="12312" y="2227071"/>
+                  </a:lnTo>
+                  <a:lnTo>
+                    <a:pt x="5372" y="2310607"/>
+                  </a:lnTo>
+                  <a:lnTo>
+                    <a:pt x="1266" y="2394330"/>
+                  </a:lnTo>
+                  <a:lnTo>
+                    <a:pt x="0" y="2478145"/>
+                  </a:lnTo>
+                  <a:lnTo>
+                    <a:pt x="1573" y="2561954"/>
+                  </a:lnTo>
+                  <a:lnTo>
+                    <a:pt x="5986" y="2645662"/>
+                  </a:lnTo>
+                  <a:lnTo>
+                    <a:pt x="13232" y="2729172"/>
+                  </a:lnTo>
+                  <a:lnTo>
+                    <a:pt x="23304" y="2812389"/>
+                  </a:lnTo>
+                  <a:lnTo>
+                    <a:pt x="36189" y="2895217"/>
+                  </a:lnTo>
+                  <a:lnTo>
+                    <a:pt x="51874" y="2977560"/>
+                  </a:lnTo>
+                  <a:lnTo>
+                    <a:pt x="70339" y="3059325"/>
+                  </a:lnTo>
+                  <a:lnTo>
+                    <a:pt x="91564" y="3140417"/>
+                  </a:lnTo>
+                  <a:lnTo>
+                    <a:pt x="115525" y="3220744"/>
+                  </a:lnTo>
+                  <a:lnTo>
+                    <a:pt x="142193" y="3300213"/>
+                  </a:lnTo>
+                  <a:lnTo>
+                    <a:pt x="171539" y="3378732"/>
+                  </a:lnTo>
+                  <a:lnTo>
+                    <a:pt x="203529" y="3456212"/>
+                  </a:lnTo>
+                  <a:lnTo>
+                    <a:pt x="238125" y="3532564"/>
+                  </a:lnTo>
+                  <a:lnTo>
+                    <a:pt x="275288" y="3607699"/>
+                  </a:lnTo>
+                  <a:lnTo>
+                    <a:pt x="314976" y="3681532"/>
+                  </a:lnTo>
+                  <a:lnTo>
+                    <a:pt x="357143" y="3753979"/>
+                  </a:lnTo>
+                  <a:lnTo>
+                    <a:pt x="401740" y="3824954"/>
+                  </a:lnTo>
+                  <a:lnTo>
+                    <a:pt x="448716" y="3894378"/>
+                  </a:lnTo>
+                  <a:lnTo>
+                    <a:pt x="498018" y="3962171"/>
+                  </a:lnTo>
+                  <a:lnTo>
+                    <a:pt x="549588" y="4028254"/>
+                  </a:lnTo>
+                  <a:lnTo>
+                    <a:pt x="603368" y="4092552"/>
+                  </a:lnTo>
+                  <a:lnTo>
+                    <a:pt x="659295" y="4154991"/>
+                  </a:lnTo>
+                  <a:lnTo>
+                    <a:pt x="717306" y="4215499"/>
+                  </a:lnTo>
+                  <a:lnTo>
+                    <a:pt x="777334" y="4274006"/>
+                  </a:lnTo>
+                  <a:lnTo>
+                    <a:pt x="839309" y="4330446"/>
+                  </a:lnTo>
+                  <a:lnTo>
+                    <a:pt x="903161" y="4384754"/>
+                  </a:lnTo>
+                  <a:lnTo>
+                    <a:pt x="968817" y="4436868"/>
+                  </a:lnTo>
+                  <a:lnTo>
+                    <a:pt x="1036201" y="4486726"/>
+                  </a:lnTo>
+                  <a:lnTo>
+                    <a:pt x="1105235" y="4534273"/>
+                  </a:lnTo>
+                  <a:lnTo>
+                    <a:pt x="1175841" y="4579454"/>
+                  </a:lnTo>
+                  <a:lnTo>
+                    <a:pt x="1247937" y="4622216"/>
+                  </a:lnTo>
+                  <a:lnTo>
+                    <a:pt x="1321441" y="4662511"/>
+                  </a:lnTo>
+                  <a:lnTo>
+                    <a:pt x="1396268" y="4700293"/>
+                  </a:lnTo>
+                  <a:lnTo>
+                    <a:pt x="1472332" y="4735517"/>
+                  </a:lnTo>
+                  <a:lnTo>
+                    <a:pt x="1549545" y="4768144"/>
+                  </a:lnTo>
+                  <a:lnTo>
+                    <a:pt x="1627820" y="4798136"/>
+                  </a:lnTo>
+                  <a:lnTo>
+                    <a:pt x="1707066" y="4825459"/>
+                  </a:lnTo>
+                  <a:lnTo>
+                    <a:pt x="1787192" y="4850081"/>
+                  </a:lnTo>
+                  <a:lnTo>
+                    <a:pt x="1868107" y="4871974"/>
+                  </a:lnTo>
+                  <a:lnTo>
+                    <a:pt x="1949717" y="4891113"/>
+                  </a:lnTo>
+                  <a:lnTo>
+                    <a:pt x="2031928" y="4907475"/>
+                  </a:lnTo>
+                  <a:lnTo>
+                    <a:pt x="2114647" y="4921043"/>
+                  </a:lnTo>
+                  <a:lnTo>
+                    <a:pt x="2197778" y="4931800"/>
+                  </a:lnTo>
+                  <a:lnTo>
+                    <a:pt x="2281226" y="4939735"/>
+                  </a:lnTo>
+                  <a:lnTo>
+                    <a:pt x="2364894" y="4944837"/>
+                  </a:lnTo>
+                  <a:lnTo>
+                    <a:pt x="2448688" y="4947102"/>
+                  </a:lnTo>
+                  <a:lnTo>
+                    <a:pt x="2532510" y="4946526"/>
+                  </a:lnTo>
+                  <a:lnTo>
+                    <a:pt x="2616264" y="4943110"/>
+                  </a:lnTo>
+                  <a:lnTo>
+                    <a:pt x="2699855" y="4936859"/>
+                  </a:lnTo>
+                  <a:lnTo>
+                    <a:pt x="2783186" y="4927779"/>
+                  </a:lnTo>
+                  <a:lnTo>
+                    <a:pt x="2866161" y="4915881"/>
+                  </a:lnTo>
+                  <a:lnTo>
+                    <a:pt x="2948686" y="4901178"/>
+                  </a:lnTo>
+                  <a:lnTo>
+                    <a:pt x="3030665" y="4883687"/>
+                  </a:lnTo>
+                  <a:lnTo>
+                    <a:pt x="3112004" y="4863429"/>
+                  </a:lnTo>
+                  <a:lnTo>
+                    <a:pt x="3192610" y="4840426"/>
+                  </a:lnTo>
+                  <a:lnTo>
+                    <a:pt x="3272390" y="4814706"/>
+                  </a:lnTo>
+                  <a:lnTo>
+                    <a:pt x="3351254" y="4786297"/>
+                  </a:lnTo>
+                  <a:lnTo>
+                    <a:pt x="3429109" y="4755233"/>
+                  </a:lnTo>
+                  <a:lnTo>
+                    <a:pt x="3505867" y="4721548"/>
+                  </a:lnTo>
+                  <a:lnTo>
+                    <a:pt x="3581440" y="4685282"/>
+                  </a:lnTo>
+                  <a:lnTo>
+                    <a:pt x="3655741" y="4646476"/>
+                  </a:lnTo>
+                  <a:lnTo>
+                    <a:pt x="3728684" y="4605175"/>
+                  </a:lnTo>
+                  <a:lnTo>
+                    <a:pt x="3800185" y="4561426"/>
+                  </a:lnTo>
+                  <a:lnTo>
+                    <a:pt x="3870164" y="4515280"/>
+                  </a:lnTo>
+                  <a:lnTo>
+                    <a:pt x="3938539" y="4466789"/>
+                  </a:lnTo>
+                  <a:lnTo>
+                    <a:pt x="4005231" y="4416009"/>
+                  </a:lnTo>
+                  <a:lnTo>
+                    <a:pt x="4070165" y="4362999"/>
+                  </a:lnTo>
+                  <a:lnTo>
+                    <a:pt x="4133265" y="4307819"/>
+                  </a:lnTo>
+                  <a:lnTo>
+                    <a:pt x="4194459" y="4250532"/>
+                  </a:lnTo>
+                  <a:lnTo>
+                    <a:pt x="4253678" y="4191206"/>
+                  </a:lnTo>
+                  <a:lnTo>
+                    <a:pt x="4310852" y="4129906"/>
+                  </a:lnTo>
+                  <a:lnTo>
+                    <a:pt x="4365916" y="4066705"/>
+                  </a:lnTo>
+                  <a:lnTo>
+                    <a:pt x="4418807" y="4001675"/>
+                  </a:lnTo>
+                  <a:lnTo>
+                    <a:pt x="4469465" y="3934889"/>
+                  </a:lnTo>
+                  <a:lnTo>
+                    <a:pt x="4517830" y="3866426"/>
+                  </a:lnTo>
+                  <a:lnTo>
+                    <a:pt x="4563848" y="3796363"/>
+                  </a:lnTo>
+                  <a:lnTo>
+                    <a:pt x="4607466" y="3724781"/>
+                  </a:lnTo>
+                  <a:lnTo>
+                    <a:pt x="4648634" y="3651762"/>
+                  </a:lnTo>
+                  <a:lnTo>
+                    <a:pt x="4687303" y="3577391"/>
+                  </a:lnTo>
+                  <a:lnTo>
+                    <a:pt x="4723431" y="3501752"/>
+                  </a:lnTo>
+                  <a:lnTo>
+                    <a:pt x="4756975" y="3424932"/>
+                  </a:lnTo>
+                  <a:lnTo>
+                    <a:pt x="4787897" y="3347020"/>
+                  </a:lnTo>
+                  <a:lnTo>
+                    <a:pt x="4816161" y="3268105"/>
+                  </a:lnTo>
+                  <a:lnTo>
+                    <a:pt x="4841735" y="3188277"/>
+                  </a:lnTo>
+                  <a:lnTo>
+                    <a:pt x="4864590" y="3107629"/>
+                  </a:lnTo>
+                  <a:lnTo>
+                    <a:pt x="4884699" y="3026253"/>
+                  </a:lnTo>
+                  <a:lnTo>
+                    <a:pt x="4902040" y="2944242"/>
+                  </a:lnTo>
+                  <a:lnTo>
+                    <a:pt x="4916591" y="2861691"/>
+                  </a:lnTo>
+                  <a:lnTo>
+                    <a:pt x="4928338" y="2778694"/>
+                  </a:lnTo>
+                  <a:lnTo>
+                    <a:pt x="4937265" y="2695346"/>
+                  </a:lnTo>
+                  <a:lnTo>
+                    <a:pt x="4943363" y="2611745"/>
+                  </a:lnTo>
+                  <a:lnTo>
+                    <a:pt x="4946626" y="2527984"/>
+                  </a:lnTo>
+                  <a:lnTo>
+                    <a:pt x="4947048" y="2444161"/>
+                  </a:lnTo>
+                  <a:lnTo>
+                    <a:pt x="4944630" y="2360372"/>
+                  </a:lnTo>
+                  <a:lnTo>
+                    <a:pt x="4939374" y="2276713"/>
+                  </a:lnTo>
+                  <a:lnTo>
+                    <a:pt x="4931287" y="2193280"/>
+                  </a:lnTo>
+                  <a:lnTo>
+                    <a:pt x="4920377" y="2110169"/>
+                  </a:lnTo>
+                  <a:lnTo>
+                    <a:pt x="4906658" y="2027475"/>
+                  </a:lnTo>
+                  <a:lnTo>
+                    <a:pt x="4890145" y="1945294"/>
+                  </a:lnTo>
+                  <a:lnTo>
+                    <a:pt x="4870857" y="1863719"/>
+                  </a:lnTo>
+                  <a:lnTo>
+                    <a:pt x="4848815" y="1782844"/>
+                  </a:lnTo>
+                  <a:lnTo>
+                    <a:pt x="4824047" y="1702763"/>
+                  </a:lnTo>
+                  <a:lnTo>
+                    <a:pt x="4796579" y="1623567"/>
+                  </a:lnTo>
+                  <a:lnTo>
+                    <a:pt x="4766443" y="1545348"/>
+                  </a:lnTo>
+                  <a:lnTo>
+                    <a:pt x="4733675" y="1468194"/>
+                  </a:lnTo>
+                  <a:lnTo>
+                    <a:pt x="4698311" y="1392195"/>
+                  </a:lnTo>
+                  <a:lnTo>
+                    <a:pt x="4660393" y="1317437"/>
+                  </a:lnTo>
+                  <a:lnTo>
+                    <a:pt x="4619963" y="1244008"/>
+                  </a:lnTo>
+                  <a:lnTo>
+                    <a:pt x="4577069" y="1171990"/>
+                  </a:lnTo>
+                  <a:lnTo>
+                    <a:pt x="4531759" y="1101467"/>
+                  </a:lnTo>
+                  <a:lnTo>
+                    <a:pt x="4484086" y="1032520"/>
+                  </a:lnTo>
+                  <a:lnTo>
+                    <a:pt x="4434104" y="965228"/>
+                  </a:lnTo>
+                  <a:lnTo>
+                    <a:pt x="4381870" y="899667"/>
+                  </a:lnTo>
+                  <a:lnTo>
+                    <a:pt x="4327445" y="835915"/>
+                  </a:lnTo>
+                  <a:lnTo>
+                    <a:pt x="4270892" y="774042"/>
+                  </a:lnTo>
+                  <a:lnTo>
+                    <a:pt x="4212274" y="714122"/>
+                  </a:lnTo>
+                  <a:lnTo>
+                    <a:pt x="4151660" y="656222"/>
+                  </a:lnTo>
+                  <a:lnTo>
+                    <a:pt x="4089119" y="600409"/>
+                  </a:lnTo>
+                  <a:lnTo>
+                    <a:pt x="4024723" y="546747"/>
+                  </a:lnTo>
+                  <a:lnTo>
+                    <a:pt x="3958545" y="495298"/>
+                  </a:lnTo>
+                  <a:lnTo>
+                    <a:pt x="3890663" y="446121"/>
+                  </a:lnTo>
+                  <a:lnTo>
+                    <a:pt x="3821153" y="399272"/>
+                  </a:lnTo>
+                  <a:lnTo>
+                    <a:pt x="3750095" y="354805"/>
+                  </a:lnTo>
+                  <a:lnTo>
+                    <a:pt x="3677572" y="312771"/>
+                  </a:lnTo>
+                  <a:lnTo>
+                    <a:pt x="3603666" y="273219"/>
+                  </a:lnTo>
+                  <a:lnTo>
+                    <a:pt x="3528463" y="236193"/>
+                  </a:lnTo>
+                  <a:lnTo>
+                    <a:pt x="3452048" y="201737"/>
+                  </a:lnTo>
+                  <a:lnTo>
+                    <a:pt x="3374509" y="169889"/>
+                  </a:lnTo>
+                  <a:lnTo>
+                    <a:pt x="3295936" y="140687"/>
+                  </a:lnTo>
+                  <a:lnTo>
+                    <a:pt x="3216419" y="114164"/>
+                  </a:lnTo>
+                  <a:lnTo>
+                    <a:pt x="3136049" y="90351"/>
+                  </a:lnTo>
+                  <a:lnTo>
+                    <a:pt x="3054918" y="69274"/>
+                  </a:lnTo>
+                  <a:lnTo>
+                    <a:pt x="2973119" y="50959"/>
+                  </a:lnTo>
+                  <a:lnTo>
+                    <a:pt x="2890747" y="35425"/>
+                  </a:lnTo>
+                  <a:lnTo>
+                    <a:pt x="2807896" y="22691"/>
+                  </a:lnTo>
+                  <a:lnTo>
+                    <a:pt x="2724660" y="12772"/>
+                  </a:lnTo>
+                  <a:lnTo>
+                    <a:pt x="2641137" y="5679"/>
+                  </a:lnTo>
+                  <a:lnTo>
+                    <a:pt x="2557421" y="1420"/>
+                  </a:lnTo>
+                  <a:lnTo>
+                    <a:pt x="2473609" y="0"/>
+                  </a:lnTo>
+                  <a:lnTo>
+                    <a:pt x="2473609" y="85297"/>
+                  </a:lnTo>
+                  <a:lnTo>
+                    <a:pt x="2473609" y="170594"/>
+                  </a:lnTo>
+                  <a:lnTo>
+                    <a:pt x="2473609" y="255891"/>
+                  </a:lnTo>
+                  <a:lnTo>
+                    <a:pt x="2473609" y="341188"/>
+                  </a:lnTo>
+                  <a:lnTo>
+                    <a:pt x="2473609" y="426485"/>
+                  </a:lnTo>
+                  <a:lnTo>
+                    <a:pt x="2473609" y="511782"/>
+                  </a:lnTo>
+                  <a:lnTo>
+                    <a:pt x="2473609" y="597079"/>
+                  </a:lnTo>
+                  <a:lnTo>
+                    <a:pt x="2473609" y="682376"/>
+                  </a:lnTo>
+                  <a:lnTo>
+                    <a:pt x="2473609" y="767673"/>
+                  </a:lnTo>
+                  <a:lnTo>
+                    <a:pt x="2473609" y="852970"/>
+                  </a:lnTo>
+                  <a:lnTo>
+                    <a:pt x="2473609" y="938267"/>
+                  </a:lnTo>
+                  <a:lnTo>
+                    <a:pt x="2473609" y="1023564"/>
+                  </a:lnTo>
+                  <a:lnTo>
+                    <a:pt x="2473609" y="1108861"/>
+                  </a:lnTo>
+                  <a:lnTo>
+                    <a:pt x="2473609" y="1194158"/>
+                  </a:lnTo>
+                  <a:lnTo>
+                    <a:pt x="2473609" y="1279455"/>
+                  </a:lnTo>
+                  <a:lnTo>
+                    <a:pt x="2473609" y="1364752"/>
+                  </a:lnTo>
+                  <a:lnTo>
+                    <a:pt x="2473609" y="1450049"/>
+                  </a:lnTo>
+                  <a:lnTo>
+                    <a:pt x="2473609" y="1535346"/>
+                  </a:lnTo>
+                  <a:lnTo>
+                    <a:pt x="2473609" y="1620643"/>
+                  </a:lnTo>
+                  <a:lnTo>
+                    <a:pt x="2473609" y="1705940"/>
+                  </a:lnTo>
+                  <a:lnTo>
+                    <a:pt x="2473609" y="1791237"/>
+                  </a:lnTo>
+                  <a:lnTo>
+                    <a:pt x="2473609" y="1876534"/>
+                  </a:lnTo>
+                  <a:lnTo>
+                    <a:pt x="2473609" y="1961831"/>
+                  </a:lnTo>
+                  <a:lnTo>
+                    <a:pt x="2473609" y="2047128"/>
+                  </a:lnTo>
+                  <a:lnTo>
+                    <a:pt x="2473609" y="2132425"/>
+                  </a:lnTo>
+                  <a:lnTo>
+                    <a:pt x="2473609" y="2217722"/>
+                  </a:lnTo>
+                  <a:lnTo>
+                    <a:pt x="2473609" y="2303019"/>
+                  </a:lnTo>
+                  <a:lnTo>
+                    <a:pt x="2473609" y="2388316"/>
                   </a:lnTo>
                   <a:close/>
                 </a:path>
               </a:pathLst>
             </a:custGeom>
             <a:solidFill>
-              <a:srgbClr val="C77CFF">
+              <a:srgbClr val="E76BF3">
                 <a:alpha val="100000"/>
               </a:srgbClr>
             </a:solidFill>
@@ -2989,208 +2953,196 @@
           </p:nvSpPr>
           <p:spPr>
             <a:xfrm>
-              <a:off x="3585063" y="2302720"/>
-              <a:ext cx="1901336" cy="1920462"/>
+              <a:off x="3101928" y="3458793"/>
+              <a:ext cx="2384471" cy="764388"/>
             </a:xfrm>
             <a:custGeom>
               <a:avLst/>
               <a:pathLst>
-                <a:path w="1901336" h="1920462">
+                <a:path w="2384471" h="764388">
                   <a:moveTo>
-                    <a:pt x="1901336" y="1920462"/>
+                    <a:pt x="2384471" y="764388"/>
                   </a:moveTo>
                   <a:lnTo>
-                    <a:pt x="1847576" y="1854239"/>
-                  </a:lnTo>
-                  <a:lnTo>
-                    <a:pt x="1793816" y="1788016"/>
-                  </a:lnTo>
-                  <a:lnTo>
-                    <a:pt x="1740056" y="1721793"/>
-                  </a:lnTo>
-                  <a:lnTo>
-                    <a:pt x="1686296" y="1655570"/>
-                  </a:lnTo>
-                  <a:lnTo>
-                    <a:pt x="1632537" y="1589347"/>
-                  </a:lnTo>
-                  <a:lnTo>
-                    <a:pt x="1578777" y="1523125"/>
-                  </a:lnTo>
-                  <a:lnTo>
-                    <a:pt x="1525017" y="1456902"/>
-                  </a:lnTo>
-                  <a:lnTo>
-                    <a:pt x="1471257" y="1390679"/>
-                  </a:lnTo>
-                  <a:lnTo>
-                    <a:pt x="1417497" y="1324456"/>
-                  </a:lnTo>
-                  <a:lnTo>
-                    <a:pt x="1363737" y="1258233"/>
-                  </a:lnTo>
-                  <a:lnTo>
-                    <a:pt x="1309978" y="1192010"/>
-                  </a:lnTo>
-                  <a:lnTo>
-                    <a:pt x="1256218" y="1125788"/>
-                  </a:lnTo>
-                  <a:lnTo>
-                    <a:pt x="1202458" y="1059565"/>
-                  </a:lnTo>
-                  <a:lnTo>
-                    <a:pt x="1148698" y="993342"/>
-                  </a:lnTo>
-                  <a:lnTo>
-                    <a:pt x="1094938" y="927119"/>
-                  </a:lnTo>
-                  <a:lnTo>
-                    <a:pt x="1041178" y="860896"/>
-                  </a:lnTo>
-                  <a:lnTo>
-                    <a:pt x="987419" y="794673"/>
-                  </a:lnTo>
-                  <a:lnTo>
-                    <a:pt x="933659" y="728451"/>
-                  </a:lnTo>
-                  <a:lnTo>
-                    <a:pt x="879899" y="662228"/>
-                  </a:lnTo>
-                  <a:lnTo>
-                    <a:pt x="826139" y="596005"/>
-                  </a:lnTo>
-                  <a:lnTo>
-                    <a:pt x="772379" y="529782"/>
-                  </a:lnTo>
-                  <a:lnTo>
-                    <a:pt x="718619" y="463559"/>
-                  </a:lnTo>
-                  <a:lnTo>
-                    <a:pt x="664859" y="397336"/>
-                  </a:lnTo>
-                  <a:lnTo>
-                    <a:pt x="611100" y="331114"/>
-                  </a:lnTo>
-                  <a:lnTo>
-                    <a:pt x="557340" y="264891"/>
-                  </a:lnTo>
-                  <a:lnTo>
-                    <a:pt x="503580" y="198668"/>
-                  </a:lnTo>
-                  <a:lnTo>
-                    <a:pt x="449820" y="132445"/>
-                  </a:lnTo>
-                  <a:lnTo>
-                    <a:pt x="396060" y="66222"/>
-                  </a:lnTo>
-                  <a:lnTo>
-                    <a:pt x="342300" y="0"/>
-                  </a:lnTo>
-                  <a:lnTo>
-                    <a:pt x="268671" y="62190"/>
-                  </a:lnTo>
-                  <a:lnTo>
-                    <a:pt x="197520" y="127202"/>
-                  </a:lnTo>
-                  <a:lnTo>
-                    <a:pt x="128956" y="194937"/>
-                  </a:lnTo>
-                  <a:lnTo>
-                    <a:pt x="63082" y="265291"/>
-                  </a:lnTo>
-                  <a:lnTo>
-                    <a:pt x="0" y="338158"/>
-                  </a:lnTo>
-                  <a:lnTo>
-                    <a:pt x="65563" y="392720"/>
-                  </a:lnTo>
-                  <a:lnTo>
-                    <a:pt x="131126" y="447282"/>
-                  </a:lnTo>
-                  <a:lnTo>
-                    <a:pt x="196689" y="501844"/>
-                  </a:lnTo>
-                  <a:lnTo>
-                    <a:pt x="262253" y="556406"/>
-                  </a:lnTo>
-                  <a:lnTo>
-                    <a:pt x="327816" y="610969"/>
-                  </a:lnTo>
-                  <a:lnTo>
-                    <a:pt x="393379" y="665531"/>
-                  </a:lnTo>
-                  <a:lnTo>
-                    <a:pt x="458943" y="720093"/>
-                  </a:lnTo>
-                  <a:lnTo>
-                    <a:pt x="524506" y="774655"/>
-                  </a:lnTo>
-                  <a:lnTo>
-                    <a:pt x="590069" y="829217"/>
-                  </a:lnTo>
-                  <a:lnTo>
-                    <a:pt x="655633" y="883780"/>
-                  </a:lnTo>
-                  <a:lnTo>
-                    <a:pt x="721196" y="938342"/>
-                  </a:lnTo>
-                  <a:lnTo>
-                    <a:pt x="786759" y="992904"/>
-                  </a:lnTo>
-                  <a:lnTo>
-                    <a:pt x="852323" y="1047466"/>
-                  </a:lnTo>
-                  <a:lnTo>
-                    <a:pt x="917886" y="1102028"/>
-                  </a:lnTo>
-                  <a:lnTo>
-                    <a:pt x="983449" y="1156591"/>
-                  </a:lnTo>
-                  <a:lnTo>
-                    <a:pt x="1049013" y="1211153"/>
-                  </a:lnTo>
-                  <a:lnTo>
-                    <a:pt x="1114576" y="1265715"/>
-                  </a:lnTo>
-                  <a:lnTo>
-                    <a:pt x="1180139" y="1320277"/>
-                  </a:lnTo>
-                  <a:lnTo>
-                    <a:pt x="1245703" y="1374840"/>
-                  </a:lnTo>
-                  <a:lnTo>
-                    <a:pt x="1311266" y="1429402"/>
-                  </a:lnTo>
-                  <a:lnTo>
-                    <a:pt x="1376829" y="1483964"/>
-                  </a:lnTo>
-                  <a:lnTo>
-                    <a:pt x="1442393" y="1538526"/>
-                  </a:lnTo>
-                  <a:lnTo>
-                    <a:pt x="1507956" y="1593088"/>
-                  </a:lnTo>
-                  <a:lnTo>
-                    <a:pt x="1573519" y="1647651"/>
-                  </a:lnTo>
-                  <a:lnTo>
-                    <a:pt x="1639082" y="1702213"/>
-                  </a:lnTo>
-                  <a:lnTo>
-                    <a:pt x="1704646" y="1756775"/>
-                  </a:lnTo>
-                  <a:lnTo>
-                    <a:pt x="1770209" y="1811337"/>
-                  </a:lnTo>
-                  <a:lnTo>
-                    <a:pt x="1835772" y="1865899"/>
+                    <a:pt x="2303349" y="738030"/>
+                  </a:lnTo>
+                  <a:lnTo>
+                    <a:pt x="2222227" y="711672"/>
+                  </a:lnTo>
+                  <a:lnTo>
+                    <a:pt x="2141105" y="685314"/>
+                  </a:lnTo>
+                  <a:lnTo>
+                    <a:pt x="2059982" y="658955"/>
+                  </a:lnTo>
+                  <a:lnTo>
+                    <a:pt x="1978860" y="632597"/>
+                  </a:lnTo>
+                  <a:lnTo>
+                    <a:pt x="1897738" y="606239"/>
+                  </a:lnTo>
+                  <a:lnTo>
+                    <a:pt x="1816615" y="579881"/>
+                  </a:lnTo>
+                  <a:lnTo>
+                    <a:pt x="1735493" y="553522"/>
+                  </a:lnTo>
+                  <a:lnTo>
+                    <a:pt x="1654371" y="527164"/>
+                  </a:lnTo>
+                  <a:lnTo>
+                    <a:pt x="1573248" y="500806"/>
+                  </a:lnTo>
+                  <a:lnTo>
+                    <a:pt x="1492126" y="474448"/>
+                  </a:lnTo>
+                  <a:lnTo>
+                    <a:pt x="1411004" y="448089"/>
+                  </a:lnTo>
+                  <a:lnTo>
+                    <a:pt x="1329882" y="421731"/>
+                  </a:lnTo>
+                  <a:lnTo>
+                    <a:pt x="1248759" y="395373"/>
+                  </a:lnTo>
+                  <a:lnTo>
+                    <a:pt x="1167637" y="369015"/>
+                  </a:lnTo>
+                  <a:lnTo>
+                    <a:pt x="1086515" y="342657"/>
+                  </a:lnTo>
+                  <a:lnTo>
+                    <a:pt x="1005392" y="316298"/>
+                  </a:lnTo>
+                  <a:lnTo>
+                    <a:pt x="924270" y="289940"/>
+                  </a:lnTo>
+                  <a:lnTo>
+                    <a:pt x="843148" y="263582"/>
+                  </a:lnTo>
+                  <a:lnTo>
+                    <a:pt x="762025" y="237224"/>
+                  </a:lnTo>
+                  <a:lnTo>
+                    <a:pt x="680903" y="210865"/>
+                  </a:lnTo>
+                  <a:lnTo>
+                    <a:pt x="599781" y="184507"/>
+                  </a:lnTo>
+                  <a:lnTo>
+                    <a:pt x="518659" y="158149"/>
+                  </a:lnTo>
+                  <a:lnTo>
+                    <a:pt x="437536" y="131791"/>
+                  </a:lnTo>
+                  <a:lnTo>
+                    <a:pt x="356414" y="105432"/>
+                  </a:lnTo>
+                  <a:lnTo>
+                    <a:pt x="275292" y="79074"/>
+                  </a:lnTo>
+                  <a:lnTo>
+                    <a:pt x="194169" y="52716"/>
+                  </a:lnTo>
+                  <a:lnTo>
+                    <a:pt x="113047" y="26358"/>
+                  </a:lnTo>
+                  <a:lnTo>
+                    <a:pt x="31925" y="0"/>
+                  </a:lnTo>
+                  <a:lnTo>
+                    <a:pt x="0" y="106316"/>
+                  </a:lnTo>
+                  <a:lnTo>
+                    <a:pt x="82223" y="129008"/>
+                  </a:lnTo>
+                  <a:lnTo>
+                    <a:pt x="164446" y="151700"/>
+                  </a:lnTo>
+                  <a:lnTo>
+                    <a:pt x="246669" y="174392"/>
+                  </a:lnTo>
+                  <a:lnTo>
+                    <a:pt x="328892" y="197084"/>
+                  </a:lnTo>
+                  <a:lnTo>
+                    <a:pt x="411115" y="219777"/>
+                  </a:lnTo>
+                  <a:lnTo>
+                    <a:pt x="493339" y="242469"/>
+                  </a:lnTo>
+                  <a:lnTo>
+                    <a:pt x="575562" y="265161"/>
+                  </a:lnTo>
+                  <a:lnTo>
+                    <a:pt x="657785" y="287853"/>
+                  </a:lnTo>
+                  <a:lnTo>
+                    <a:pt x="740008" y="310545"/>
+                  </a:lnTo>
+                  <a:lnTo>
+                    <a:pt x="822231" y="333237"/>
+                  </a:lnTo>
+                  <a:lnTo>
+                    <a:pt x="904454" y="355929"/>
+                  </a:lnTo>
+                  <a:lnTo>
+                    <a:pt x="986678" y="378622"/>
+                  </a:lnTo>
+                  <a:lnTo>
+                    <a:pt x="1068901" y="401314"/>
+                  </a:lnTo>
+                  <a:lnTo>
+                    <a:pt x="1151124" y="424006"/>
+                  </a:lnTo>
+                  <a:lnTo>
+                    <a:pt x="1233347" y="446698"/>
+                  </a:lnTo>
+                  <a:lnTo>
+                    <a:pt x="1315570" y="469390"/>
+                  </a:lnTo>
+                  <a:lnTo>
+                    <a:pt x="1397793" y="492082"/>
+                  </a:lnTo>
+                  <a:lnTo>
+                    <a:pt x="1480017" y="514775"/>
+                  </a:lnTo>
+                  <a:lnTo>
+                    <a:pt x="1562240" y="537467"/>
+                  </a:lnTo>
+                  <a:lnTo>
+                    <a:pt x="1644463" y="560159"/>
+                  </a:lnTo>
+                  <a:lnTo>
+                    <a:pt x="1726686" y="582851"/>
+                  </a:lnTo>
+                  <a:lnTo>
+                    <a:pt x="1808909" y="605543"/>
+                  </a:lnTo>
+                  <a:lnTo>
+                    <a:pt x="1891132" y="628235"/>
+                  </a:lnTo>
+                  <a:lnTo>
+                    <a:pt x="1973356" y="650927"/>
+                  </a:lnTo>
+                  <a:lnTo>
+                    <a:pt x="2055579" y="673620"/>
+                  </a:lnTo>
+                  <a:lnTo>
+                    <a:pt x="2137802" y="696312"/>
+                  </a:lnTo>
+                  <a:lnTo>
+                    <a:pt x="2220025" y="719004"/>
+                  </a:lnTo>
+                  <a:lnTo>
+                    <a:pt x="2302248" y="741696"/>
                   </a:lnTo>
                   <a:close/>
                 </a:path>
               </a:pathLst>
             </a:custGeom>
             <a:solidFill>
-              <a:srgbClr val="00BFC4">
+              <a:srgbClr val="00B0F6">
                 <a:alpha val="100000"/>
               </a:srgbClr>
             </a:solidFill>
@@ -3218,244 +3170,247 @@
           </p:nvSpPr>
           <p:spPr>
             <a:xfrm>
-              <a:off x="3927364" y="1761295"/>
-              <a:ext cx="1559035" cy="2461886"/>
+              <a:off x="3133853" y="2221986"/>
+              <a:ext cx="2352546" cy="2001195"/>
             </a:xfrm>
             <a:custGeom>
               <a:avLst/>
               <a:pathLst>
-                <a:path w="1559035" h="2461886">
+                <a:path w="2352546" h="2001195">
                   <a:moveTo>
-                    <a:pt x="1559035" y="2461886"/>
+                    <a:pt x="2352546" y="2001195"/>
                   </a:moveTo>
                   <a:lnTo>
-                    <a:pt x="1550739" y="2376993"/>
-                  </a:lnTo>
-                  <a:lnTo>
-                    <a:pt x="1542443" y="2292101"/>
-                  </a:lnTo>
-                  <a:lnTo>
-                    <a:pt x="1534147" y="2207208"/>
-                  </a:lnTo>
-                  <a:lnTo>
-                    <a:pt x="1525851" y="2122316"/>
-                  </a:lnTo>
-                  <a:lnTo>
-                    <a:pt x="1517555" y="2037423"/>
-                  </a:lnTo>
-                  <a:lnTo>
-                    <a:pt x="1509259" y="1952530"/>
-                  </a:lnTo>
-                  <a:lnTo>
-                    <a:pt x="1500963" y="1867638"/>
-                  </a:lnTo>
-                  <a:lnTo>
-                    <a:pt x="1492667" y="1782745"/>
-                  </a:lnTo>
-                  <a:lnTo>
-                    <a:pt x="1484371" y="1697852"/>
-                  </a:lnTo>
-                  <a:lnTo>
-                    <a:pt x="1476075" y="1612960"/>
-                  </a:lnTo>
-                  <a:lnTo>
-                    <a:pt x="1467779" y="1528067"/>
-                  </a:lnTo>
-                  <a:lnTo>
-                    <a:pt x="1459483" y="1443174"/>
-                  </a:lnTo>
-                  <a:lnTo>
-                    <a:pt x="1451187" y="1358282"/>
-                  </a:lnTo>
-                  <a:lnTo>
-                    <a:pt x="1442891" y="1273389"/>
-                  </a:lnTo>
-                  <a:lnTo>
-                    <a:pt x="1434595" y="1188496"/>
-                  </a:lnTo>
-                  <a:lnTo>
-                    <a:pt x="1426299" y="1103604"/>
-                  </a:lnTo>
-                  <a:lnTo>
-                    <a:pt x="1418003" y="1018711"/>
-                  </a:lnTo>
-                  <a:lnTo>
-                    <a:pt x="1409707" y="933819"/>
-                  </a:lnTo>
-                  <a:lnTo>
-                    <a:pt x="1401411" y="848926"/>
-                  </a:lnTo>
-                  <a:lnTo>
-                    <a:pt x="1393116" y="764033"/>
-                  </a:lnTo>
-                  <a:lnTo>
-                    <a:pt x="1384820" y="679141"/>
-                  </a:lnTo>
-                  <a:lnTo>
-                    <a:pt x="1376524" y="594248"/>
-                  </a:lnTo>
-                  <a:lnTo>
-                    <a:pt x="1368228" y="509355"/>
-                  </a:lnTo>
-                  <a:lnTo>
-                    <a:pt x="1359932" y="424463"/>
-                  </a:lnTo>
-                  <a:lnTo>
-                    <a:pt x="1351636" y="339570"/>
-                  </a:lnTo>
-                  <a:lnTo>
-                    <a:pt x="1343340" y="254677"/>
-                  </a:lnTo>
-                  <a:lnTo>
-                    <a:pt x="1335044" y="169785"/>
-                  </a:lnTo>
-                  <a:lnTo>
-                    <a:pt x="1326748" y="84892"/>
-                  </a:lnTo>
-                  <a:lnTo>
-                    <a:pt x="1318452" y="0"/>
-                  </a:lnTo>
-                  <a:lnTo>
-                    <a:pt x="1233968" y="9724"/>
-                  </a:lnTo>
-                  <a:lnTo>
-                    <a:pt x="1149868" y="22348"/>
-                  </a:lnTo>
-                  <a:lnTo>
-                    <a:pt x="1066252" y="37854"/>
-                  </a:lnTo>
-                  <a:lnTo>
-                    <a:pt x="983218" y="56226"/>
-                  </a:lnTo>
-                  <a:lnTo>
-                    <a:pt x="900865" y="77441"/>
-                  </a:lnTo>
-                  <a:lnTo>
-                    <a:pt x="819290" y="101475"/>
-                  </a:lnTo>
-                  <a:lnTo>
-                    <a:pt x="738589" y="128298"/>
-                  </a:lnTo>
-                  <a:lnTo>
-                    <a:pt x="658857" y="157879"/>
-                  </a:lnTo>
-                  <a:lnTo>
-                    <a:pt x="580190" y="190184"/>
-                  </a:lnTo>
-                  <a:lnTo>
-                    <a:pt x="502680" y="225174"/>
-                  </a:lnTo>
-                  <a:lnTo>
-                    <a:pt x="426418" y="262808"/>
-                  </a:lnTo>
-                  <a:lnTo>
-                    <a:pt x="351495" y="303040"/>
-                  </a:lnTo>
-                  <a:lnTo>
-                    <a:pt x="278000" y="345825"/>
-                  </a:lnTo>
-                  <a:lnTo>
-                    <a:pt x="206018" y="391110"/>
-                  </a:lnTo>
-                  <a:lnTo>
-                    <a:pt x="135636" y="438844"/>
-                  </a:lnTo>
-                  <a:lnTo>
-                    <a:pt x="66936" y="488968"/>
-                  </a:lnTo>
-                  <a:lnTo>
-                    <a:pt x="0" y="541424"/>
-                  </a:lnTo>
-                  <a:lnTo>
-                    <a:pt x="53759" y="607647"/>
-                  </a:lnTo>
-                  <a:lnTo>
-                    <a:pt x="107519" y="673870"/>
-                  </a:lnTo>
-                  <a:lnTo>
-                    <a:pt x="161279" y="740092"/>
-                  </a:lnTo>
-                  <a:lnTo>
-                    <a:pt x="215039" y="806315"/>
-                  </a:lnTo>
-                  <a:lnTo>
-                    <a:pt x="268799" y="872538"/>
-                  </a:lnTo>
-                  <a:lnTo>
-                    <a:pt x="322559" y="938761"/>
-                  </a:lnTo>
-                  <a:lnTo>
-                    <a:pt x="376318" y="1004984"/>
-                  </a:lnTo>
-                  <a:lnTo>
-                    <a:pt x="430078" y="1071207"/>
-                  </a:lnTo>
-                  <a:lnTo>
-                    <a:pt x="483838" y="1137429"/>
-                  </a:lnTo>
-                  <a:lnTo>
-                    <a:pt x="537598" y="1203652"/>
-                  </a:lnTo>
-                  <a:lnTo>
-                    <a:pt x="591358" y="1269875"/>
-                  </a:lnTo>
-                  <a:lnTo>
-                    <a:pt x="645118" y="1336098"/>
-                  </a:lnTo>
-                  <a:lnTo>
-                    <a:pt x="698877" y="1402321"/>
-                  </a:lnTo>
-                  <a:lnTo>
-                    <a:pt x="752637" y="1468544"/>
-                  </a:lnTo>
-                  <a:lnTo>
-                    <a:pt x="806397" y="1534766"/>
-                  </a:lnTo>
-                  <a:lnTo>
-                    <a:pt x="860157" y="1600989"/>
-                  </a:lnTo>
-                  <a:lnTo>
-                    <a:pt x="913917" y="1667212"/>
-                  </a:lnTo>
-                  <a:lnTo>
-                    <a:pt x="967677" y="1733435"/>
-                  </a:lnTo>
-                  <a:lnTo>
-                    <a:pt x="1021436" y="1799658"/>
-                  </a:lnTo>
-                  <a:lnTo>
-                    <a:pt x="1075196" y="1865881"/>
-                  </a:lnTo>
-                  <a:lnTo>
-                    <a:pt x="1128956" y="1932103"/>
-                  </a:lnTo>
-                  <a:lnTo>
-                    <a:pt x="1182716" y="1998326"/>
-                  </a:lnTo>
-                  <a:lnTo>
-                    <a:pt x="1236476" y="2064549"/>
-                  </a:lnTo>
-                  <a:lnTo>
-                    <a:pt x="1290236" y="2130772"/>
-                  </a:lnTo>
-                  <a:lnTo>
-                    <a:pt x="1343995" y="2196995"/>
-                  </a:lnTo>
-                  <a:lnTo>
-                    <a:pt x="1397755" y="2263218"/>
-                  </a:lnTo>
-                  <a:lnTo>
-                    <a:pt x="1451515" y="2329440"/>
-                  </a:lnTo>
-                  <a:lnTo>
-                    <a:pt x="1505275" y="2395663"/>
+                    <a:pt x="2302410" y="1932188"/>
+                  </a:lnTo>
+                  <a:lnTo>
+                    <a:pt x="2252273" y="1863182"/>
+                  </a:lnTo>
+                  <a:lnTo>
+                    <a:pt x="2202137" y="1794175"/>
+                  </a:lnTo>
+                  <a:lnTo>
+                    <a:pt x="2152001" y="1725168"/>
+                  </a:lnTo>
+                  <a:lnTo>
+                    <a:pt x="2101864" y="1656161"/>
+                  </a:lnTo>
+                  <a:lnTo>
+                    <a:pt x="2051728" y="1587155"/>
+                  </a:lnTo>
+                  <a:lnTo>
+                    <a:pt x="2001592" y="1518148"/>
+                  </a:lnTo>
+                  <a:lnTo>
+                    <a:pt x="1951455" y="1449141"/>
+                  </a:lnTo>
+                  <a:lnTo>
+                    <a:pt x="1901319" y="1380134"/>
+                  </a:lnTo>
+                  <a:lnTo>
+                    <a:pt x="1851183" y="1311128"/>
+                  </a:lnTo>
+                  <a:lnTo>
+                    <a:pt x="1801046" y="1242121"/>
+                  </a:lnTo>
+                  <a:lnTo>
+                    <a:pt x="1750910" y="1173114"/>
+                  </a:lnTo>
+                  <a:lnTo>
+                    <a:pt x="1700774" y="1104107"/>
+                  </a:lnTo>
+                  <a:lnTo>
+                    <a:pt x="1650637" y="1035101"/>
+                  </a:lnTo>
+                  <a:lnTo>
+                    <a:pt x="1600501" y="966094"/>
+                  </a:lnTo>
+                  <a:lnTo>
+                    <a:pt x="1550365" y="897087"/>
+                  </a:lnTo>
+                  <a:lnTo>
+                    <a:pt x="1500228" y="828080"/>
+                  </a:lnTo>
+                  <a:lnTo>
+                    <a:pt x="1450092" y="759074"/>
+                  </a:lnTo>
+                  <a:lnTo>
+                    <a:pt x="1399956" y="690067"/>
+                  </a:lnTo>
+                  <a:lnTo>
+                    <a:pt x="1349819" y="621060"/>
+                  </a:lnTo>
+                  <a:lnTo>
+                    <a:pt x="1299683" y="552053"/>
+                  </a:lnTo>
+                  <a:lnTo>
+                    <a:pt x="1249547" y="483047"/>
+                  </a:lnTo>
+                  <a:lnTo>
+                    <a:pt x="1199410" y="414040"/>
+                  </a:lnTo>
+                  <a:lnTo>
+                    <a:pt x="1149274" y="345033"/>
+                  </a:lnTo>
+                  <a:lnTo>
+                    <a:pt x="1099138" y="276026"/>
+                  </a:lnTo>
+                  <a:lnTo>
+                    <a:pt x="1049001" y="207020"/>
+                  </a:lnTo>
+                  <a:lnTo>
+                    <a:pt x="998865" y="138013"/>
+                  </a:lnTo>
+                  <a:lnTo>
+                    <a:pt x="948729" y="69006"/>
+                  </a:lnTo>
+                  <a:lnTo>
+                    <a:pt x="898592" y="0"/>
+                  </a:lnTo>
+                  <a:lnTo>
+                    <a:pt x="829637" y="51961"/>
+                  </a:lnTo>
+                  <a:lnTo>
+                    <a:pt x="762538" y="106297"/>
+                  </a:lnTo>
+                  <a:lnTo>
+                    <a:pt x="697375" y="162942"/>
+                  </a:lnTo>
+                  <a:lnTo>
+                    <a:pt x="634230" y="221826"/>
+                  </a:lnTo>
+                  <a:lnTo>
+                    <a:pt x="573177" y="282879"/>
+                  </a:lnTo>
+                  <a:lnTo>
+                    <a:pt x="514293" y="346024"/>
+                  </a:lnTo>
+                  <a:lnTo>
+                    <a:pt x="457648" y="411187"/>
+                  </a:lnTo>
+                  <a:lnTo>
+                    <a:pt x="403312" y="478286"/>
+                  </a:lnTo>
+                  <a:lnTo>
+                    <a:pt x="351350" y="547241"/>
+                  </a:lnTo>
+                  <a:lnTo>
+                    <a:pt x="301827" y="617968"/>
+                  </a:lnTo>
+                  <a:lnTo>
+                    <a:pt x="254803" y="690380"/>
+                  </a:lnTo>
+                  <a:lnTo>
+                    <a:pt x="210334" y="764388"/>
+                  </a:lnTo>
+                  <a:lnTo>
+                    <a:pt x="168475" y="839904"/>
+                  </a:lnTo>
+                  <a:lnTo>
+                    <a:pt x="129277" y="916834"/>
+                  </a:lnTo>
+                  <a:lnTo>
+                    <a:pt x="92787" y="995086"/>
+                  </a:lnTo>
+                  <a:lnTo>
+                    <a:pt x="59051" y="1074563"/>
+                  </a:lnTo>
+                  <a:lnTo>
+                    <a:pt x="28109" y="1155169"/>
+                  </a:lnTo>
+                  <a:lnTo>
+                    <a:pt x="0" y="1236806"/>
+                  </a:lnTo>
+                  <a:lnTo>
+                    <a:pt x="81122" y="1263165"/>
+                  </a:lnTo>
+                  <a:lnTo>
+                    <a:pt x="162244" y="1289523"/>
+                  </a:lnTo>
+                  <a:lnTo>
+                    <a:pt x="243366" y="1315881"/>
+                  </a:lnTo>
+                  <a:lnTo>
+                    <a:pt x="324489" y="1342239"/>
+                  </a:lnTo>
+                  <a:lnTo>
+                    <a:pt x="405611" y="1368598"/>
+                  </a:lnTo>
+                  <a:lnTo>
+                    <a:pt x="486733" y="1394956"/>
+                  </a:lnTo>
+                  <a:lnTo>
+                    <a:pt x="567856" y="1421314"/>
+                  </a:lnTo>
+                  <a:lnTo>
+                    <a:pt x="648978" y="1447672"/>
+                  </a:lnTo>
+                  <a:lnTo>
+                    <a:pt x="730100" y="1474031"/>
+                  </a:lnTo>
+                  <a:lnTo>
+                    <a:pt x="811222" y="1500389"/>
+                  </a:lnTo>
+                  <a:lnTo>
+                    <a:pt x="892345" y="1526747"/>
+                  </a:lnTo>
+                  <a:lnTo>
+                    <a:pt x="973467" y="1553105"/>
+                  </a:lnTo>
+                  <a:lnTo>
+                    <a:pt x="1054589" y="1579463"/>
+                  </a:lnTo>
+                  <a:lnTo>
+                    <a:pt x="1135712" y="1605822"/>
+                  </a:lnTo>
+                  <a:lnTo>
+                    <a:pt x="1216834" y="1632180"/>
+                  </a:lnTo>
+                  <a:lnTo>
+                    <a:pt x="1297956" y="1658538"/>
+                  </a:lnTo>
+                  <a:lnTo>
+                    <a:pt x="1379079" y="1684896"/>
+                  </a:lnTo>
+                  <a:lnTo>
+                    <a:pt x="1460201" y="1711255"/>
+                  </a:lnTo>
+                  <a:lnTo>
+                    <a:pt x="1541323" y="1737613"/>
+                  </a:lnTo>
+                  <a:lnTo>
+                    <a:pt x="1622445" y="1763971"/>
+                  </a:lnTo>
+                  <a:lnTo>
+                    <a:pt x="1703568" y="1790329"/>
+                  </a:lnTo>
+                  <a:lnTo>
+                    <a:pt x="1784690" y="1816688"/>
+                  </a:lnTo>
+                  <a:lnTo>
+                    <a:pt x="1865812" y="1843046"/>
+                  </a:lnTo>
+                  <a:lnTo>
+                    <a:pt x="1946935" y="1869404"/>
+                  </a:lnTo>
+                  <a:lnTo>
+                    <a:pt x="2028057" y="1895762"/>
+                  </a:lnTo>
+                  <a:lnTo>
+                    <a:pt x="2109179" y="1922121"/>
+                  </a:lnTo>
+                  <a:lnTo>
+                    <a:pt x="2190302" y="1948479"/>
+                  </a:lnTo>
+                  <a:lnTo>
+                    <a:pt x="2271424" y="1974837"/>
                   </a:lnTo>
                   <a:close/>
                 </a:path>
               </a:pathLst>
             </a:custGeom>
             <a:solidFill>
-              <a:srgbClr val="7CAE00">
+              <a:srgbClr val="00BF7D">
                 <a:alpha val="100000"/>
               </a:srgbClr>
             </a:solidFill>
@@ -3483,192 +3438,451 @@
           </p:nvSpPr>
           <p:spPr>
             <a:xfrm>
-              <a:off x="5245816" y="1749568"/>
-              <a:ext cx="240583" cy="2473613"/>
+              <a:off x="4032446" y="1759526"/>
+              <a:ext cx="1453953" cy="2463655"/>
             </a:xfrm>
             <a:custGeom>
               <a:avLst/>
               <a:pathLst>
-                <a:path w="240583" h="2473613">
+                <a:path w="1453953" h="2463655">
                   <a:moveTo>
-                    <a:pt x="240583" y="2473613"/>
+                    <a:pt x="1453953" y="2463655"/>
                   </a:moveTo>
                   <a:lnTo>
-                    <a:pt x="240583" y="2388316"/>
-                  </a:lnTo>
-                  <a:lnTo>
-                    <a:pt x="240583" y="2303019"/>
-                  </a:lnTo>
-                  <a:lnTo>
-                    <a:pt x="240583" y="2217722"/>
-                  </a:lnTo>
-                  <a:lnTo>
-                    <a:pt x="240583" y="2132425"/>
-                  </a:lnTo>
-                  <a:lnTo>
-                    <a:pt x="240583" y="2047128"/>
-                  </a:lnTo>
-                  <a:lnTo>
-                    <a:pt x="240583" y="1961831"/>
-                  </a:lnTo>
-                  <a:lnTo>
-                    <a:pt x="240583" y="1876534"/>
-                  </a:lnTo>
-                  <a:lnTo>
-                    <a:pt x="240583" y="1791237"/>
-                  </a:lnTo>
-                  <a:lnTo>
-                    <a:pt x="240583" y="1705940"/>
-                  </a:lnTo>
-                  <a:lnTo>
-                    <a:pt x="240583" y="1620643"/>
-                  </a:lnTo>
-                  <a:lnTo>
-                    <a:pt x="240583" y="1535346"/>
-                  </a:lnTo>
-                  <a:lnTo>
-                    <a:pt x="240583" y="1450049"/>
-                  </a:lnTo>
-                  <a:lnTo>
-                    <a:pt x="240583" y="1364752"/>
-                  </a:lnTo>
-                  <a:lnTo>
-                    <a:pt x="240583" y="1279455"/>
-                  </a:lnTo>
-                  <a:lnTo>
-                    <a:pt x="240583" y="1194158"/>
-                  </a:lnTo>
-                  <a:lnTo>
-                    <a:pt x="240583" y="1108861"/>
-                  </a:lnTo>
-                  <a:lnTo>
-                    <a:pt x="240583" y="1023564"/>
-                  </a:lnTo>
-                  <a:lnTo>
-                    <a:pt x="240583" y="938267"/>
-                  </a:lnTo>
-                  <a:lnTo>
-                    <a:pt x="240583" y="852970"/>
-                  </a:lnTo>
-                  <a:lnTo>
-                    <a:pt x="240583" y="767673"/>
-                  </a:lnTo>
-                  <a:lnTo>
-                    <a:pt x="240583" y="682376"/>
-                  </a:lnTo>
-                  <a:lnTo>
-                    <a:pt x="240583" y="597079"/>
-                  </a:lnTo>
-                  <a:lnTo>
-                    <a:pt x="240583" y="511782"/>
-                  </a:lnTo>
-                  <a:lnTo>
-                    <a:pt x="240583" y="426485"/>
-                  </a:lnTo>
-                  <a:lnTo>
-                    <a:pt x="240583" y="341188"/>
-                  </a:lnTo>
-                  <a:lnTo>
-                    <a:pt x="240583" y="255891"/>
-                  </a:lnTo>
-                  <a:lnTo>
-                    <a:pt x="240583" y="170594"/>
-                  </a:lnTo>
-                  <a:lnTo>
-                    <a:pt x="240583" y="85297"/>
-                  </a:lnTo>
-                  <a:lnTo>
-                    <a:pt x="240583" y="0"/>
-                  </a:lnTo>
-                  <a:lnTo>
-                    <a:pt x="120148" y="2933"/>
-                  </a:lnTo>
-                  <a:lnTo>
-                    <a:pt x="0" y="11727"/>
-                  </a:lnTo>
-                  <a:lnTo>
-                    <a:pt x="8295" y="96619"/>
-                  </a:lnTo>
-                  <a:lnTo>
-                    <a:pt x="16591" y="181512"/>
-                  </a:lnTo>
-                  <a:lnTo>
-                    <a:pt x="24887" y="266405"/>
-                  </a:lnTo>
-                  <a:lnTo>
-                    <a:pt x="33183" y="351297"/>
-                  </a:lnTo>
-                  <a:lnTo>
-                    <a:pt x="41479" y="436190"/>
-                  </a:lnTo>
-                  <a:lnTo>
-                    <a:pt x="49775" y="521083"/>
-                  </a:lnTo>
-                  <a:lnTo>
-                    <a:pt x="58071" y="605975"/>
-                  </a:lnTo>
-                  <a:lnTo>
-                    <a:pt x="66367" y="690868"/>
-                  </a:lnTo>
-                  <a:lnTo>
-                    <a:pt x="74663" y="775761"/>
-                  </a:lnTo>
-                  <a:lnTo>
-                    <a:pt x="82959" y="860653"/>
-                  </a:lnTo>
-                  <a:lnTo>
-                    <a:pt x="91255" y="945546"/>
-                  </a:lnTo>
-                  <a:lnTo>
-                    <a:pt x="99551" y="1030439"/>
-                  </a:lnTo>
-                  <a:lnTo>
-                    <a:pt x="107847" y="1115331"/>
-                  </a:lnTo>
-                  <a:lnTo>
-                    <a:pt x="116143" y="1200224"/>
-                  </a:lnTo>
-                  <a:lnTo>
-                    <a:pt x="124439" y="1285116"/>
-                  </a:lnTo>
-                  <a:lnTo>
-                    <a:pt x="132735" y="1370009"/>
-                  </a:lnTo>
-                  <a:lnTo>
-                    <a:pt x="141031" y="1454902"/>
-                  </a:lnTo>
-                  <a:lnTo>
-                    <a:pt x="149327" y="1539794"/>
-                  </a:lnTo>
-                  <a:lnTo>
-                    <a:pt x="157623" y="1624687"/>
-                  </a:lnTo>
-                  <a:lnTo>
-                    <a:pt x="165919" y="1709580"/>
-                  </a:lnTo>
-                  <a:lnTo>
-                    <a:pt x="174215" y="1794472"/>
-                  </a:lnTo>
-                  <a:lnTo>
-                    <a:pt x="182511" y="1879365"/>
-                  </a:lnTo>
-                  <a:lnTo>
-                    <a:pt x="190807" y="1964258"/>
-                  </a:lnTo>
-                  <a:lnTo>
-                    <a:pt x="199103" y="2049150"/>
-                  </a:lnTo>
-                  <a:lnTo>
-                    <a:pt x="207399" y="2134043"/>
-                  </a:lnTo>
-                  <a:lnTo>
-                    <a:pt x="215695" y="2218936"/>
-                  </a:lnTo>
-                  <a:lnTo>
-                    <a:pt x="223991" y="2303828"/>
-                  </a:lnTo>
-                  <a:lnTo>
-                    <a:pt x="232287" y="2388721"/>
+                    <a:pt x="1446307" y="2378702"/>
+                  </a:lnTo>
+                  <a:lnTo>
+                    <a:pt x="1438661" y="2293748"/>
+                  </a:lnTo>
+                  <a:lnTo>
+                    <a:pt x="1431015" y="2208794"/>
+                  </a:lnTo>
+                  <a:lnTo>
+                    <a:pt x="1423369" y="2123841"/>
+                  </a:lnTo>
+                  <a:lnTo>
+                    <a:pt x="1415723" y="2038887"/>
+                  </a:lnTo>
+                  <a:lnTo>
+                    <a:pt x="1408077" y="1953933"/>
+                  </a:lnTo>
+                  <a:lnTo>
+                    <a:pt x="1400432" y="1868980"/>
+                  </a:lnTo>
+                  <a:lnTo>
+                    <a:pt x="1392786" y="1784026"/>
+                  </a:lnTo>
+                  <a:lnTo>
+                    <a:pt x="1385140" y="1699073"/>
+                  </a:lnTo>
+                  <a:lnTo>
+                    <a:pt x="1377494" y="1614119"/>
+                  </a:lnTo>
+                  <a:lnTo>
+                    <a:pt x="1369848" y="1529165"/>
+                  </a:lnTo>
+                  <a:lnTo>
+                    <a:pt x="1362202" y="1444212"/>
+                  </a:lnTo>
+                  <a:lnTo>
+                    <a:pt x="1354556" y="1359258"/>
+                  </a:lnTo>
+                  <a:lnTo>
+                    <a:pt x="1346910" y="1274304"/>
+                  </a:lnTo>
+                  <a:lnTo>
+                    <a:pt x="1339264" y="1189351"/>
+                  </a:lnTo>
+                  <a:lnTo>
+                    <a:pt x="1331618" y="1104397"/>
+                  </a:lnTo>
+                  <a:lnTo>
+                    <a:pt x="1323972" y="1019443"/>
+                  </a:lnTo>
+                  <a:lnTo>
+                    <a:pt x="1316326" y="934490"/>
+                  </a:lnTo>
+                  <a:lnTo>
+                    <a:pt x="1308680" y="849536"/>
+                  </a:lnTo>
+                  <a:lnTo>
+                    <a:pt x="1301034" y="764582"/>
+                  </a:lnTo>
+                  <a:lnTo>
+                    <a:pt x="1293388" y="679629"/>
+                  </a:lnTo>
+                  <a:lnTo>
+                    <a:pt x="1285742" y="594675"/>
+                  </a:lnTo>
+                  <a:lnTo>
+                    <a:pt x="1278096" y="509721"/>
+                  </a:lnTo>
+                  <a:lnTo>
+                    <a:pt x="1270450" y="424768"/>
+                  </a:lnTo>
+                  <a:lnTo>
+                    <a:pt x="1262804" y="339814"/>
+                  </a:lnTo>
+                  <a:lnTo>
+                    <a:pt x="1255158" y="254860"/>
+                  </a:lnTo>
+                  <a:lnTo>
+                    <a:pt x="1247512" y="169907"/>
+                  </a:lnTo>
+                  <a:lnTo>
+                    <a:pt x="1239866" y="84953"/>
+                  </a:lnTo>
+                  <a:lnTo>
+                    <a:pt x="1232220" y="0"/>
+                  </a:lnTo>
+                  <a:lnTo>
+                    <a:pt x="1143927" y="9547"/>
+                  </a:lnTo>
+                  <a:lnTo>
+                    <a:pt x="1056034" y="22257"/>
+                  </a:lnTo>
+                  <a:lnTo>
+                    <a:pt x="968653" y="38114"/>
+                  </a:lnTo>
+                  <a:lnTo>
+                    <a:pt x="881898" y="57098"/>
+                  </a:lnTo>
+                  <a:lnTo>
+                    <a:pt x="795881" y="79183"/>
+                  </a:lnTo>
+                  <a:lnTo>
+                    <a:pt x="710711" y="104342"/>
+                  </a:lnTo>
+                  <a:lnTo>
+                    <a:pt x="626500" y="132543"/>
+                  </a:lnTo>
+                  <a:lnTo>
+                    <a:pt x="543355" y="163747"/>
+                  </a:lnTo>
+                  <a:lnTo>
+                    <a:pt x="461384" y="197917"/>
+                  </a:lnTo>
+                  <a:lnTo>
+                    <a:pt x="380692" y="235006"/>
+                  </a:lnTo>
+                  <a:lnTo>
+                    <a:pt x="301384" y="274969"/>
+                  </a:lnTo>
+                  <a:lnTo>
+                    <a:pt x="223561" y="317752"/>
+                  </a:lnTo>
+                  <a:lnTo>
+                    <a:pt x="147325" y="363301"/>
+                  </a:lnTo>
+                  <a:lnTo>
+                    <a:pt x="72772" y="411558"/>
+                  </a:lnTo>
+                  <a:lnTo>
+                    <a:pt x="0" y="462460"/>
+                  </a:lnTo>
+                  <a:lnTo>
+                    <a:pt x="50136" y="531466"/>
+                  </a:lnTo>
+                  <a:lnTo>
+                    <a:pt x="100272" y="600473"/>
+                  </a:lnTo>
+                  <a:lnTo>
+                    <a:pt x="150409" y="669480"/>
+                  </a:lnTo>
+                  <a:lnTo>
+                    <a:pt x="200545" y="738487"/>
+                  </a:lnTo>
+                  <a:lnTo>
+                    <a:pt x="250681" y="807493"/>
+                  </a:lnTo>
+                  <a:lnTo>
+                    <a:pt x="300818" y="876500"/>
+                  </a:lnTo>
+                  <a:lnTo>
+                    <a:pt x="350954" y="945507"/>
+                  </a:lnTo>
+                  <a:lnTo>
+                    <a:pt x="401090" y="1014514"/>
+                  </a:lnTo>
+                  <a:lnTo>
+                    <a:pt x="451227" y="1083520"/>
+                  </a:lnTo>
+                  <a:lnTo>
+                    <a:pt x="501363" y="1152527"/>
+                  </a:lnTo>
+                  <a:lnTo>
+                    <a:pt x="551499" y="1221534"/>
+                  </a:lnTo>
+                  <a:lnTo>
+                    <a:pt x="601636" y="1290541"/>
+                  </a:lnTo>
+                  <a:lnTo>
+                    <a:pt x="651772" y="1359547"/>
+                  </a:lnTo>
+                  <a:lnTo>
+                    <a:pt x="701908" y="1428554"/>
+                  </a:lnTo>
+                  <a:lnTo>
+                    <a:pt x="752045" y="1497561"/>
+                  </a:lnTo>
+                  <a:lnTo>
+                    <a:pt x="802181" y="1566568"/>
+                  </a:lnTo>
+                  <a:lnTo>
+                    <a:pt x="852317" y="1635574"/>
+                  </a:lnTo>
+                  <a:lnTo>
+                    <a:pt x="902454" y="1704581"/>
+                  </a:lnTo>
+                  <a:lnTo>
+                    <a:pt x="952590" y="1773588"/>
+                  </a:lnTo>
+                  <a:lnTo>
+                    <a:pt x="1002726" y="1842595"/>
+                  </a:lnTo>
+                  <a:lnTo>
+                    <a:pt x="1052863" y="1911601"/>
+                  </a:lnTo>
+                  <a:lnTo>
+                    <a:pt x="1102999" y="1980608"/>
+                  </a:lnTo>
+                  <a:lnTo>
+                    <a:pt x="1153135" y="2049615"/>
+                  </a:lnTo>
+                  <a:lnTo>
+                    <a:pt x="1203272" y="2118622"/>
+                  </a:lnTo>
+                  <a:lnTo>
+                    <a:pt x="1253408" y="2187628"/>
+                  </a:lnTo>
+                  <a:lnTo>
+                    <a:pt x="1303544" y="2256635"/>
+                  </a:lnTo>
+                  <a:lnTo>
+                    <a:pt x="1353681" y="2325642"/>
+                  </a:lnTo>
+                  <a:lnTo>
+                    <a:pt x="1403817" y="2394649"/>
+                  </a:lnTo>
+                  <a:close/>
+                </a:path>
+              </a:pathLst>
+            </a:custGeom>
+            <a:solidFill>
+              <a:srgbClr val="A3A500">
+                <a:alpha val="100000"/>
+              </a:srgbClr>
+            </a:solidFill>
+            <a:ln w="13550" cap="flat">
+              <a:solidFill>
+                <a:srgbClr val="000000">
+                  <a:alpha val="100000"/>
+                </a:srgbClr>
+              </a:solidFill>
+              <a:prstDash val="solid"/>
+              <a:miter/>
+            </a:ln>
+          </p:spPr>
+          <p:txBody>
+            <a:bodyPr/>
+            <a:lstStyle/>
+            <a:p/>
+          </p:txBody>
+        </p:sp>
+        <p:sp>
+          <p:nvSpPr>
+            <p:cNvPr id="9" name="pg8"/>
+            <p:cNvSpPr/>
+            <p:nvPr/>
+          </p:nvSpPr>
+          <p:spPr>
+            <a:xfrm>
+              <a:off x="5264666" y="1749568"/>
+              <a:ext cx="221733" cy="2473613"/>
+            </a:xfrm>
+            <a:custGeom>
+              <a:avLst/>
+              <a:pathLst>
+                <a:path w="221733" h="2473613">
+                  <a:moveTo>
+                    <a:pt x="221733" y="2473613"/>
+                  </a:moveTo>
+                  <a:lnTo>
+                    <a:pt x="221733" y="2388316"/>
+                  </a:lnTo>
+                  <a:lnTo>
+                    <a:pt x="221733" y="2303019"/>
+                  </a:lnTo>
+                  <a:lnTo>
+                    <a:pt x="221733" y="2217722"/>
+                  </a:lnTo>
+                  <a:lnTo>
+                    <a:pt x="221733" y="2132425"/>
+                  </a:lnTo>
+                  <a:lnTo>
+                    <a:pt x="221733" y="2047128"/>
+                  </a:lnTo>
+                  <a:lnTo>
+                    <a:pt x="221733" y="1961831"/>
+                  </a:lnTo>
+                  <a:lnTo>
+                    <a:pt x="221733" y="1876534"/>
+                  </a:lnTo>
+                  <a:lnTo>
+                    <a:pt x="221733" y="1791237"/>
+                  </a:lnTo>
+                  <a:lnTo>
+                    <a:pt x="221733" y="1705940"/>
+                  </a:lnTo>
+                  <a:lnTo>
+                    <a:pt x="221733" y="1620643"/>
+                  </a:lnTo>
+                  <a:lnTo>
+                    <a:pt x="221733" y="1535346"/>
+                  </a:lnTo>
+                  <a:lnTo>
+                    <a:pt x="221733" y="1450049"/>
+                  </a:lnTo>
+                  <a:lnTo>
+                    <a:pt x="221733" y="1364752"/>
+                  </a:lnTo>
+                  <a:lnTo>
+                    <a:pt x="221733" y="1279455"/>
+                  </a:lnTo>
+                  <a:lnTo>
+                    <a:pt x="221733" y="1194158"/>
+                  </a:lnTo>
+                  <a:lnTo>
+                    <a:pt x="221733" y="1108861"/>
+                  </a:lnTo>
+                  <a:lnTo>
+                    <a:pt x="221733" y="1023564"/>
+                  </a:lnTo>
+                  <a:lnTo>
+                    <a:pt x="221733" y="938267"/>
+                  </a:lnTo>
+                  <a:lnTo>
+                    <a:pt x="221733" y="852970"/>
+                  </a:lnTo>
+                  <a:lnTo>
+                    <a:pt x="221733" y="767673"/>
+                  </a:lnTo>
+                  <a:lnTo>
+                    <a:pt x="221733" y="682376"/>
+                  </a:lnTo>
+                  <a:lnTo>
+                    <a:pt x="221733" y="597079"/>
+                  </a:lnTo>
+                  <a:lnTo>
+                    <a:pt x="221733" y="511782"/>
+                  </a:lnTo>
+                  <a:lnTo>
+                    <a:pt x="221733" y="426485"/>
+                  </a:lnTo>
+                  <a:lnTo>
+                    <a:pt x="221733" y="341188"/>
+                  </a:lnTo>
+                  <a:lnTo>
+                    <a:pt x="221733" y="255891"/>
+                  </a:lnTo>
+                  <a:lnTo>
+                    <a:pt x="221733" y="170594"/>
+                  </a:lnTo>
+                  <a:lnTo>
+                    <a:pt x="221733" y="85297"/>
+                  </a:lnTo>
+                  <a:lnTo>
+                    <a:pt x="221733" y="0"/>
+                  </a:lnTo>
+                  <a:lnTo>
+                    <a:pt x="110754" y="2490"/>
+                  </a:lnTo>
+                  <a:lnTo>
+                    <a:pt x="0" y="9958"/>
+                  </a:lnTo>
+                  <a:lnTo>
+                    <a:pt x="7645" y="94911"/>
+                  </a:lnTo>
+                  <a:lnTo>
+                    <a:pt x="15291" y="179865"/>
+                  </a:lnTo>
+                  <a:lnTo>
+                    <a:pt x="22937" y="264818"/>
+                  </a:lnTo>
+                  <a:lnTo>
+                    <a:pt x="30583" y="349772"/>
+                  </a:lnTo>
+                  <a:lnTo>
+                    <a:pt x="38229" y="434726"/>
+                  </a:lnTo>
+                  <a:lnTo>
+                    <a:pt x="45875" y="519679"/>
+                  </a:lnTo>
+                  <a:lnTo>
+                    <a:pt x="53521" y="604633"/>
+                  </a:lnTo>
+                  <a:lnTo>
+                    <a:pt x="61167" y="689587"/>
+                  </a:lnTo>
+                  <a:lnTo>
+                    <a:pt x="68813" y="774540"/>
+                  </a:lnTo>
+                  <a:lnTo>
+                    <a:pt x="76459" y="859494"/>
+                  </a:lnTo>
+                  <a:lnTo>
+                    <a:pt x="84105" y="944448"/>
+                  </a:lnTo>
+                  <a:lnTo>
+                    <a:pt x="91751" y="1029401"/>
+                  </a:lnTo>
+                  <a:lnTo>
+                    <a:pt x="99397" y="1114355"/>
+                  </a:lnTo>
+                  <a:lnTo>
+                    <a:pt x="107043" y="1199309"/>
+                  </a:lnTo>
+                  <a:lnTo>
+                    <a:pt x="114689" y="1284262"/>
+                  </a:lnTo>
+                  <a:lnTo>
+                    <a:pt x="122335" y="1369216"/>
+                  </a:lnTo>
+                  <a:lnTo>
+                    <a:pt x="129981" y="1454170"/>
+                  </a:lnTo>
+                  <a:lnTo>
+                    <a:pt x="137627" y="1539123"/>
+                  </a:lnTo>
+                  <a:lnTo>
+                    <a:pt x="145273" y="1624077"/>
+                  </a:lnTo>
+                  <a:lnTo>
+                    <a:pt x="152919" y="1709031"/>
+                  </a:lnTo>
+                  <a:lnTo>
+                    <a:pt x="160565" y="1793984"/>
+                  </a:lnTo>
+                  <a:lnTo>
+                    <a:pt x="168211" y="1878938"/>
+                  </a:lnTo>
+                  <a:lnTo>
+                    <a:pt x="175857" y="1963892"/>
+                  </a:lnTo>
+                  <a:lnTo>
+                    <a:pt x="183503" y="2048845"/>
+                  </a:lnTo>
+                  <a:lnTo>
+                    <a:pt x="191149" y="2133799"/>
+                  </a:lnTo>
+                  <a:lnTo>
+                    <a:pt x="198795" y="2218752"/>
+                  </a:lnTo>
+                  <a:lnTo>
+                    <a:pt x="206441" y="2303706"/>
+                  </a:lnTo>
+                  <a:lnTo>
+                    <a:pt x="214087" y="2388660"/>
                   </a:lnTo>
                   <a:close/>
                 </a:path>
@@ -3697,13 +3911,53 @@
         </p:sp>
         <p:sp>
           <p:nvSpPr>
-            <p:cNvPr id="9" name="tx8"/>
+            <p:cNvPr id="10" name="pl9"/>
             <p:cNvSpPr/>
             <p:nvPr/>
           </p:nvSpPr>
           <p:spPr>
             <a:xfrm>
-              <a:off x="4935264" y="5399601"/>
+              <a:off x="4929266" y="2935985"/>
+              <a:ext cx="112871" cy="119046"/>
+            </a:xfrm>
+            <a:custGeom>
+              <a:avLst/>
+              <a:pathLst>
+                <a:path w="112871" h="119046">
+                  <a:moveTo>
+                    <a:pt x="0" y="0"/>
+                  </a:moveTo>
+                  <a:lnTo>
+                    <a:pt x="112871" y="119046"/>
+                  </a:lnTo>
+                </a:path>
+              </a:pathLst>
+            </a:custGeom>
+            <a:ln w="13550" cap="rnd">
+              <a:solidFill>
+                <a:srgbClr val="000000">
+                  <a:alpha val="100000"/>
+                </a:srgbClr>
+              </a:solidFill>
+              <a:prstDash val="solid"/>
+              <a:round/>
+            </a:ln>
+          </p:spPr>
+          <p:txBody>
+            <a:bodyPr/>
+            <a:lstStyle/>
+            <a:p/>
+          </p:txBody>
+        </p:sp>
+        <p:sp>
+          <p:nvSpPr>
+            <p:cNvPr id="11" name="tx10"/>
+            <p:cNvSpPr/>
+            <p:nvPr/>
+          </p:nvSpPr>
+          <p:spPr>
+            <a:xfrm>
+              <a:off x="5159061" y="5264107"/>
               <a:ext cx="1566579" cy="157737"/>
             </a:xfrm>
             <a:prstGeom prst="rect">
@@ -3743,13 +3997,13 @@
         </p:sp>
         <p:sp>
           <p:nvSpPr>
-            <p:cNvPr id="10" name="tx9"/>
+            <p:cNvPr id="12" name="tx11"/>
             <p:cNvSpPr/>
             <p:nvPr/>
           </p:nvSpPr>
           <p:spPr>
             <a:xfrm>
-              <a:off x="5230360" y="5705985"/>
+              <a:off x="5454157" y="5570491"/>
               <a:ext cx="976386" cy="163560"/>
             </a:xfrm>
             <a:prstGeom prst="rect">
@@ -3782,20 +4036,20 @@
                   <a:latin typeface="Arial"/>
                   <a:cs typeface="Arial"/>
                 </a:rPr>
-                <a:t> 86.047 %</a:t>
+                <a:t> 79.286 %</a:t>
               </a:r>
             </a:p>
           </p:txBody>
         </p:sp>
         <p:sp>
           <p:nvSpPr>
-            <p:cNvPr id="11" name="tx10"/>
+            <p:cNvPr id="13" name="tx12"/>
             <p:cNvSpPr/>
             <p:nvPr/>
           </p:nvSpPr>
           <p:spPr>
             <a:xfrm>
-              <a:off x="3306227" y="3399589"/>
+              <a:off x="2990744" y="3924137"/>
               <a:ext cx="2036510" cy="157737"/>
             </a:xfrm>
             <a:prstGeom prst="rect">
@@ -3835,13 +4089,13 @@
         </p:sp>
         <p:sp>
           <p:nvSpPr>
-            <p:cNvPr id="12" name="tx11"/>
+            <p:cNvPr id="14" name="tx13"/>
             <p:cNvSpPr/>
             <p:nvPr/>
           </p:nvSpPr>
           <p:spPr>
             <a:xfrm>
-              <a:off x="3896579" y="3705973"/>
+              <a:off x="3581096" y="4230520"/>
               <a:ext cx="855806" cy="163560"/>
             </a:xfrm>
             <a:prstGeom prst="rect">
@@ -3874,20 +4128,112 @@
                   <a:latin typeface="Arial"/>
                   <a:cs typeface="Arial"/>
                 </a:rPr>
-                <a:t> 3.101 %</a:t>
+                <a:t> 0.714 %</a:t>
               </a:r>
             </a:p>
           </p:txBody>
         </p:sp>
         <p:sp>
           <p:nvSpPr>
-            <p:cNvPr id="13" name="tx12"/>
+            <p:cNvPr id="15" name="tx14"/>
             <p:cNvSpPr/>
             <p:nvPr/>
           </p:nvSpPr>
           <p:spPr>
             <a:xfrm>
-              <a:off x="3578975" y="2506759"/>
+              <a:off x="4141746" y="2961982"/>
+              <a:ext cx="1205158" cy="198283"/>
+            </a:xfrm>
+            <a:prstGeom prst="rect">
+              <a:avLst/>
+            </a:prstGeom>
+            <a:noFill/>
+          </p:spPr>
+          <p:txBody>
+            <a:bodyPr lIns="0" rIns="0" tIns="0" bIns="0" anchorCtr="1" anchor="ctr" wrap="none"/>
+            <a:lstStyle/>
+            <a:p>
+              <a:pPr algn="l" marL="0" marR="0" indent="0">
+                <a:lnSpc>
+                  <a:spcPts val="1707"/>
+                </a:lnSpc>
+                <a:spcBef>
+                  <a:spcPts val="0"/>
+                </a:spcBef>
+                <a:spcAft>
+                  <a:spcPts val="0"/>
+                </a:spcAft>
+              </a:pPr>
+              <a:r>
+                <a:rPr sz="1707">
+                  <a:solidFill>
+                    <a:srgbClr val="000000">
+                      <a:alpha val="100000"/>
+                    </a:srgbClr>
+                  </a:solidFill>
+                  <a:latin typeface="Arial"/>
+                  <a:cs typeface="Arial"/>
+                </a:rPr>
+                <a:t>Heterotroph </a:t>
+              </a:r>
+            </a:p>
+          </p:txBody>
+        </p:sp>
+        <p:sp>
+          <p:nvSpPr>
+            <p:cNvPr id="16" name="tx15"/>
+            <p:cNvSpPr/>
+            <p:nvPr/>
+          </p:nvSpPr>
+          <p:spPr>
+            <a:xfrm>
+              <a:off x="4467120" y="3308912"/>
+              <a:ext cx="554411" cy="163560"/>
+            </a:xfrm>
+            <a:prstGeom prst="rect">
+              <a:avLst/>
+            </a:prstGeom>
+            <a:noFill/>
+          </p:spPr>
+          <p:txBody>
+            <a:bodyPr lIns="0" rIns="0" tIns="0" bIns="0" anchorCtr="1" anchor="ctr" wrap="none"/>
+            <a:lstStyle/>
+            <a:p>
+              <a:pPr algn="l" marL="0" marR="0" indent="0">
+                <a:lnSpc>
+                  <a:spcPts val="1707"/>
+                </a:lnSpc>
+                <a:spcBef>
+                  <a:spcPts val="0"/>
+                </a:spcBef>
+                <a:spcAft>
+                  <a:spcPts val="0"/>
+                </a:spcAft>
+              </a:pPr>
+              <a:r>
+                <a:rPr sz="1707">
+                  <a:solidFill>
+                    <a:srgbClr val="000000">
+                      <a:alpha val="100000"/>
+                    </a:srgbClr>
+                  </a:solidFill>
+                  <a:latin typeface="Arial"/>
+                  <a:cs typeface="Arial"/>
+                </a:rPr>
+                <a:t> 10 %</a:t>
+              </a:r>
+            </a:p>
+          </p:txBody>
+        </p:sp>
+        <p:sp>
+          <p:nvSpPr>
+            <p:cNvPr id="17" name="tx16"/>
+            <p:cNvSpPr/>
+            <p:nvPr/>
+          </p:nvSpPr>
+          <p:spPr>
+            <a:xfrm>
+              <a:off x="3931237" y="2400094"/>
               <a:ext cx="1470136" cy="200824"/>
             </a:xfrm>
             <a:prstGeom prst="rect">
@@ -3927,13 +4273,13 @@
         </p:sp>
         <p:sp>
           <p:nvSpPr>
-            <p:cNvPr id="14" name="tx13"/>
+            <p:cNvPr id="18" name="tx17"/>
             <p:cNvSpPr/>
             <p:nvPr/>
           </p:nvSpPr>
           <p:spPr>
             <a:xfrm>
-              <a:off x="3886140" y="2856229"/>
+              <a:off x="4238402" y="2749565"/>
               <a:ext cx="855806" cy="163560"/>
             </a:xfrm>
             <a:prstGeom prst="rect">
@@ -3966,20 +4312,20 @@
                   <a:latin typeface="Arial"/>
                   <a:cs typeface="Arial"/>
                 </a:rPr>
-                <a:t> 9.302 %</a:t>
+                <a:t> 8.571 %</a:t>
               </a:r>
             </a:p>
           </p:txBody>
         </p:sp>
         <p:sp>
           <p:nvSpPr>
-            <p:cNvPr id="15" name="tx14"/>
+            <p:cNvPr id="19" name="tx18"/>
             <p:cNvSpPr/>
             <p:nvPr/>
           </p:nvSpPr>
           <p:spPr>
             <a:xfrm>
-              <a:off x="5141094" y="2417784"/>
+              <a:off x="5492245" y="2577167"/>
               <a:ext cx="1156990" cy="198283"/>
             </a:xfrm>
             <a:prstGeom prst="rect">
@@ -4019,14 +4365,14 @@
         </p:sp>
         <p:sp>
           <p:nvSpPr>
-            <p:cNvPr id="16" name="tx15"/>
+            <p:cNvPr id="20" name="tx19"/>
             <p:cNvSpPr/>
             <p:nvPr/>
           </p:nvSpPr>
           <p:spPr>
             <a:xfrm>
-              <a:off x="5351976" y="2764714"/>
-              <a:ext cx="735227" cy="163560"/>
+              <a:off x="5642837" y="2924097"/>
+              <a:ext cx="855806" cy="163560"/>
             </a:xfrm>
             <a:prstGeom prst="rect">
               <a:avLst/>
@@ -4058,14 +4404,14 @@
                   <a:latin typeface="Arial"/>
                   <a:cs typeface="Arial"/>
                 </a:rPr>
-                <a:t> 1.55 %</a:t>
+                <a:t> 1.429 %</a:t>
               </a:r>
             </a:p>
           </p:txBody>
         </p:sp>
         <p:sp>
           <p:nvSpPr>
-            <p:cNvPr id="17" name="tx16"/>
+            <p:cNvPr id="21" name="tx20"/>
             <p:cNvSpPr/>
             <p:nvPr/>
           </p:nvSpPr>

--- a/Images/Figures_PPT/PieWithOutRAPTOR.pptx
+++ b/Images/Figures_PPT/PieWithOutRAPTOR.pptx
@@ -2298,634 +2298,640 @@
           </p:nvSpPr>
           <p:spPr>
             <a:xfrm>
-              <a:off x="3012790" y="1749568"/>
-              <a:ext cx="4947048" cy="4947102"/>
+              <a:off x="3012792" y="1749568"/>
+              <a:ext cx="4947083" cy="4947024"/>
             </a:xfrm>
             <a:custGeom>
               <a:avLst/>
               <a:pathLst>
-                <a:path w="4947048" h="4947102">
+                <a:path w="4947083" h="4947024">
                   <a:moveTo>
-                    <a:pt x="2473609" y="2473613"/>
+                    <a:pt x="2473607" y="2473613"/>
                   </a:moveTo>
                   <a:lnTo>
-                    <a:pt x="2391386" y="2450921"/>
-                  </a:lnTo>
-                  <a:lnTo>
-                    <a:pt x="2309163" y="2428229"/>
-                  </a:lnTo>
-                  <a:lnTo>
-                    <a:pt x="2226940" y="2405537"/>
-                  </a:lnTo>
-                  <a:lnTo>
-                    <a:pt x="2144717" y="2382845"/>
-                  </a:lnTo>
-                  <a:lnTo>
-                    <a:pt x="2062493" y="2360153"/>
-                  </a:lnTo>
-                  <a:lnTo>
-                    <a:pt x="1980270" y="2337461"/>
-                  </a:lnTo>
-                  <a:lnTo>
-                    <a:pt x="1898047" y="2314768"/>
-                  </a:lnTo>
-                  <a:lnTo>
-                    <a:pt x="1815824" y="2292076"/>
-                  </a:lnTo>
-                  <a:lnTo>
-                    <a:pt x="1733601" y="2269384"/>
-                  </a:lnTo>
-                  <a:lnTo>
-                    <a:pt x="1651378" y="2246692"/>
-                  </a:lnTo>
-                  <a:lnTo>
-                    <a:pt x="1569154" y="2224000"/>
-                  </a:lnTo>
-                  <a:lnTo>
-                    <a:pt x="1486931" y="2201308"/>
-                  </a:lnTo>
-                  <a:lnTo>
-                    <a:pt x="1404708" y="2178615"/>
-                  </a:lnTo>
-                  <a:lnTo>
-                    <a:pt x="1322485" y="2155923"/>
-                  </a:lnTo>
-                  <a:lnTo>
-                    <a:pt x="1240262" y="2133231"/>
-                  </a:lnTo>
-                  <a:lnTo>
-                    <a:pt x="1158039" y="2110539"/>
-                  </a:lnTo>
-                  <a:lnTo>
-                    <a:pt x="1075815" y="2087847"/>
-                  </a:lnTo>
-                  <a:lnTo>
-                    <a:pt x="993592" y="2065155"/>
-                  </a:lnTo>
-                  <a:lnTo>
-                    <a:pt x="911369" y="2042463"/>
-                  </a:lnTo>
-                  <a:lnTo>
-                    <a:pt x="829146" y="2019770"/>
-                  </a:lnTo>
-                  <a:lnTo>
-                    <a:pt x="746923" y="1997078"/>
-                  </a:lnTo>
-                  <a:lnTo>
-                    <a:pt x="664700" y="1974386"/>
-                  </a:lnTo>
-                  <a:lnTo>
-                    <a:pt x="582476" y="1951694"/>
-                  </a:lnTo>
-                  <a:lnTo>
-                    <a:pt x="500253" y="1929002"/>
-                  </a:lnTo>
-                  <a:lnTo>
-                    <a:pt x="418030" y="1906310"/>
-                  </a:lnTo>
-                  <a:lnTo>
-                    <a:pt x="335807" y="1883617"/>
-                  </a:lnTo>
-                  <a:lnTo>
-                    <a:pt x="253584" y="1860925"/>
-                  </a:lnTo>
-                  <a:lnTo>
-                    <a:pt x="171360" y="1838233"/>
-                  </a:lnTo>
-                  <a:lnTo>
-                    <a:pt x="89137" y="1815541"/>
-                  </a:lnTo>
-                  <a:lnTo>
-                    <a:pt x="68209" y="1896710"/>
-                  </a:lnTo>
-                  <a:lnTo>
-                    <a:pt x="50044" y="1978542"/>
-                  </a:lnTo>
-                  <a:lnTo>
-                    <a:pt x="34661" y="2060943"/>
-                  </a:lnTo>
-                  <a:lnTo>
-                    <a:pt x="22079" y="2143817"/>
-                  </a:lnTo>
-                  <a:lnTo>
-                    <a:pt x="12312" y="2227071"/>
-                  </a:lnTo>
-                  <a:lnTo>
-                    <a:pt x="5372" y="2310607"/>
-                  </a:lnTo>
-                  <a:lnTo>
-                    <a:pt x="1266" y="2394330"/>
-                  </a:lnTo>
-                  <a:lnTo>
-                    <a:pt x="0" y="2478145"/>
-                  </a:lnTo>
-                  <a:lnTo>
-                    <a:pt x="1573" y="2561954"/>
-                  </a:lnTo>
-                  <a:lnTo>
-                    <a:pt x="5986" y="2645662"/>
-                  </a:lnTo>
-                  <a:lnTo>
-                    <a:pt x="13232" y="2729172"/>
-                  </a:lnTo>
-                  <a:lnTo>
-                    <a:pt x="23304" y="2812389"/>
-                  </a:lnTo>
-                  <a:lnTo>
-                    <a:pt x="36189" y="2895217"/>
-                  </a:lnTo>
-                  <a:lnTo>
-                    <a:pt x="51874" y="2977560"/>
-                  </a:lnTo>
-                  <a:lnTo>
-                    <a:pt x="70339" y="3059325"/>
-                  </a:lnTo>
-                  <a:lnTo>
-                    <a:pt x="91564" y="3140417"/>
-                  </a:lnTo>
-                  <a:lnTo>
-                    <a:pt x="115525" y="3220744"/>
-                  </a:lnTo>
-                  <a:lnTo>
-                    <a:pt x="142193" y="3300213"/>
-                  </a:lnTo>
-                  <a:lnTo>
-                    <a:pt x="171539" y="3378732"/>
-                  </a:lnTo>
-                  <a:lnTo>
-                    <a:pt x="203529" y="3456212"/>
-                  </a:lnTo>
-                  <a:lnTo>
-                    <a:pt x="238125" y="3532564"/>
-                  </a:lnTo>
-                  <a:lnTo>
-                    <a:pt x="275288" y="3607699"/>
-                  </a:lnTo>
-                  <a:lnTo>
-                    <a:pt x="314976" y="3681532"/>
-                  </a:lnTo>
-                  <a:lnTo>
-                    <a:pt x="357143" y="3753979"/>
-                  </a:lnTo>
-                  <a:lnTo>
-                    <a:pt x="401740" y="3824954"/>
-                  </a:lnTo>
-                  <a:lnTo>
-                    <a:pt x="448716" y="3894378"/>
-                  </a:lnTo>
-                  <a:lnTo>
-                    <a:pt x="498018" y="3962171"/>
-                  </a:lnTo>
-                  <a:lnTo>
-                    <a:pt x="549588" y="4028254"/>
-                  </a:lnTo>
-                  <a:lnTo>
-                    <a:pt x="603368" y="4092552"/>
-                  </a:lnTo>
-                  <a:lnTo>
-                    <a:pt x="659295" y="4154991"/>
-                  </a:lnTo>
-                  <a:lnTo>
-                    <a:pt x="717306" y="4215499"/>
-                  </a:lnTo>
-                  <a:lnTo>
-                    <a:pt x="777334" y="4274006"/>
-                  </a:lnTo>
-                  <a:lnTo>
-                    <a:pt x="839309" y="4330446"/>
-                  </a:lnTo>
-                  <a:lnTo>
-                    <a:pt x="903161" y="4384754"/>
-                  </a:lnTo>
-                  <a:lnTo>
-                    <a:pt x="968817" y="4436868"/>
-                  </a:lnTo>
-                  <a:lnTo>
-                    <a:pt x="1036201" y="4486726"/>
-                  </a:lnTo>
-                  <a:lnTo>
-                    <a:pt x="1105235" y="4534273"/>
-                  </a:lnTo>
-                  <a:lnTo>
-                    <a:pt x="1175841" y="4579454"/>
-                  </a:lnTo>
-                  <a:lnTo>
-                    <a:pt x="1247937" y="4622216"/>
-                  </a:lnTo>
-                  <a:lnTo>
-                    <a:pt x="1321441" y="4662511"/>
-                  </a:lnTo>
-                  <a:lnTo>
-                    <a:pt x="1396268" y="4700293"/>
-                  </a:lnTo>
-                  <a:lnTo>
-                    <a:pt x="1472332" y="4735517"/>
-                  </a:lnTo>
-                  <a:lnTo>
-                    <a:pt x="1549545" y="4768144"/>
-                  </a:lnTo>
-                  <a:lnTo>
-                    <a:pt x="1627820" y="4798136"/>
-                  </a:lnTo>
-                  <a:lnTo>
-                    <a:pt x="1707066" y="4825459"/>
-                  </a:lnTo>
-                  <a:lnTo>
-                    <a:pt x="1787192" y="4850081"/>
-                  </a:lnTo>
-                  <a:lnTo>
-                    <a:pt x="1868107" y="4871974"/>
-                  </a:lnTo>
-                  <a:lnTo>
-                    <a:pt x="1949717" y="4891113"/>
-                  </a:lnTo>
-                  <a:lnTo>
-                    <a:pt x="2031928" y="4907475"/>
-                  </a:lnTo>
-                  <a:lnTo>
-                    <a:pt x="2114647" y="4921043"/>
-                  </a:lnTo>
-                  <a:lnTo>
-                    <a:pt x="2197778" y="4931800"/>
-                  </a:lnTo>
-                  <a:lnTo>
-                    <a:pt x="2281226" y="4939735"/>
-                  </a:lnTo>
-                  <a:lnTo>
-                    <a:pt x="2364894" y="4944837"/>
-                  </a:lnTo>
-                  <a:lnTo>
-                    <a:pt x="2448688" y="4947102"/>
-                  </a:lnTo>
-                  <a:lnTo>
-                    <a:pt x="2532510" y="4946526"/>
-                  </a:lnTo>
-                  <a:lnTo>
-                    <a:pt x="2616264" y="4943110"/>
-                  </a:lnTo>
-                  <a:lnTo>
-                    <a:pt x="2699855" y="4936859"/>
-                  </a:lnTo>
-                  <a:lnTo>
-                    <a:pt x="2783186" y="4927779"/>
-                  </a:lnTo>
-                  <a:lnTo>
-                    <a:pt x="2866161" y="4915881"/>
-                  </a:lnTo>
-                  <a:lnTo>
-                    <a:pt x="2948686" y="4901178"/>
-                  </a:lnTo>
-                  <a:lnTo>
-                    <a:pt x="3030665" y="4883687"/>
-                  </a:lnTo>
-                  <a:lnTo>
-                    <a:pt x="3112004" y="4863429"/>
-                  </a:lnTo>
-                  <a:lnTo>
-                    <a:pt x="3192610" y="4840426"/>
-                  </a:lnTo>
-                  <a:lnTo>
-                    <a:pt x="3272390" y="4814706"/>
-                  </a:lnTo>
-                  <a:lnTo>
-                    <a:pt x="3351254" y="4786297"/>
-                  </a:lnTo>
-                  <a:lnTo>
-                    <a:pt x="3429109" y="4755233"/>
-                  </a:lnTo>
-                  <a:lnTo>
-                    <a:pt x="3505867" y="4721548"/>
-                  </a:lnTo>
-                  <a:lnTo>
-                    <a:pt x="3581440" y="4685282"/>
-                  </a:lnTo>
-                  <a:lnTo>
-                    <a:pt x="3655741" y="4646476"/>
-                  </a:lnTo>
-                  <a:lnTo>
-                    <a:pt x="3728684" y="4605175"/>
-                  </a:lnTo>
-                  <a:lnTo>
-                    <a:pt x="3800185" y="4561426"/>
-                  </a:lnTo>
-                  <a:lnTo>
-                    <a:pt x="3870164" y="4515280"/>
-                  </a:lnTo>
-                  <a:lnTo>
-                    <a:pt x="3938539" y="4466789"/>
-                  </a:lnTo>
-                  <a:lnTo>
-                    <a:pt x="4005231" y="4416009"/>
-                  </a:lnTo>
-                  <a:lnTo>
-                    <a:pt x="4070165" y="4362999"/>
-                  </a:lnTo>
-                  <a:lnTo>
-                    <a:pt x="4133265" y="4307819"/>
-                  </a:lnTo>
-                  <a:lnTo>
-                    <a:pt x="4194459" y="4250532"/>
-                  </a:lnTo>
-                  <a:lnTo>
-                    <a:pt x="4253678" y="4191206"/>
-                  </a:lnTo>
-                  <a:lnTo>
-                    <a:pt x="4310852" y="4129906"/>
-                  </a:lnTo>
-                  <a:lnTo>
-                    <a:pt x="4365916" y="4066705"/>
-                  </a:lnTo>
-                  <a:lnTo>
-                    <a:pt x="4418807" y="4001675"/>
-                  </a:lnTo>
-                  <a:lnTo>
-                    <a:pt x="4469465" y="3934889"/>
-                  </a:lnTo>
-                  <a:lnTo>
-                    <a:pt x="4517830" y="3866426"/>
-                  </a:lnTo>
-                  <a:lnTo>
-                    <a:pt x="4563848" y="3796363"/>
-                  </a:lnTo>
-                  <a:lnTo>
-                    <a:pt x="4607466" y="3724781"/>
-                  </a:lnTo>
-                  <a:lnTo>
-                    <a:pt x="4648634" y="3651762"/>
-                  </a:lnTo>
-                  <a:lnTo>
-                    <a:pt x="4687303" y="3577391"/>
-                  </a:lnTo>
-                  <a:lnTo>
-                    <a:pt x="4723431" y="3501752"/>
-                  </a:lnTo>
-                  <a:lnTo>
-                    <a:pt x="4756975" y="3424932"/>
-                  </a:lnTo>
-                  <a:lnTo>
-                    <a:pt x="4787897" y="3347020"/>
-                  </a:lnTo>
-                  <a:lnTo>
-                    <a:pt x="4816161" y="3268105"/>
-                  </a:lnTo>
-                  <a:lnTo>
-                    <a:pt x="4841735" y="3188277"/>
-                  </a:lnTo>
-                  <a:lnTo>
-                    <a:pt x="4864590" y="3107629"/>
-                  </a:lnTo>
-                  <a:lnTo>
-                    <a:pt x="4884699" y="3026253"/>
-                  </a:lnTo>
-                  <a:lnTo>
-                    <a:pt x="4902040" y="2944242"/>
-                  </a:lnTo>
-                  <a:lnTo>
-                    <a:pt x="4916591" y="2861691"/>
-                  </a:lnTo>
-                  <a:lnTo>
-                    <a:pt x="4928338" y="2778694"/>
-                  </a:lnTo>
-                  <a:lnTo>
-                    <a:pt x="4937265" y="2695346"/>
-                  </a:lnTo>
-                  <a:lnTo>
-                    <a:pt x="4943363" y="2611745"/>
-                  </a:lnTo>
-                  <a:lnTo>
-                    <a:pt x="4946626" y="2527984"/>
-                  </a:lnTo>
-                  <a:lnTo>
-                    <a:pt x="4947048" y="2444161"/>
-                  </a:lnTo>
-                  <a:lnTo>
-                    <a:pt x="4944630" y="2360372"/>
-                  </a:lnTo>
-                  <a:lnTo>
-                    <a:pt x="4939374" y="2276713"/>
-                  </a:lnTo>
-                  <a:lnTo>
-                    <a:pt x="4931287" y="2193280"/>
-                  </a:lnTo>
-                  <a:lnTo>
-                    <a:pt x="4920377" y="2110169"/>
-                  </a:lnTo>
-                  <a:lnTo>
-                    <a:pt x="4906658" y="2027475"/>
-                  </a:lnTo>
-                  <a:lnTo>
-                    <a:pt x="4890145" y="1945294"/>
-                  </a:lnTo>
-                  <a:lnTo>
-                    <a:pt x="4870857" y="1863719"/>
-                  </a:lnTo>
-                  <a:lnTo>
-                    <a:pt x="4848815" y="1782844"/>
-                  </a:lnTo>
-                  <a:lnTo>
-                    <a:pt x="4824047" y="1702763"/>
-                  </a:lnTo>
-                  <a:lnTo>
-                    <a:pt x="4796579" y="1623567"/>
-                  </a:lnTo>
-                  <a:lnTo>
-                    <a:pt x="4766443" y="1545348"/>
-                  </a:lnTo>
-                  <a:lnTo>
-                    <a:pt x="4733675" y="1468194"/>
-                  </a:lnTo>
-                  <a:lnTo>
-                    <a:pt x="4698311" y="1392195"/>
-                  </a:lnTo>
-                  <a:lnTo>
-                    <a:pt x="4660393" y="1317437"/>
-                  </a:lnTo>
-                  <a:lnTo>
-                    <a:pt x="4619963" y="1244008"/>
-                  </a:lnTo>
-                  <a:lnTo>
-                    <a:pt x="4577069" y="1171990"/>
-                  </a:lnTo>
-                  <a:lnTo>
-                    <a:pt x="4531759" y="1101467"/>
-                  </a:lnTo>
-                  <a:lnTo>
-                    <a:pt x="4484086" y="1032520"/>
-                  </a:lnTo>
-                  <a:lnTo>
-                    <a:pt x="4434104" y="965228"/>
-                  </a:lnTo>
-                  <a:lnTo>
-                    <a:pt x="4381870" y="899667"/>
-                  </a:lnTo>
-                  <a:lnTo>
-                    <a:pt x="4327445" y="835915"/>
-                  </a:lnTo>
-                  <a:lnTo>
-                    <a:pt x="4270892" y="774042"/>
-                  </a:lnTo>
-                  <a:lnTo>
-                    <a:pt x="4212274" y="714122"/>
-                  </a:lnTo>
-                  <a:lnTo>
-                    <a:pt x="4151660" y="656222"/>
-                  </a:lnTo>
-                  <a:lnTo>
-                    <a:pt x="4089119" y="600409"/>
-                  </a:lnTo>
-                  <a:lnTo>
-                    <a:pt x="4024723" y="546747"/>
-                  </a:lnTo>
-                  <a:lnTo>
-                    <a:pt x="3958545" y="495298"/>
-                  </a:lnTo>
-                  <a:lnTo>
-                    <a:pt x="3890663" y="446121"/>
-                  </a:lnTo>
-                  <a:lnTo>
-                    <a:pt x="3821153" y="399272"/>
-                  </a:lnTo>
-                  <a:lnTo>
-                    <a:pt x="3750095" y="354805"/>
-                  </a:lnTo>
-                  <a:lnTo>
-                    <a:pt x="3677572" y="312771"/>
-                  </a:lnTo>
-                  <a:lnTo>
-                    <a:pt x="3603666" y="273219"/>
-                  </a:lnTo>
-                  <a:lnTo>
-                    <a:pt x="3528463" y="236193"/>
-                  </a:lnTo>
-                  <a:lnTo>
-                    <a:pt x="3452048" y="201737"/>
-                  </a:lnTo>
-                  <a:lnTo>
-                    <a:pt x="3374509" y="169889"/>
-                  </a:lnTo>
-                  <a:lnTo>
-                    <a:pt x="3295936" y="140687"/>
-                  </a:lnTo>
-                  <a:lnTo>
-                    <a:pt x="3216419" y="114164"/>
-                  </a:lnTo>
-                  <a:lnTo>
-                    <a:pt x="3136049" y="90351"/>
-                  </a:lnTo>
-                  <a:lnTo>
-                    <a:pt x="3054918" y="69274"/>
-                  </a:lnTo>
-                  <a:lnTo>
-                    <a:pt x="2973119" y="50959"/>
-                  </a:lnTo>
-                  <a:lnTo>
-                    <a:pt x="2890747" y="35425"/>
-                  </a:lnTo>
-                  <a:lnTo>
-                    <a:pt x="2807896" y="22691"/>
-                  </a:lnTo>
-                  <a:lnTo>
-                    <a:pt x="2724660" y="12772"/>
-                  </a:lnTo>
-                  <a:lnTo>
-                    <a:pt x="2641137" y="5679"/>
-                  </a:lnTo>
-                  <a:lnTo>
-                    <a:pt x="2557421" y="1420"/>
-                  </a:lnTo>
-                  <a:lnTo>
-                    <a:pt x="2473609" y="0"/>
-                  </a:lnTo>
-                  <a:lnTo>
-                    <a:pt x="2473609" y="85297"/>
-                  </a:lnTo>
-                  <a:lnTo>
-                    <a:pt x="2473609" y="170594"/>
-                  </a:lnTo>
-                  <a:lnTo>
-                    <a:pt x="2473609" y="255891"/>
-                  </a:lnTo>
-                  <a:lnTo>
-                    <a:pt x="2473609" y="341188"/>
-                  </a:lnTo>
-                  <a:lnTo>
-                    <a:pt x="2473609" y="426485"/>
-                  </a:lnTo>
-                  <a:lnTo>
-                    <a:pt x="2473609" y="511782"/>
-                  </a:lnTo>
-                  <a:lnTo>
-                    <a:pt x="2473609" y="597079"/>
-                  </a:lnTo>
-                  <a:lnTo>
-                    <a:pt x="2473609" y="682376"/>
-                  </a:lnTo>
-                  <a:lnTo>
-                    <a:pt x="2473609" y="767673"/>
-                  </a:lnTo>
-                  <a:lnTo>
-                    <a:pt x="2473609" y="852970"/>
-                  </a:lnTo>
-                  <a:lnTo>
-                    <a:pt x="2473609" y="938267"/>
-                  </a:lnTo>
-                  <a:lnTo>
-                    <a:pt x="2473609" y="1023564"/>
-                  </a:lnTo>
-                  <a:lnTo>
-                    <a:pt x="2473609" y="1108861"/>
-                  </a:lnTo>
-                  <a:lnTo>
-                    <a:pt x="2473609" y="1194158"/>
-                  </a:lnTo>
-                  <a:lnTo>
-                    <a:pt x="2473609" y="1279455"/>
-                  </a:lnTo>
-                  <a:lnTo>
-                    <a:pt x="2473609" y="1364752"/>
-                  </a:lnTo>
-                  <a:lnTo>
-                    <a:pt x="2473609" y="1450049"/>
-                  </a:lnTo>
-                  <a:lnTo>
-                    <a:pt x="2473609" y="1535346"/>
-                  </a:lnTo>
-                  <a:lnTo>
-                    <a:pt x="2473609" y="1620643"/>
-                  </a:lnTo>
-                  <a:lnTo>
-                    <a:pt x="2473609" y="1705940"/>
-                  </a:lnTo>
-                  <a:lnTo>
-                    <a:pt x="2473609" y="1791237"/>
-                  </a:lnTo>
-                  <a:lnTo>
-                    <a:pt x="2473609" y="1876534"/>
-                  </a:lnTo>
-                  <a:lnTo>
-                    <a:pt x="2473609" y="1961831"/>
-                  </a:lnTo>
-                  <a:lnTo>
-                    <a:pt x="2473609" y="2047128"/>
-                  </a:lnTo>
-                  <a:lnTo>
-                    <a:pt x="2473609" y="2132425"/>
-                  </a:lnTo>
-                  <a:lnTo>
-                    <a:pt x="2473609" y="2217722"/>
-                  </a:lnTo>
-                  <a:lnTo>
-                    <a:pt x="2473609" y="2303019"/>
-                  </a:lnTo>
-                  <a:lnTo>
-                    <a:pt x="2473609" y="2388316"/>
+                    <a:pt x="2393235" y="2445049"/>
+                  </a:lnTo>
+                  <a:lnTo>
+                    <a:pt x="2312863" y="2416485"/>
+                  </a:lnTo>
+                  <a:lnTo>
+                    <a:pt x="2232491" y="2387921"/>
+                  </a:lnTo>
+                  <a:lnTo>
+                    <a:pt x="2152119" y="2359356"/>
+                  </a:lnTo>
+                  <a:lnTo>
+                    <a:pt x="2071747" y="2330792"/>
+                  </a:lnTo>
+                  <a:lnTo>
+                    <a:pt x="1991375" y="2302228"/>
+                  </a:lnTo>
+                  <a:lnTo>
+                    <a:pt x="1911003" y="2273664"/>
+                  </a:lnTo>
+                  <a:lnTo>
+                    <a:pt x="1830630" y="2245100"/>
+                  </a:lnTo>
+                  <a:lnTo>
+                    <a:pt x="1750258" y="2216535"/>
+                  </a:lnTo>
+                  <a:lnTo>
+                    <a:pt x="1669886" y="2187971"/>
+                  </a:lnTo>
+                  <a:lnTo>
+                    <a:pt x="1589514" y="2159407"/>
+                  </a:lnTo>
+                  <a:lnTo>
+                    <a:pt x="1509142" y="2130843"/>
+                  </a:lnTo>
+                  <a:lnTo>
+                    <a:pt x="1428770" y="2102278"/>
+                  </a:lnTo>
+                  <a:lnTo>
+                    <a:pt x="1348398" y="2073714"/>
+                  </a:lnTo>
+                  <a:lnTo>
+                    <a:pt x="1268026" y="2045150"/>
+                  </a:lnTo>
+                  <a:lnTo>
+                    <a:pt x="1187654" y="2016586"/>
+                  </a:lnTo>
+                  <a:lnTo>
+                    <a:pt x="1107282" y="1988021"/>
+                  </a:lnTo>
+                  <a:lnTo>
+                    <a:pt x="1026910" y="1959457"/>
+                  </a:lnTo>
+                  <a:lnTo>
+                    <a:pt x="946538" y="1930893"/>
+                  </a:lnTo>
+                  <a:lnTo>
+                    <a:pt x="866166" y="1902329"/>
+                  </a:lnTo>
+                  <a:lnTo>
+                    <a:pt x="785794" y="1873764"/>
+                  </a:lnTo>
+                  <a:lnTo>
+                    <a:pt x="705422" y="1845200"/>
+                  </a:lnTo>
+                  <a:lnTo>
+                    <a:pt x="625050" y="1816636"/>
+                  </a:lnTo>
+                  <a:lnTo>
+                    <a:pt x="544677" y="1788072"/>
+                  </a:lnTo>
+                  <a:lnTo>
+                    <a:pt x="464305" y="1759508"/>
+                  </a:lnTo>
+                  <a:lnTo>
+                    <a:pt x="383933" y="1730943"/>
+                  </a:lnTo>
+                  <a:lnTo>
+                    <a:pt x="303561" y="1702379"/>
+                  </a:lnTo>
+                  <a:lnTo>
+                    <a:pt x="223189" y="1673815"/>
+                  </a:lnTo>
+                  <a:lnTo>
+                    <a:pt x="142817" y="1645251"/>
+                  </a:lnTo>
+                  <a:lnTo>
+                    <a:pt x="116066" y="1724769"/>
+                  </a:lnTo>
+                  <a:lnTo>
+                    <a:pt x="92027" y="1805149"/>
+                  </a:lnTo>
+                  <a:lnTo>
+                    <a:pt x="70728" y="1886297"/>
+                  </a:lnTo>
+                  <a:lnTo>
+                    <a:pt x="52193" y="1968122"/>
+                  </a:lnTo>
+                  <a:lnTo>
+                    <a:pt x="36444" y="2050528"/>
+                  </a:lnTo>
+                  <a:lnTo>
+                    <a:pt x="23498" y="2133420"/>
+                  </a:lnTo>
+                  <a:lnTo>
+                    <a:pt x="13370" y="2216704"/>
+                  </a:lnTo>
+                  <a:lnTo>
+                    <a:pt x="6073" y="2300284"/>
+                  </a:lnTo>
+                  <a:lnTo>
+                    <a:pt x="1615" y="2384063"/>
+                  </a:lnTo>
+                  <a:lnTo>
+                    <a:pt x="0" y="2467944"/>
+                  </a:lnTo>
+                  <a:lnTo>
+                    <a:pt x="1230" y="2551833"/>
+                  </a:lnTo>
+                  <a:lnTo>
+                    <a:pt x="5305" y="2635631"/>
+                  </a:lnTo>
+                  <a:lnTo>
+                    <a:pt x="12219" y="2719243"/>
+                  </a:lnTo>
+                  <a:lnTo>
+                    <a:pt x="21964" y="2802573"/>
+                  </a:lnTo>
+                  <a:lnTo>
+                    <a:pt x="34530" y="2885524"/>
+                  </a:lnTo>
+                  <a:lnTo>
+                    <a:pt x="49902" y="2968001"/>
+                  </a:lnTo>
+                  <a:lnTo>
+                    <a:pt x="68062" y="3049909"/>
+                  </a:lnTo>
+                  <a:lnTo>
+                    <a:pt x="88989" y="3131155"/>
+                  </a:lnTo>
+                  <a:lnTo>
+                    <a:pt x="112659" y="3211644"/>
+                  </a:lnTo>
+                  <a:lnTo>
+                    <a:pt x="139045" y="3291284"/>
+                  </a:lnTo>
+                  <a:lnTo>
+                    <a:pt x="168117" y="3369984"/>
+                  </a:lnTo>
+                  <a:lnTo>
+                    <a:pt x="199840" y="3447652"/>
+                  </a:lnTo>
+                  <a:lnTo>
+                    <a:pt x="234180" y="3524200"/>
+                  </a:lnTo>
+                  <a:lnTo>
+                    <a:pt x="271095" y="3599539"/>
+                  </a:lnTo>
+                  <a:lnTo>
+                    <a:pt x="310545" y="3673583"/>
+                  </a:lnTo>
+                  <a:lnTo>
+                    <a:pt x="352482" y="3746247"/>
+                  </a:lnTo>
+                  <a:lnTo>
+                    <a:pt x="396860" y="3817447"/>
+                  </a:lnTo>
+                  <a:lnTo>
+                    <a:pt x="443627" y="3887101"/>
+                  </a:lnTo>
+                  <a:lnTo>
+                    <a:pt x="492729" y="3955128"/>
+                  </a:lnTo>
+                  <a:lnTo>
+                    <a:pt x="544109" y="4021452"/>
+                  </a:lnTo>
+                  <a:lnTo>
+                    <a:pt x="597709" y="4085995"/>
+                  </a:lnTo>
+                  <a:lnTo>
+                    <a:pt x="653468" y="4148683"/>
+                  </a:lnTo>
+                  <a:lnTo>
+                    <a:pt x="711320" y="4209444"/>
+                  </a:lnTo>
+                  <a:lnTo>
+                    <a:pt x="771199" y="4268209"/>
+                  </a:lnTo>
+                  <a:lnTo>
+                    <a:pt x="833036" y="4324909"/>
+                  </a:lnTo>
+                  <a:lnTo>
+                    <a:pt x="896761" y="4379479"/>
+                  </a:lnTo>
+                  <a:lnTo>
+                    <a:pt x="962300" y="4431857"/>
+                  </a:lnTo>
+                  <a:lnTo>
+                    <a:pt x="1029577" y="4481982"/>
+                  </a:lnTo>
+                  <a:lnTo>
+                    <a:pt x="1098516" y="4529797"/>
+                  </a:lnTo>
+                  <a:lnTo>
+                    <a:pt x="1169036" y="4575246"/>
+                  </a:lnTo>
+                  <a:lnTo>
+                    <a:pt x="1241057" y="4618278"/>
+                  </a:lnTo>
+                  <a:lnTo>
+                    <a:pt x="1314496" y="4658843"/>
+                  </a:lnTo>
+                  <a:lnTo>
+                    <a:pt x="1389269" y="4696894"/>
+                  </a:lnTo>
+                  <a:lnTo>
+                    <a:pt x="1465288" y="4732387"/>
+                  </a:lnTo>
+                  <a:lnTo>
+                    <a:pt x="1542468" y="4765282"/>
+                  </a:lnTo>
+                  <a:lnTo>
+                    <a:pt x="1620719" y="4795541"/>
+                  </a:lnTo>
+                  <a:lnTo>
+                    <a:pt x="1699951" y="4823129"/>
+                  </a:lnTo>
+                  <a:lnTo>
+                    <a:pt x="1780073" y="4848014"/>
+                  </a:lnTo>
+                  <a:lnTo>
+                    <a:pt x="1860992" y="4870167"/>
+                  </a:lnTo>
+                  <a:lnTo>
+                    <a:pt x="1942617" y="4889564"/>
+                  </a:lnTo>
+                  <a:lnTo>
+                    <a:pt x="2024852" y="4906181"/>
+                  </a:lnTo>
+                  <a:lnTo>
+                    <a:pt x="2107604" y="4920000"/>
+                  </a:lnTo>
+                  <a:lnTo>
+                    <a:pt x="2190776" y="4931005"/>
+                  </a:lnTo>
+                  <a:lnTo>
+                    <a:pt x="2274274" y="4939183"/>
+                  </a:lnTo>
+                  <a:lnTo>
+                    <a:pt x="2358001" y="4944524"/>
+                  </a:lnTo>
+                  <a:lnTo>
+                    <a:pt x="2441861" y="4947024"/>
+                  </a:lnTo>
+                  <a:lnTo>
+                    <a:pt x="2525758" y="4946678"/>
+                  </a:lnTo>
+                  <a:lnTo>
+                    <a:pt x="2609595" y="4943487"/>
+                  </a:lnTo>
+                  <a:lnTo>
+                    <a:pt x="2693275" y="4937454"/>
+                  </a:lnTo>
+                  <a:lnTo>
+                    <a:pt x="2776703" y="4928588"/>
+                  </a:lnTo>
+                  <a:lnTo>
+                    <a:pt x="2859781" y="4916897"/>
+                  </a:lnTo>
+                  <a:lnTo>
+                    <a:pt x="2942416" y="4902396"/>
+                  </a:lnTo>
+                  <a:lnTo>
+                    <a:pt x="3024512" y="4885101"/>
+                  </a:lnTo>
+                  <a:lnTo>
+                    <a:pt x="3105973" y="4865031"/>
+                  </a:lnTo>
+                  <a:lnTo>
+                    <a:pt x="3186707" y="4842211"/>
+                  </a:lnTo>
+                  <a:lnTo>
+                    <a:pt x="3266621" y="4816666"/>
+                  </a:lnTo>
+                  <a:lnTo>
+                    <a:pt x="3345623" y="4788425"/>
+                  </a:lnTo>
+                  <a:lnTo>
+                    <a:pt x="3423621" y="4757522"/>
+                  </a:lnTo>
+                  <a:lnTo>
+                    <a:pt x="3500527" y="4723991"/>
+                  </a:lnTo>
+                  <a:lnTo>
+                    <a:pt x="3576251" y="4687872"/>
+                  </a:lnTo>
+                  <a:lnTo>
+                    <a:pt x="3650707" y="4649206"/>
+                  </a:lnTo>
+                  <a:lnTo>
+                    <a:pt x="3723809" y="4608036"/>
+                  </a:lnTo>
+                  <a:lnTo>
+                    <a:pt x="3795472" y="4564412"/>
+                  </a:lnTo>
+                  <a:lnTo>
+                    <a:pt x="3865615" y="4518382"/>
+                  </a:lnTo>
+                  <a:lnTo>
+                    <a:pt x="3934157" y="4470000"/>
+                  </a:lnTo>
+                  <a:lnTo>
+                    <a:pt x="4001019" y="4419321"/>
+                  </a:lnTo>
+                  <a:lnTo>
+                    <a:pt x="4066123" y="4366405"/>
+                  </a:lnTo>
+                  <a:lnTo>
+                    <a:pt x="4129396" y="4311310"/>
+                  </a:lnTo>
+                  <a:lnTo>
+                    <a:pt x="4190763" y="4254102"/>
+                  </a:lnTo>
+                  <a:lnTo>
+                    <a:pt x="4250156" y="4194846"/>
+                  </a:lnTo>
+                  <a:lnTo>
+                    <a:pt x="4307504" y="4133609"/>
+                  </a:lnTo>
+                  <a:lnTo>
+                    <a:pt x="4362743" y="4070463"/>
+                  </a:lnTo>
+                  <a:lnTo>
+                    <a:pt x="4415809" y="4005480"/>
+                  </a:lnTo>
+                  <a:lnTo>
+                    <a:pt x="4466641" y="3938735"/>
+                  </a:lnTo>
+                  <a:lnTo>
+                    <a:pt x="4515180" y="3870304"/>
+                  </a:lnTo>
+                  <a:lnTo>
+                    <a:pt x="4561370" y="3800267"/>
+                  </a:lnTo>
+                  <a:lnTo>
+                    <a:pt x="4605159" y="3728704"/>
+                  </a:lnTo>
+                  <a:lnTo>
+                    <a:pt x="4646496" y="3655697"/>
+                  </a:lnTo>
+                  <a:lnTo>
+                    <a:pt x="4685333" y="3581329"/>
+                  </a:lnTo>
+                  <a:lnTo>
+                    <a:pt x="4721626" y="3505688"/>
+                  </a:lnTo>
+                  <a:lnTo>
+                    <a:pt x="4755332" y="3428860"/>
+                  </a:lnTo>
+                  <a:lnTo>
+                    <a:pt x="4786414" y="3350932"/>
+                  </a:lnTo>
+                  <a:lnTo>
+                    <a:pt x="4814836" y="3271995"/>
+                  </a:lnTo>
+                  <a:lnTo>
+                    <a:pt x="4840564" y="3192140"/>
+                  </a:lnTo>
+                  <a:lnTo>
+                    <a:pt x="4863569" y="3111459"/>
+                  </a:lnTo>
+                  <a:lnTo>
+                    <a:pt x="4883825" y="3030043"/>
+                  </a:lnTo>
+                  <a:lnTo>
+                    <a:pt x="4901309" y="2947988"/>
+                  </a:lnTo>
+                  <a:lnTo>
+                    <a:pt x="4915999" y="2865386"/>
+                  </a:lnTo>
+                  <a:lnTo>
+                    <a:pt x="4927880" y="2782335"/>
+                  </a:lnTo>
+                  <a:lnTo>
+                    <a:pt x="4936938" y="2698928"/>
+                  </a:lnTo>
+                  <a:lnTo>
+                    <a:pt x="4943162" y="2615261"/>
+                  </a:lnTo>
+                  <a:lnTo>
+                    <a:pt x="4946545" y="2531432"/>
+                  </a:lnTo>
+                  <a:lnTo>
+                    <a:pt x="4947083" y="2447536"/>
+                  </a:lnTo>
+                  <a:lnTo>
+                    <a:pt x="4944776" y="2363671"/>
+                  </a:lnTo>
+                  <a:lnTo>
+                    <a:pt x="4939627" y="2279932"/>
+                  </a:lnTo>
+                  <a:lnTo>
+                    <a:pt x="4931640" y="2196415"/>
+                  </a:lnTo>
+                  <a:lnTo>
+                    <a:pt x="4920826" y="2113218"/>
+                  </a:lnTo>
+                  <a:lnTo>
+                    <a:pt x="4907197" y="2030435"/>
+                  </a:lnTo>
+                  <a:lnTo>
+                    <a:pt x="4890768" y="1948161"/>
+                  </a:lnTo>
+                  <a:lnTo>
+                    <a:pt x="4871558" y="1866493"/>
+                  </a:lnTo>
+                  <a:lnTo>
+                    <a:pt x="4849590" y="1785523"/>
+                  </a:lnTo>
+                  <a:lnTo>
+                    <a:pt x="4824889" y="1705344"/>
+                  </a:lnTo>
+                  <a:lnTo>
+                    <a:pt x="4797483" y="1626049"/>
+                  </a:lnTo>
+                  <a:lnTo>
+                    <a:pt x="4767404" y="1547729"/>
+                  </a:lnTo>
+                  <a:lnTo>
+                    <a:pt x="4734686" y="1470474"/>
+                  </a:lnTo>
+                  <a:lnTo>
+                    <a:pt x="4699367" y="1394373"/>
+                  </a:lnTo>
+                  <a:lnTo>
+                    <a:pt x="4661487" y="1319514"/>
+                  </a:lnTo>
+                  <a:lnTo>
+                    <a:pt x="4621091" y="1245982"/>
+                  </a:lnTo>
+                  <a:lnTo>
+                    <a:pt x="4578224" y="1173863"/>
+                  </a:lnTo>
+                  <a:lnTo>
+                    <a:pt x="4532936" y="1103238"/>
+                  </a:lnTo>
+                  <a:lnTo>
+                    <a:pt x="4485280" y="1034190"/>
+                  </a:lnTo>
+                  <a:lnTo>
+                    <a:pt x="4435309" y="966798"/>
+                  </a:lnTo>
+                  <a:lnTo>
+                    <a:pt x="4383081" y="901140"/>
+                  </a:lnTo>
+                  <a:lnTo>
+                    <a:pt x="4328657" y="837290"/>
+                  </a:lnTo>
+                  <a:lnTo>
+                    <a:pt x="4272099" y="775323"/>
+                  </a:lnTo>
+                  <a:lnTo>
+                    <a:pt x="4213472" y="715309"/>
+                  </a:lnTo>
+                  <a:lnTo>
+                    <a:pt x="4152844" y="657318"/>
+                  </a:lnTo>
+                  <a:lnTo>
+                    <a:pt x="4090283" y="601416"/>
+                  </a:lnTo>
+                  <a:lnTo>
+                    <a:pt x="4025863" y="547668"/>
+                  </a:lnTo>
+                  <a:lnTo>
+                    <a:pt x="3959658" y="496136"/>
+                  </a:lnTo>
+                  <a:lnTo>
+                    <a:pt x="3891743" y="446878"/>
+                  </a:lnTo>
+                  <a:lnTo>
+                    <a:pt x="3822196" y="399952"/>
+                  </a:lnTo>
+                  <a:lnTo>
+                    <a:pt x="3751098" y="355411"/>
+                  </a:lnTo>
+                  <a:lnTo>
+                    <a:pt x="3678531" y="313307"/>
+                  </a:lnTo>
+                  <a:lnTo>
+                    <a:pt x="3604578" y="273688"/>
+                  </a:lnTo>
+                  <a:lnTo>
+                    <a:pt x="3529323" y="236600"/>
+                  </a:lnTo>
+                  <a:lnTo>
+                    <a:pt x="3452854" y="202085"/>
+                  </a:lnTo>
+                  <a:lnTo>
+                    <a:pt x="3375259" y="170183"/>
+                  </a:lnTo>
+                  <a:lnTo>
+                    <a:pt x="3296626" y="140931"/>
+                  </a:lnTo>
+                  <a:lnTo>
+                    <a:pt x="3217046" y="114363"/>
+                  </a:lnTo>
+                  <a:lnTo>
+                    <a:pt x="3136612" y="90508"/>
+                  </a:lnTo>
+                  <a:lnTo>
+                    <a:pt x="3055414" y="69395"/>
+                  </a:lnTo>
+                  <a:lnTo>
+                    <a:pt x="2973548" y="51048"/>
+                  </a:lnTo>
+                  <a:lnTo>
+                    <a:pt x="2891106" y="35487"/>
+                  </a:lnTo>
+                  <a:lnTo>
+                    <a:pt x="2808184" y="22731"/>
+                  </a:lnTo>
+                  <a:lnTo>
+                    <a:pt x="2724877" y="12795"/>
+                  </a:lnTo>
+                  <a:lnTo>
+                    <a:pt x="2641281" y="5689"/>
+                  </a:lnTo>
+                  <a:lnTo>
+                    <a:pt x="2557492" y="1422"/>
+                  </a:lnTo>
+                  <a:lnTo>
+                    <a:pt x="2473607" y="0"/>
+                  </a:lnTo>
+                  <a:lnTo>
+                    <a:pt x="2473607" y="85297"/>
+                  </a:lnTo>
+                  <a:lnTo>
+                    <a:pt x="2473607" y="170594"/>
+                  </a:lnTo>
+                  <a:lnTo>
+                    <a:pt x="2473607" y="255891"/>
+                  </a:lnTo>
+                  <a:lnTo>
+                    <a:pt x="2473607" y="341188"/>
+                  </a:lnTo>
+                  <a:lnTo>
+                    <a:pt x="2473607" y="426485"/>
+                  </a:lnTo>
+                  <a:lnTo>
+                    <a:pt x="2473607" y="511782"/>
+                  </a:lnTo>
+                  <a:lnTo>
+                    <a:pt x="2473607" y="597079"/>
+                  </a:lnTo>
+                  <a:lnTo>
+                    <a:pt x="2473607" y="682376"/>
+                  </a:lnTo>
+                  <a:lnTo>
+                    <a:pt x="2473607" y="767673"/>
+                  </a:lnTo>
+                  <a:lnTo>
+                    <a:pt x="2473607" y="852970"/>
+                  </a:lnTo>
+                  <a:lnTo>
+                    <a:pt x="2473607" y="938267"/>
+                  </a:lnTo>
+                  <a:lnTo>
+                    <a:pt x="2473607" y="1023564"/>
+                  </a:lnTo>
+                  <a:lnTo>
+                    <a:pt x="2473607" y="1108861"/>
+                  </a:lnTo>
+                  <a:lnTo>
+                    <a:pt x="2473607" y="1194158"/>
+                  </a:lnTo>
+                  <a:lnTo>
+                    <a:pt x="2473607" y="1279455"/>
+                  </a:lnTo>
+                  <a:lnTo>
+                    <a:pt x="2473607" y="1364752"/>
+                  </a:lnTo>
+                  <a:lnTo>
+                    <a:pt x="2473607" y="1450049"/>
+                  </a:lnTo>
+                  <a:lnTo>
+                    <a:pt x="2473607" y="1535346"/>
+                  </a:lnTo>
+                  <a:lnTo>
+                    <a:pt x="2473607" y="1620643"/>
+                  </a:lnTo>
+                  <a:lnTo>
+                    <a:pt x="2473607" y="1705940"/>
+                  </a:lnTo>
+                  <a:lnTo>
+                    <a:pt x="2473607" y="1791237"/>
+                  </a:lnTo>
+                  <a:lnTo>
+                    <a:pt x="2473607" y="1876534"/>
+                  </a:lnTo>
+                  <a:lnTo>
+                    <a:pt x="2473607" y="1961831"/>
+                  </a:lnTo>
+                  <a:lnTo>
+                    <a:pt x="2473607" y="2047128"/>
+                  </a:lnTo>
+                  <a:lnTo>
+                    <a:pt x="2473607" y="2132425"/>
+                  </a:lnTo>
+                  <a:lnTo>
+                    <a:pt x="2473607" y="2217722"/>
+                  </a:lnTo>
+                  <a:lnTo>
+                    <a:pt x="2473607" y="2303019"/>
+                  </a:lnTo>
+                  <a:lnTo>
+                    <a:pt x="2473607" y="2388316"/>
                   </a:lnTo>
                   <a:close/>
                 </a:path>
               </a:pathLst>
             </a:custGeom>
             <a:solidFill>
-              <a:srgbClr val="E76BF3">
+              <a:srgbClr val="C77CFF">
                 <a:alpha val="100000"/>
               </a:srgbClr>
             </a:solidFill>
@@ -2953,196 +2959,196 @@
           </p:nvSpPr>
           <p:spPr>
             <a:xfrm>
-              <a:off x="3101928" y="3458793"/>
-              <a:ext cx="2384471" cy="764388"/>
+              <a:off x="3155610" y="3289593"/>
+              <a:ext cx="2330789" cy="933589"/>
             </a:xfrm>
             <a:custGeom>
               <a:avLst/>
               <a:pathLst>
-                <a:path w="2384471" h="764388">
+                <a:path w="2330789" h="933589">
                   <a:moveTo>
-                    <a:pt x="2384471" y="764388"/>
+                    <a:pt x="2330789" y="933589"/>
                   </a:moveTo>
                   <a:lnTo>
-                    <a:pt x="2303349" y="738030"/>
-                  </a:lnTo>
-                  <a:lnTo>
-                    <a:pt x="2222227" y="711672"/>
-                  </a:lnTo>
-                  <a:lnTo>
-                    <a:pt x="2141105" y="685314"/>
-                  </a:lnTo>
-                  <a:lnTo>
-                    <a:pt x="2059982" y="658955"/>
-                  </a:lnTo>
-                  <a:lnTo>
-                    <a:pt x="1978860" y="632597"/>
-                  </a:lnTo>
-                  <a:lnTo>
-                    <a:pt x="1897738" y="606239"/>
-                  </a:lnTo>
-                  <a:lnTo>
-                    <a:pt x="1816615" y="579881"/>
-                  </a:lnTo>
-                  <a:lnTo>
-                    <a:pt x="1735493" y="553522"/>
-                  </a:lnTo>
-                  <a:lnTo>
-                    <a:pt x="1654371" y="527164"/>
-                  </a:lnTo>
-                  <a:lnTo>
-                    <a:pt x="1573248" y="500806"/>
-                  </a:lnTo>
-                  <a:lnTo>
-                    <a:pt x="1492126" y="474448"/>
-                  </a:lnTo>
-                  <a:lnTo>
-                    <a:pt x="1411004" y="448089"/>
-                  </a:lnTo>
-                  <a:lnTo>
-                    <a:pt x="1329882" y="421731"/>
-                  </a:lnTo>
-                  <a:lnTo>
-                    <a:pt x="1248759" y="395373"/>
-                  </a:lnTo>
-                  <a:lnTo>
-                    <a:pt x="1167637" y="369015"/>
-                  </a:lnTo>
-                  <a:lnTo>
-                    <a:pt x="1086515" y="342657"/>
-                  </a:lnTo>
-                  <a:lnTo>
-                    <a:pt x="1005392" y="316298"/>
-                  </a:lnTo>
-                  <a:lnTo>
-                    <a:pt x="924270" y="289940"/>
-                  </a:lnTo>
-                  <a:lnTo>
-                    <a:pt x="843148" y="263582"/>
-                  </a:lnTo>
-                  <a:lnTo>
-                    <a:pt x="762025" y="237224"/>
-                  </a:lnTo>
-                  <a:lnTo>
-                    <a:pt x="680903" y="210865"/>
-                  </a:lnTo>
-                  <a:lnTo>
-                    <a:pt x="599781" y="184507"/>
-                  </a:lnTo>
-                  <a:lnTo>
-                    <a:pt x="518659" y="158149"/>
-                  </a:lnTo>
-                  <a:lnTo>
-                    <a:pt x="437536" y="131791"/>
-                  </a:lnTo>
-                  <a:lnTo>
-                    <a:pt x="356414" y="105432"/>
-                  </a:lnTo>
-                  <a:lnTo>
-                    <a:pt x="275292" y="79074"/>
-                  </a:lnTo>
-                  <a:lnTo>
-                    <a:pt x="194169" y="52716"/>
-                  </a:lnTo>
-                  <a:lnTo>
-                    <a:pt x="113047" y="26358"/>
-                  </a:lnTo>
-                  <a:lnTo>
-                    <a:pt x="31925" y="0"/>
-                  </a:lnTo>
-                  <a:lnTo>
-                    <a:pt x="0" y="106316"/>
-                  </a:lnTo>
-                  <a:lnTo>
-                    <a:pt x="82223" y="129008"/>
-                  </a:lnTo>
-                  <a:lnTo>
-                    <a:pt x="164446" y="151700"/>
-                  </a:lnTo>
-                  <a:lnTo>
-                    <a:pt x="246669" y="174392"/>
-                  </a:lnTo>
-                  <a:lnTo>
-                    <a:pt x="328892" y="197084"/>
-                  </a:lnTo>
-                  <a:lnTo>
-                    <a:pt x="411115" y="219777"/>
-                  </a:lnTo>
-                  <a:lnTo>
-                    <a:pt x="493339" y="242469"/>
-                  </a:lnTo>
-                  <a:lnTo>
-                    <a:pt x="575562" y="265161"/>
-                  </a:lnTo>
-                  <a:lnTo>
-                    <a:pt x="657785" y="287853"/>
-                  </a:lnTo>
-                  <a:lnTo>
-                    <a:pt x="740008" y="310545"/>
-                  </a:lnTo>
-                  <a:lnTo>
-                    <a:pt x="822231" y="333237"/>
-                  </a:lnTo>
-                  <a:lnTo>
-                    <a:pt x="904454" y="355929"/>
-                  </a:lnTo>
-                  <a:lnTo>
-                    <a:pt x="986678" y="378622"/>
-                  </a:lnTo>
-                  <a:lnTo>
-                    <a:pt x="1068901" y="401314"/>
-                  </a:lnTo>
-                  <a:lnTo>
-                    <a:pt x="1151124" y="424006"/>
-                  </a:lnTo>
-                  <a:lnTo>
-                    <a:pt x="1233347" y="446698"/>
-                  </a:lnTo>
-                  <a:lnTo>
-                    <a:pt x="1315570" y="469390"/>
-                  </a:lnTo>
-                  <a:lnTo>
-                    <a:pt x="1397793" y="492082"/>
-                  </a:lnTo>
-                  <a:lnTo>
-                    <a:pt x="1480017" y="514775"/>
-                  </a:lnTo>
-                  <a:lnTo>
-                    <a:pt x="1562240" y="537467"/>
-                  </a:lnTo>
-                  <a:lnTo>
-                    <a:pt x="1644463" y="560159"/>
-                  </a:lnTo>
-                  <a:lnTo>
-                    <a:pt x="1726686" y="582851"/>
-                  </a:lnTo>
-                  <a:lnTo>
-                    <a:pt x="1808909" y="605543"/>
-                  </a:lnTo>
-                  <a:lnTo>
-                    <a:pt x="1891132" y="628235"/>
-                  </a:lnTo>
-                  <a:lnTo>
-                    <a:pt x="1973356" y="650927"/>
-                  </a:lnTo>
-                  <a:lnTo>
-                    <a:pt x="2055579" y="673620"/>
-                  </a:lnTo>
-                  <a:lnTo>
-                    <a:pt x="2137802" y="696312"/>
-                  </a:lnTo>
-                  <a:lnTo>
-                    <a:pt x="2220025" y="719004"/>
-                  </a:lnTo>
-                  <a:lnTo>
-                    <a:pt x="2302248" y="741696"/>
+                    <a:pt x="2251801" y="901396"/>
+                  </a:lnTo>
+                  <a:lnTo>
+                    <a:pt x="2172812" y="869203"/>
+                  </a:lnTo>
+                  <a:lnTo>
+                    <a:pt x="2093823" y="837011"/>
+                  </a:lnTo>
+                  <a:lnTo>
+                    <a:pt x="2014835" y="804818"/>
+                  </a:lnTo>
+                  <a:lnTo>
+                    <a:pt x="1935846" y="772625"/>
+                  </a:lnTo>
+                  <a:lnTo>
+                    <a:pt x="1856857" y="740432"/>
+                  </a:lnTo>
+                  <a:lnTo>
+                    <a:pt x="1777868" y="708240"/>
+                  </a:lnTo>
+                  <a:lnTo>
+                    <a:pt x="1698880" y="676047"/>
+                  </a:lnTo>
+                  <a:lnTo>
+                    <a:pt x="1619891" y="643854"/>
+                  </a:lnTo>
+                  <a:lnTo>
+                    <a:pt x="1540902" y="611662"/>
+                  </a:lnTo>
+                  <a:lnTo>
+                    <a:pt x="1461914" y="579469"/>
+                  </a:lnTo>
+                  <a:lnTo>
+                    <a:pt x="1382925" y="547276"/>
+                  </a:lnTo>
+                  <a:lnTo>
+                    <a:pt x="1303936" y="515083"/>
+                  </a:lnTo>
+                  <a:lnTo>
+                    <a:pt x="1224948" y="482891"/>
+                  </a:lnTo>
+                  <a:lnTo>
+                    <a:pt x="1145959" y="450698"/>
+                  </a:lnTo>
+                  <a:lnTo>
+                    <a:pt x="1066970" y="418505"/>
+                  </a:lnTo>
+                  <a:lnTo>
+                    <a:pt x="987982" y="386312"/>
+                  </a:lnTo>
+                  <a:lnTo>
+                    <a:pt x="908993" y="354120"/>
+                  </a:lnTo>
+                  <a:lnTo>
+                    <a:pt x="830004" y="321927"/>
+                  </a:lnTo>
+                  <a:lnTo>
+                    <a:pt x="751016" y="289734"/>
+                  </a:lnTo>
+                  <a:lnTo>
+                    <a:pt x="672027" y="257541"/>
+                  </a:lnTo>
+                  <a:lnTo>
+                    <a:pt x="593038" y="225349"/>
+                  </a:lnTo>
+                  <a:lnTo>
+                    <a:pt x="514050" y="193156"/>
+                  </a:lnTo>
+                  <a:lnTo>
+                    <a:pt x="435061" y="160963"/>
+                  </a:lnTo>
+                  <a:lnTo>
+                    <a:pt x="356072" y="128770"/>
+                  </a:lnTo>
+                  <a:lnTo>
+                    <a:pt x="277084" y="96578"/>
+                  </a:lnTo>
+                  <a:lnTo>
+                    <a:pt x="198095" y="64385"/>
+                  </a:lnTo>
+                  <a:lnTo>
+                    <a:pt x="119106" y="32192"/>
+                  </a:lnTo>
+                  <a:lnTo>
+                    <a:pt x="40118" y="0"/>
+                  </a:lnTo>
+                  <a:lnTo>
+                    <a:pt x="0" y="105226"/>
+                  </a:lnTo>
+                  <a:lnTo>
+                    <a:pt x="80372" y="133790"/>
+                  </a:lnTo>
+                  <a:lnTo>
+                    <a:pt x="160744" y="162354"/>
+                  </a:lnTo>
+                  <a:lnTo>
+                    <a:pt x="241116" y="190919"/>
+                  </a:lnTo>
+                  <a:lnTo>
+                    <a:pt x="321488" y="219483"/>
+                  </a:lnTo>
+                  <a:lnTo>
+                    <a:pt x="401860" y="248047"/>
+                  </a:lnTo>
+                  <a:lnTo>
+                    <a:pt x="482232" y="276611"/>
+                  </a:lnTo>
+                  <a:lnTo>
+                    <a:pt x="562604" y="305176"/>
+                  </a:lnTo>
+                  <a:lnTo>
+                    <a:pt x="642976" y="333740"/>
+                  </a:lnTo>
+                  <a:lnTo>
+                    <a:pt x="723348" y="362304"/>
+                  </a:lnTo>
+                  <a:lnTo>
+                    <a:pt x="803720" y="390868"/>
+                  </a:lnTo>
+                  <a:lnTo>
+                    <a:pt x="884092" y="419433"/>
+                  </a:lnTo>
+                  <a:lnTo>
+                    <a:pt x="964464" y="447997"/>
+                  </a:lnTo>
+                  <a:lnTo>
+                    <a:pt x="1044836" y="476561"/>
+                  </a:lnTo>
+                  <a:lnTo>
+                    <a:pt x="1125208" y="505125"/>
+                  </a:lnTo>
+                  <a:lnTo>
+                    <a:pt x="1205580" y="533690"/>
+                  </a:lnTo>
+                  <a:lnTo>
+                    <a:pt x="1285952" y="562254"/>
+                  </a:lnTo>
+                  <a:lnTo>
+                    <a:pt x="1366325" y="590818"/>
+                  </a:lnTo>
+                  <a:lnTo>
+                    <a:pt x="1446697" y="619382"/>
+                  </a:lnTo>
+                  <a:lnTo>
+                    <a:pt x="1527069" y="647947"/>
+                  </a:lnTo>
+                  <a:lnTo>
+                    <a:pt x="1607441" y="676511"/>
+                  </a:lnTo>
+                  <a:lnTo>
+                    <a:pt x="1687813" y="705075"/>
+                  </a:lnTo>
+                  <a:lnTo>
+                    <a:pt x="1768185" y="733639"/>
+                  </a:lnTo>
+                  <a:lnTo>
+                    <a:pt x="1848557" y="762203"/>
+                  </a:lnTo>
+                  <a:lnTo>
+                    <a:pt x="1928929" y="790768"/>
+                  </a:lnTo>
+                  <a:lnTo>
+                    <a:pt x="2009301" y="819332"/>
+                  </a:lnTo>
+                  <a:lnTo>
+                    <a:pt x="2089673" y="847896"/>
+                  </a:lnTo>
+                  <a:lnTo>
+                    <a:pt x="2170045" y="876460"/>
+                  </a:lnTo>
+                  <a:lnTo>
+                    <a:pt x="2250417" y="905025"/>
                   </a:lnTo>
                   <a:close/>
                 </a:path>
               </a:pathLst>
             </a:custGeom>
             <a:solidFill>
-              <a:srgbClr val="00B0F6">
+              <a:srgbClr val="00BFC4">
                 <a:alpha val="100000"/>
               </a:srgbClr>
             </a:solidFill>
@@ -3170,247 +3176,247 @@
           </p:nvSpPr>
           <p:spPr>
             <a:xfrm>
-              <a:off x="3133853" y="2221986"/>
-              <a:ext cx="2352546" cy="2001195"/>
+              <a:off x="3195728" y="2109678"/>
+              <a:ext cx="2290671" cy="2113503"/>
             </a:xfrm>
             <a:custGeom>
               <a:avLst/>
               <a:pathLst>
-                <a:path w="2352546" h="2001195">
+                <a:path w="2290671" h="2113503">
                   <a:moveTo>
-                    <a:pt x="2352546" y="2001195"/>
+                    <a:pt x="2290671" y="2113503"/>
                   </a:moveTo>
                   <a:lnTo>
-                    <a:pt x="2302410" y="1932188"/>
-                  </a:lnTo>
-                  <a:lnTo>
-                    <a:pt x="2252273" y="1863182"/>
-                  </a:lnTo>
-                  <a:lnTo>
-                    <a:pt x="2202137" y="1794175"/>
-                  </a:lnTo>
-                  <a:lnTo>
-                    <a:pt x="2152001" y="1725168"/>
-                  </a:lnTo>
-                  <a:lnTo>
-                    <a:pt x="2101864" y="1656161"/>
-                  </a:lnTo>
-                  <a:lnTo>
-                    <a:pt x="2051728" y="1587155"/>
-                  </a:lnTo>
-                  <a:lnTo>
-                    <a:pt x="2001592" y="1518148"/>
-                  </a:lnTo>
-                  <a:lnTo>
-                    <a:pt x="1951455" y="1449141"/>
-                  </a:lnTo>
-                  <a:lnTo>
-                    <a:pt x="1901319" y="1380134"/>
-                  </a:lnTo>
-                  <a:lnTo>
-                    <a:pt x="1851183" y="1311128"/>
-                  </a:lnTo>
-                  <a:lnTo>
-                    <a:pt x="1801046" y="1242121"/>
-                  </a:lnTo>
-                  <a:lnTo>
-                    <a:pt x="1750910" y="1173114"/>
-                  </a:lnTo>
-                  <a:lnTo>
-                    <a:pt x="1700774" y="1104107"/>
-                  </a:lnTo>
-                  <a:lnTo>
-                    <a:pt x="1650637" y="1035101"/>
-                  </a:lnTo>
-                  <a:lnTo>
-                    <a:pt x="1600501" y="966094"/>
-                  </a:lnTo>
-                  <a:lnTo>
-                    <a:pt x="1550365" y="897087"/>
-                  </a:lnTo>
-                  <a:lnTo>
-                    <a:pt x="1500228" y="828080"/>
-                  </a:lnTo>
-                  <a:lnTo>
-                    <a:pt x="1450092" y="759074"/>
-                  </a:lnTo>
-                  <a:lnTo>
-                    <a:pt x="1399956" y="690067"/>
-                  </a:lnTo>
-                  <a:lnTo>
-                    <a:pt x="1349819" y="621060"/>
-                  </a:lnTo>
-                  <a:lnTo>
-                    <a:pt x="1299683" y="552053"/>
-                  </a:lnTo>
-                  <a:lnTo>
-                    <a:pt x="1249547" y="483047"/>
-                  </a:lnTo>
-                  <a:lnTo>
-                    <a:pt x="1199410" y="414040"/>
-                  </a:lnTo>
-                  <a:lnTo>
-                    <a:pt x="1149274" y="345033"/>
-                  </a:lnTo>
-                  <a:lnTo>
-                    <a:pt x="1099138" y="276026"/>
-                  </a:lnTo>
-                  <a:lnTo>
-                    <a:pt x="1049001" y="207020"/>
-                  </a:lnTo>
-                  <a:lnTo>
-                    <a:pt x="998865" y="138013"/>
-                  </a:lnTo>
-                  <a:lnTo>
-                    <a:pt x="948729" y="69006"/>
-                  </a:lnTo>
-                  <a:lnTo>
-                    <a:pt x="898592" y="0"/>
-                  </a:lnTo>
-                  <a:lnTo>
-                    <a:pt x="829637" y="51961"/>
-                  </a:lnTo>
-                  <a:lnTo>
-                    <a:pt x="762538" y="106297"/>
-                  </a:lnTo>
-                  <a:lnTo>
-                    <a:pt x="697375" y="162942"/>
-                  </a:lnTo>
-                  <a:lnTo>
-                    <a:pt x="634230" y="221826"/>
-                  </a:lnTo>
-                  <a:lnTo>
-                    <a:pt x="573177" y="282879"/>
-                  </a:lnTo>
-                  <a:lnTo>
-                    <a:pt x="514293" y="346024"/>
-                  </a:lnTo>
-                  <a:lnTo>
-                    <a:pt x="457648" y="411187"/>
-                  </a:lnTo>
-                  <a:lnTo>
-                    <a:pt x="403312" y="478286"/>
-                  </a:lnTo>
-                  <a:lnTo>
-                    <a:pt x="351350" y="547241"/>
-                  </a:lnTo>
-                  <a:lnTo>
-                    <a:pt x="301827" y="617968"/>
-                  </a:lnTo>
-                  <a:lnTo>
-                    <a:pt x="254803" y="690380"/>
-                  </a:lnTo>
-                  <a:lnTo>
-                    <a:pt x="210334" y="764388"/>
-                  </a:lnTo>
-                  <a:lnTo>
-                    <a:pt x="168475" y="839904"/>
-                  </a:lnTo>
-                  <a:lnTo>
-                    <a:pt x="129277" y="916834"/>
-                  </a:lnTo>
-                  <a:lnTo>
-                    <a:pt x="92787" y="995086"/>
-                  </a:lnTo>
-                  <a:lnTo>
-                    <a:pt x="59051" y="1074563"/>
-                  </a:lnTo>
-                  <a:lnTo>
-                    <a:pt x="28109" y="1155169"/>
-                  </a:lnTo>
-                  <a:lnTo>
-                    <a:pt x="0" y="1236806"/>
-                  </a:lnTo>
-                  <a:lnTo>
-                    <a:pt x="81122" y="1263165"/>
-                  </a:lnTo>
-                  <a:lnTo>
-                    <a:pt x="162244" y="1289523"/>
-                  </a:lnTo>
-                  <a:lnTo>
-                    <a:pt x="243366" y="1315881"/>
-                  </a:lnTo>
-                  <a:lnTo>
-                    <a:pt x="324489" y="1342239"/>
-                  </a:lnTo>
-                  <a:lnTo>
-                    <a:pt x="405611" y="1368598"/>
-                  </a:lnTo>
-                  <a:lnTo>
-                    <a:pt x="486733" y="1394956"/>
-                  </a:lnTo>
-                  <a:lnTo>
-                    <a:pt x="567856" y="1421314"/>
-                  </a:lnTo>
-                  <a:lnTo>
-                    <a:pt x="648978" y="1447672"/>
-                  </a:lnTo>
-                  <a:lnTo>
-                    <a:pt x="730100" y="1474031"/>
-                  </a:lnTo>
-                  <a:lnTo>
-                    <a:pt x="811222" y="1500389"/>
-                  </a:lnTo>
-                  <a:lnTo>
-                    <a:pt x="892345" y="1526747"/>
-                  </a:lnTo>
-                  <a:lnTo>
-                    <a:pt x="973467" y="1553105"/>
-                  </a:lnTo>
-                  <a:lnTo>
-                    <a:pt x="1054589" y="1579463"/>
-                  </a:lnTo>
-                  <a:lnTo>
-                    <a:pt x="1135712" y="1605822"/>
-                  </a:lnTo>
-                  <a:lnTo>
-                    <a:pt x="1216834" y="1632180"/>
-                  </a:lnTo>
-                  <a:lnTo>
-                    <a:pt x="1297956" y="1658538"/>
-                  </a:lnTo>
-                  <a:lnTo>
-                    <a:pt x="1379079" y="1684896"/>
-                  </a:lnTo>
-                  <a:lnTo>
-                    <a:pt x="1460201" y="1711255"/>
-                  </a:lnTo>
-                  <a:lnTo>
-                    <a:pt x="1541323" y="1737613"/>
-                  </a:lnTo>
-                  <a:lnTo>
-                    <a:pt x="1622445" y="1763971"/>
-                  </a:lnTo>
-                  <a:lnTo>
-                    <a:pt x="1703568" y="1790329"/>
-                  </a:lnTo>
-                  <a:lnTo>
-                    <a:pt x="1784690" y="1816688"/>
-                  </a:lnTo>
-                  <a:lnTo>
-                    <a:pt x="1865812" y="1843046"/>
-                  </a:lnTo>
-                  <a:lnTo>
-                    <a:pt x="1946935" y="1869404"/>
-                  </a:lnTo>
-                  <a:lnTo>
-                    <a:pt x="2028057" y="1895762"/>
-                  </a:lnTo>
-                  <a:lnTo>
-                    <a:pt x="2109179" y="1922121"/>
-                  </a:lnTo>
-                  <a:lnTo>
-                    <a:pt x="2190302" y="1948479"/>
-                  </a:lnTo>
-                  <a:lnTo>
-                    <a:pt x="2271424" y="1974837"/>
+                    <a:pt x="2246352" y="2040624"/>
+                  </a:lnTo>
+                  <a:lnTo>
+                    <a:pt x="2202033" y="1967744"/>
+                  </a:lnTo>
+                  <a:lnTo>
+                    <a:pt x="2157714" y="1894865"/>
+                  </a:lnTo>
+                  <a:lnTo>
+                    <a:pt x="2113395" y="1821985"/>
+                  </a:lnTo>
+                  <a:lnTo>
+                    <a:pt x="2069076" y="1749106"/>
+                  </a:lnTo>
+                  <a:lnTo>
+                    <a:pt x="2024757" y="1676227"/>
+                  </a:lnTo>
+                  <a:lnTo>
+                    <a:pt x="1980438" y="1603347"/>
+                  </a:lnTo>
+                  <a:lnTo>
+                    <a:pt x="1936119" y="1530468"/>
+                  </a:lnTo>
+                  <a:lnTo>
+                    <a:pt x="1891800" y="1457588"/>
+                  </a:lnTo>
+                  <a:lnTo>
+                    <a:pt x="1847481" y="1384709"/>
+                  </a:lnTo>
+                  <a:lnTo>
+                    <a:pt x="1803163" y="1311829"/>
+                  </a:lnTo>
+                  <a:lnTo>
+                    <a:pt x="1758844" y="1238950"/>
+                  </a:lnTo>
+                  <a:lnTo>
+                    <a:pt x="1714525" y="1166071"/>
+                  </a:lnTo>
+                  <a:lnTo>
+                    <a:pt x="1670206" y="1093191"/>
+                  </a:lnTo>
+                  <a:lnTo>
+                    <a:pt x="1625887" y="1020312"/>
+                  </a:lnTo>
+                  <a:lnTo>
+                    <a:pt x="1581568" y="947432"/>
+                  </a:lnTo>
+                  <a:lnTo>
+                    <a:pt x="1537249" y="874553"/>
+                  </a:lnTo>
+                  <a:lnTo>
+                    <a:pt x="1492930" y="801673"/>
+                  </a:lnTo>
+                  <a:lnTo>
+                    <a:pt x="1448611" y="728794"/>
+                  </a:lnTo>
+                  <a:lnTo>
+                    <a:pt x="1404292" y="655914"/>
+                  </a:lnTo>
+                  <a:lnTo>
+                    <a:pt x="1359973" y="583035"/>
+                  </a:lnTo>
+                  <a:lnTo>
+                    <a:pt x="1315654" y="510156"/>
+                  </a:lnTo>
+                  <a:lnTo>
+                    <a:pt x="1271335" y="437276"/>
+                  </a:lnTo>
+                  <a:lnTo>
+                    <a:pt x="1227016" y="364397"/>
+                  </a:lnTo>
+                  <a:lnTo>
+                    <a:pt x="1182697" y="291517"/>
+                  </a:lnTo>
+                  <a:lnTo>
+                    <a:pt x="1138378" y="218638"/>
+                  </a:lnTo>
+                  <a:lnTo>
+                    <a:pt x="1094059" y="145758"/>
+                  </a:lnTo>
+                  <a:lnTo>
+                    <a:pt x="1049740" y="72879"/>
+                  </a:lnTo>
+                  <a:lnTo>
+                    <a:pt x="1005421" y="0"/>
+                  </a:lnTo>
+                  <a:lnTo>
+                    <a:pt x="931398" y="46829"/>
+                  </a:lnTo>
+                  <a:lnTo>
+                    <a:pt x="859080" y="96250"/>
+                  </a:lnTo>
+                  <a:lnTo>
+                    <a:pt x="788556" y="148200"/>
+                  </a:lnTo>
+                  <a:lnTo>
+                    <a:pt x="719916" y="202615"/>
+                  </a:lnTo>
+                  <a:lnTo>
+                    <a:pt x="653246" y="259426"/>
+                  </a:lnTo>
+                  <a:lnTo>
+                    <a:pt x="588629" y="318561"/>
+                  </a:lnTo>
+                  <a:lnTo>
+                    <a:pt x="526146" y="379947"/>
+                  </a:lnTo>
+                  <a:lnTo>
+                    <a:pt x="465875" y="443507"/>
+                  </a:lnTo>
+                  <a:lnTo>
+                    <a:pt x="407893" y="509162"/>
+                  </a:lnTo>
+                  <a:lnTo>
+                    <a:pt x="352272" y="576827"/>
+                  </a:lnTo>
+                  <a:lnTo>
+                    <a:pt x="299081" y="646420"/>
+                  </a:lnTo>
+                  <a:lnTo>
+                    <a:pt x="248387" y="717852"/>
+                  </a:lnTo>
+                  <a:lnTo>
+                    <a:pt x="200254" y="791034"/>
+                  </a:lnTo>
+                  <a:lnTo>
+                    <a:pt x="154743" y="865875"/>
+                  </a:lnTo>
+                  <a:lnTo>
+                    <a:pt x="111910" y="942280"/>
+                  </a:lnTo>
+                  <a:lnTo>
+                    <a:pt x="71808" y="1020153"/>
+                  </a:lnTo>
+                  <a:lnTo>
+                    <a:pt x="34489" y="1099398"/>
+                  </a:lnTo>
+                  <a:lnTo>
+                    <a:pt x="0" y="1179914"/>
+                  </a:lnTo>
+                  <a:lnTo>
+                    <a:pt x="78988" y="1212107"/>
+                  </a:lnTo>
+                  <a:lnTo>
+                    <a:pt x="157977" y="1244299"/>
+                  </a:lnTo>
+                  <a:lnTo>
+                    <a:pt x="236966" y="1276492"/>
+                  </a:lnTo>
+                  <a:lnTo>
+                    <a:pt x="315954" y="1308685"/>
+                  </a:lnTo>
+                  <a:lnTo>
+                    <a:pt x="394943" y="1340878"/>
+                  </a:lnTo>
+                  <a:lnTo>
+                    <a:pt x="473932" y="1373070"/>
+                  </a:lnTo>
+                  <a:lnTo>
+                    <a:pt x="552920" y="1405263"/>
+                  </a:lnTo>
+                  <a:lnTo>
+                    <a:pt x="631909" y="1437456"/>
+                  </a:lnTo>
+                  <a:lnTo>
+                    <a:pt x="710898" y="1469648"/>
+                  </a:lnTo>
+                  <a:lnTo>
+                    <a:pt x="789886" y="1501841"/>
+                  </a:lnTo>
+                  <a:lnTo>
+                    <a:pt x="868875" y="1534034"/>
+                  </a:lnTo>
+                  <a:lnTo>
+                    <a:pt x="947864" y="1566227"/>
+                  </a:lnTo>
+                  <a:lnTo>
+                    <a:pt x="1026852" y="1598419"/>
+                  </a:lnTo>
+                  <a:lnTo>
+                    <a:pt x="1105841" y="1630612"/>
+                  </a:lnTo>
+                  <a:lnTo>
+                    <a:pt x="1184830" y="1662805"/>
+                  </a:lnTo>
+                  <a:lnTo>
+                    <a:pt x="1263818" y="1694998"/>
+                  </a:lnTo>
+                  <a:lnTo>
+                    <a:pt x="1342807" y="1727190"/>
+                  </a:lnTo>
+                  <a:lnTo>
+                    <a:pt x="1421796" y="1759383"/>
+                  </a:lnTo>
+                  <a:lnTo>
+                    <a:pt x="1500784" y="1791576"/>
+                  </a:lnTo>
+                  <a:lnTo>
+                    <a:pt x="1579773" y="1823769"/>
+                  </a:lnTo>
+                  <a:lnTo>
+                    <a:pt x="1658762" y="1855961"/>
+                  </a:lnTo>
+                  <a:lnTo>
+                    <a:pt x="1737750" y="1888154"/>
+                  </a:lnTo>
+                  <a:lnTo>
+                    <a:pt x="1816739" y="1920347"/>
+                  </a:lnTo>
+                  <a:lnTo>
+                    <a:pt x="1895728" y="1952540"/>
+                  </a:lnTo>
+                  <a:lnTo>
+                    <a:pt x="1974716" y="1984732"/>
+                  </a:lnTo>
+                  <a:lnTo>
+                    <a:pt x="2053705" y="2016925"/>
+                  </a:lnTo>
+                  <a:lnTo>
+                    <a:pt x="2132694" y="2049118"/>
+                  </a:lnTo>
+                  <a:lnTo>
+                    <a:pt x="2211683" y="2081311"/>
                   </a:lnTo>
                   <a:close/>
                 </a:path>
               </a:pathLst>
             </a:custGeom>
             <a:solidFill>
-              <a:srgbClr val="00BF7D">
+              <a:srgbClr val="7CAE00">
                 <a:alpha val="100000"/>
               </a:srgbClr>
             </a:solidFill>
@@ -3438,451 +3444,234 @@
           </p:nvSpPr>
           <p:spPr>
             <a:xfrm>
-              <a:off x="4032446" y="1759526"/>
-              <a:ext cx="1453953" cy="2463655"/>
+              <a:off x="4201149" y="1749568"/>
+              <a:ext cx="1285250" cy="2473613"/>
             </a:xfrm>
             <a:custGeom>
               <a:avLst/>
               <a:pathLst>
-                <a:path w="1453953" h="2463655">
+                <a:path w="1285250" h="2473613">
                   <a:moveTo>
-                    <a:pt x="1453953" y="2463655"/>
+                    <a:pt x="1285250" y="2473613"/>
                   </a:moveTo>
                   <a:lnTo>
-                    <a:pt x="1446307" y="2378702"/>
-                  </a:lnTo>
-                  <a:lnTo>
-                    <a:pt x="1438661" y="2293748"/>
-                  </a:lnTo>
-                  <a:lnTo>
-                    <a:pt x="1431015" y="2208794"/>
-                  </a:lnTo>
-                  <a:lnTo>
-                    <a:pt x="1423369" y="2123841"/>
-                  </a:lnTo>
-                  <a:lnTo>
-                    <a:pt x="1415723" y="2038887"/>
-                  </a:lnTo>
-                  <a:lnTo>
-                    <a:pt x="1408077" y="1953933"/>
-                  </a:lnTo>
-                  <a:lnTo>
-                    <a:pt x="1400432" y="1868980"/>
-                  </a:lnTo>
-                  <a:lnTo>
-                    <a:pt x="1392786" y="1784026"/>
-                  </a:lnTo>
-                  <a:lnTo>
-                    <a:pt x="1385140" y="1699073"/>
-                  </a:lnTo>
-                  <a:lnTo>
-                    <a:pt x="1377494" y="1614119"/>
-                  </a:lnTo>
-                  <a:lnTo>
-                    <a:pt x="1369848" y="1529165"/>
-                  </a:lnTo>
-                  <a:lnTo>
-                    <a:pt x="1362202" y="1444212"/>
-                  </a:lnTo>
-                  <a:lnTo>
-                    <a:pt x="1354556" y="1359258"/>
-                  </a:lnTo>
-                  <a:lnTo>
-                    <a:pt x="1346910" y="1274304"/>
-                  </a:lnTo>
-                  <a:lnTo>
-                    <a:pt x="1339264" y="1189351"/>
-                  </a:lnTo>
-                  <a:lnTo>
-                    <a:pt x="1331618" y="1104397"/>
-                  </a:lnTo>
-                  <a:lnTo>
-                    <a:pt x="1323972" y="1019443"/>
-                  </a:lnTo>
-                  <a:lnTo>
-                    <a:pt x="1316326" y="934490"/>
-                  </a:lnTo>
-                  <a:lnTo>
-                    <a:pt x="1308680" y="849536"/>
-                  </a:lnTo>
-                  <a:lnTo>
-                    <a:pt x="1301034" y="764582"/>
-                  </a:lnTo>
-                  <a:lnTo>
-                    <a:pt x="1293388" y="679629"/>
-                  </a:lnTo>
-                  <a:lnTo>
-                    <a:pt x="1285742" y="594675"/>
-                  </a:lnTo>
-                  <a:lnTo>
-                    <a:pt x="1278096" y="509721"/>
-                  </a:lnTo>
-                  <a:lnTo>
-                    <a:pt x="1270450" y="424768"/>
-                  </a:lnTo>
-                  <a:lnTo>
-                    <a:pt x="1262804" y="339814"/>
-                  </a:lnTo>
-                  <a:lnTo>
-                    <a:pt x="1255158" y="254860"/>
-                  </a:lnTo>
-                  <a:lnTo>
-                    <a:pt x="1247512" y="169907"/>
-                  </a:lnTo>
-                  <a:lnTo>
-                    <a:pt x="1239866" y="84953"/>
-                  </a:lnTo>
-                  <a:lnTo>
-                    <a:pt x="1232220" y="0"/>
-                  </a:lnTo>
-                  <a:lnTo>
-                    <a:pt x="1143927" y="9547"/>
-                  </a:lnTo>
-                  <a:lnTo>
-                    <a:pt x="1056034" y="22257"/>
-                  </a:lnTo>
-                  <a:lnTo>
-                    <a:pt x="968653" y="38114"/>
-                  </a:lnTo>
-                  <a:lnTo>
-                    <a:pt x="881898" y="57098"/>
-                  </a:lnTo>
-                  <a:lnTo>
-                    <a:pt x="795881" y="79183"/>
-                  </a:lnTo>
-                  <a:lnTo>
-                    <a:pt x="710711" y="104342"/>
-                  </a:lnTo>
-                  <a:lnTo>
-                    <a:pt x="626500" y="132543"/>
-                  </a:lnTo>
-                  <a:lnTo>
-                    <a:pt x="543355" y="163747"/>
-                  </a:lnTo>
-                  <a:lnTo>
-                    <a:pt x="461384" y="197917"/>
-                  </a:lnTo>
-                  <a:lnTo>
-                    <a:pt x="380692" y="235006"/>
-                  </a:lnTo>
-                  <a:lnTo>
-                    <a:pt x="301384" y="274969"/>
-                  </a:lnTo>
-                  <a:lnTo>
-                    <a:pt x="223561" y="317752"/>
-                  </a:lnTo>
-                  <a:lnTo>
-                    <a:pt x="147325" y="363301"/>
-                  </a:lnTo>
-                  <a:lnTo>
-                    <a:pt x="72772" y="411558"/>
-                  </a:lnTo>
-                  <a:lnTo>
-                    <a:pt x="0" y="462460"/>
-                  </a:lnTo>
-                  <a:lnTo>
-                    <a:pt x="50136" y="531466"/>
-                  </a:lnTo>
-                  <a:lnTo>
-                    <a:pt x="100272" y="600473"/>
-                  </a:lnTo>
-                  <a:lnTo>
-                    <a:pt x="150409" y="669480"/>
-                  </a:lnTo>
-                  <a:lnTo>
-                    <a:pt x="200545" y="738487"/>
-                  </a:lnTo>
-                  <a:lnTo>
-                    <a:pt x="250681" y="807493"/>
-                  </a:lnTo>
-                  <a:lnTo>
-                    <a:pt x="300818" y="876500"/>
-                  </a:lnTo>
-                  <a:lnTo>
-                    <a:pt x="350954" y="945507"/>
-                  </a:lnTo>
-                  <a:lnTo>
-                    <a:pt x="401090" y="1014514"/>
-                  </a:lnTo>
-                  <a:lnTo>
-                    <a:pt x="451227" y="1083520"/>
-                  </a:lnTo>
-                  <a:lnTo>
-                    <a:pt x="501363" y="1152527"/>
-                  </a:lnTo>
-                  <a:lnTo>
-                    <a:pt x="551499" y="1221534"/>
-                  </a:lnTo>
-                  <a:lnTo>
-                    <a:pt x="601636" y="1290541"/>
-                  </a:lnTo>
-                  <a:lnTo>
-                    <a:pt x="651772" y="1359547"/>
-                  </a:lnTo>
-                  <a:lnTo>
-                    <a:pt x="701908" y="1428554"/>
-                  </a:lnTo>
-                  <a:lnTo>
-                    <a:pt x="752045" y="1497561"/>
-                  </a:lnTo>
-                  <a:lnTo>
-                    <a:pt x="802181" y="1566568"/>
-                  </a:lnTo>
-                  <a:lnTo>
-                    <a:pt x="852317" y="1635574"/>
-                  </a:lnTo>
-                  <a:lnTo>
-                    <a:pt x="902454" y="1704581"/>
-                  </a:lnTo>
-                  <a:lnTo>
-                    <a:pt x="952590" y="1773588"/>
-                  </a:lnTo>
-                  <a:lnTo>
-                    <a:pt x="1002726" y="1842595"/>
-                  </a:lnTo>
-                  <a:lnTo>
-                    <a:pt x="1052863" y="1911601"/>
-                  </a:lnTo>
-                  <a:lnTo>
-                    <a:pt x="1102999" y="1980608"/>
-                  </a:lnTo>
-                  <a:lnTo>
-                    <a:pt x="1153135" y="2049615"/>
-                  </a:lnTo>
-                  <a:lnTo>
-                    <a:pt x="1203272" y="2118622"/>
-                  </a:lnTo>
-                  <a:lnTo>
-                    <a:pt x="1253408" y="2187628"/>
-                  </a:lnTo>
-                  <a:lnTo>
-                    <a:pt x="1303544" y="2256635"/>
-                  </a:lnTo>
-                  <a:lnTo>
-                    <a:pt x="1353681" y="2325642"/>
-                  </a:lnTo>
-                  <a:lnTo>
-                    <a:pt x="1403817" y="2394649"/>
-                  </a:lnTo>
-                  <a:close/>
-                </a:path>
-              </a:pathLst>
-            </a:custGeom>
-            <a:solidFill>
-              <a:srgbClr val="A3A500">
-                <a:alpha val="100000"/>
-              </a:srgbClr>
-            </a:solidFill>
-            <a:ln w="13550" cap="flat">
-              <a:solidFill>
-                <a:srgbClr val="000000">
-                  <a:alpha val="100000"/>
-                </a:srgbClr>
-              </a:solidFill>
-              <a:prstDash val="solid"/>
-              <a:miter/>
-            </a:ln>
-          </p:spPr>
-          <p:txBody>
-            <a:bodyPr/>
-            <a:lstStyle/>
-            <a:p/>
-          </p:txBody>
-        </p:sp>
-        <p:sp>
-          <p:nvSpPr>
-            <p:cNvPr id="9" name="pg8"/>
-            <p:cNvSpPr/>
-            <p:nvPr/>
-          </p:nvSpPr>
-          <p:spPr>
-            <a:xfrm>
-              <a:off x="5264666" y="1749568"/>
-              <a:ext cx="221733" cy="2473613"/>
-            </a:xfrm>
-            <a:custGeom>
-              <a:avLst/>
-              <a:pathLst>
-                <a:path w="221733" h="2473613">
-                  <a:moveTo>
-                    <a:pt x="221733" y="2473613"/>
-                  </a:moveTo>
-                  <a:lnTo>
-                    <a:pt x="221733" y="2388316"/>
-                  </a:lnTo>
-                  <a:lnTo>
-                    <a:pt x="221733" y="2303019"/>
-                  </a:lnTo>
-                  <a:lnTo>
-                    <a:pt x="221733" y="2217722"/>
-                  </a:lnTo>
-                  <a:lnTo>
-                    <a:pt x="221733" y="2132425"/>
-                  </a:lnTo>
-                  <a:lnTo>
-                    <a:pt x="221733" y="2047128"/>
-                  </a:lnTo>
-                  <a:lnTo>
-                    <a:pt x="221733" y="1961831"/>
-                  </a:lnTo>
-                  <a:lnTo>
-                    <a:pt x="221733" y="1876534"/>
-                  </a:lnTo>
-                  <a:lnTo>
-                    <a:pt x="221733" y="1791237"/>
-                  </a:lnTo>
-                  <a:lnTo>
-                    <a:pt x="221733" y="1705940"/>
-                  </a:lnTo>
-                  <a:lnTo>
-                    <a:pt x="221733" y="1620643"/>
-                  </a:lnTo>
-                  <a:lnTo>
-                    <a:pt x="221733" y="1535346"/>
-                  </a:lnTo>
-                  <a:lnTo>
-                    <a:pt x="221733" y="1450049"/>
-                  </a:lnTo>
-                  <a:lnTo>
-                    <a:pt x="221733" y="1364752"/>
-                  </a:lnTo>
-                  <a:lnTo>
-                    <a:pt x="221733" y="1279455"/>
-                  </a:lnTo>
-                  <a:lnTo>
-                    <a:pt x="221733" y="1194158"/>
-                  </a:lnTo>
-                  <a:lnTo>
-                    <a:pt x="221733" y="1108861"/>
-                  </a:lnTo>
-                  <a:lnTo>
-                    <a:pt x="221733" y="1023564"/>
-                  </a:lnTo>
-                  <a:lnTo>
-                    <a:pt x="221733" y="938267"/>
-                  </a:lnTo>
-                  <a:lnTo>
-                    <a:pt x="221733" y="852970"/>
-                  </a:lnTo>
-                  <a:lnTo>
-                    <a:pt x="221733" y="767673"/>
-                  </a:lnTo>
-                  <a:lnTo>
-                    <a:pt x="221733" y="682376"/>
-                  </a:lnTo>
-                  <a:lnTo>
-                    <a:pt x="221733" y="597079"/>
-                  </a:lnTo>
-                  <a:lnTo>
-                    <a:pt x="221733" y="511782"/>
-                  </a:lnTo>
-                  <a:lnTo>
-                    <a:pt x="221733" y="426485"/>
-                  </a:lnTo>
-                  <a:lnTo>
-                    <a:pt x="221733" y="341188"/>
-                  </a:lnTo>
-                  <a:lnTo>
-                    <a:pt x="221733" y="255891"/>
-                  </a:lnTo>
-                  <a:lnTo>
-                    <a:pt x="221733" y="170594"/>
-                  </a:lnTo>
-                  <a:lnTo>
-                    <a:pt x="221733" y="85297"/>
-                  </a:lnTo>
-                  <a:lnTo>
-                    <a:pt x="221733" y="0"/>
-                  </a:lnTo>
-                  <a:lnTo>
-                    <a:pt x="110754" y="2490"/>
-                  </a:lnTo>
-                  <a:lnTo>
-                    <a:pt x="0" y="9958"/>
-                  </a:lnTo>
-                  <a:lnTo>
-                    <a:pt x="7645" y="94911"/>
-                  </a:lnTo>
-                  <a:lnTo>
-                    <a:pt x="15291" y="179865"/>
-                  </a:lnTo>
-                  <a:lnTo>
-                    <a:pt x="22937" y="264818"/>
-                  </a:lnTo>
-                  <a:lnTo>
-                    <a:pt x="30583" y="349772"/>
-                  </a:lnTo>
-                  <a:lnTo>
-                    <a:pt x="38229" y="434726"/>
-                  </a:lnTo>
-                  <a:lnTo>
-                    <a:pt x="45875" y="519679"/>
-                  </a:lnTo>
-                  <a:lnTo>
-                    <a:pt x="53521" y="604633"/>
-                  </a:lnTo>
-                  <a:lnTo>
-                    <a:pt x="61167" y="689587"/>
-                  </a:lnTo>
-                  <a:lnTo>
-                    <a:pt x="68813" y="774540"/>
-                  </a:lnTo>
-                  <a:lnTo>
-                    <a:pt x="76459" y="859494"/>
-                  </a:lnTo>
-                  <a:lnTo>
-                    <a:pt x="84105" y="944448"/>
-                  </a:lnTo>
-                  <a:lnTo>
-                    <a:pt x="91751" y="1029401"/>
-                  </a:lnTo>
-                  <a:lnTo>
-                    <a:pt x="99397" y="1114355"/>
-                  </a:lnTo>
-                  <a:lnTo>
-                    <a:pt x="107043" y="1199309"/>
-                  </a:lnTo>
-                  <a:lnTo>
-                    <a:pt x="114689" y="1284262"/>
-                  </a:lnTo>
-                  <a:lnTo>
-                    <a:pt x="122335" y="1369216"/>
-                  </a:lnTo>
-                  <a:lnTo>
-                    <a:pt x="129981" y="1454170"/>
-                  </a:lnTo>
-                  <a:lnTo>
-                    <a:pt x="137627" y="1539123"/>
-                  </a:lnTo>
-                  <a:lnTo>
-                    <a:pt x="145273" y="1624077"/>
-                  </a:lnTo>
-                  <a:lnTo>
-                    <a:pt x="152919" y="1709031"/>
-                  </a:lnTo>
-                  <a:lnTo>
-                    <a:pt x="160565" y="1793984"/>
-                  </a:lnTo>
-                  <a:lnTo>
-                    <a:pt x="168211" y="1878938"/>
-                  </a:lnTo>
-                  <a:lnTo>
-                    <a:pt x="175857" y="1963892"/>
-                  </a:lnTo>
-                  <a:lnTo>
-                    <a:pt x="183503" y="2048845"/>
-                  </a:lnTo>
-                  <a:lnTo>
-                    <a:pt x="191149" y="2133799"/>
-                  </a:lnTo>
-                  <a:lnTo>
-                    <a:pt x="198795" y="2218752"/>
-                  </a:lnTo>
-                  <a:lnTo>
-                    <a:pt x="206441" y="2303706"/>
-                  </a:lnTo>
-                  <a:lnTo>
-                    <a:pt x="214087" y="2388660"/>
+                    <a:pt x="1285250" y="2388316"/>
+                  </a:lnTo>
+                  <a:lnTo>
+                    <a:pt x="1285250" y="2303019"/>
+                  </a:lnTo>
+                  <a:lnTo>
+                    <a:pt x="1285250" y="2217722"/>
+                  </a:lnTo>
+                  <a:lnTo>
+                    <a:pt x="1285250" y="2132425"/>
+                  </a:lnTo>
+                  <a:lnTo>
+                    <a:pt x="1285250" y="2047128"/>
+                  </a:lnTo>
+                  <a:lnTo>
+                    <a:pt x="1285250" y="1961831"/>
+                  </a:lnTo>
+                  <a:lnTo>
+                    <a:pt x="1285250" y="1876534"/>
+                  </a:lnTo>
+                  <a:lnTo>
+                    <a:pt x="1285250" y="1791237"/>
+                  </a:lnTo>
+                  <a:lnTo>
+                    <a:pt x="1285250" y="1705940"/>
+                  </a:lnTo>
+                  <a:lnTo>
+                    <a:pt x="1285250" y="1620643"/>
+                  </a:lnTo>
+                  <a:lnTo>
+                    <a:pt x="1285250" y="1535346"/>
+                  </a:lnTo>
+                  <a:lnTo>
+                    <a:pt x="1285250" y="1450049"/>
+                  </a:lnTo>
+                  <a:lnTo>
+                    <a:pt x="1285250" y="1364752"/>
+                  </a:lnTo>
+                  <a:lnTo>
+                    <a:pt x="1285250" y="1279455"/>
+                  </a:lnTo>
+                  <a:lnTo>
+                    <a:pt x="1285250" y="1194158"/>
+                  </a:lnTo>
+                  <a:lnTo>
+                    <a:pt x="1285250" y="1108861"/>
+                  </a:lnTo>
+                  <a:lnTo>
+                    <a:pt x="1285250" y="1023564"/>
+                  </a:lnTo>
+                  <a:lnTo>
+                    <a:pt x="1285250" y="938267"/>
+                  </a:lnTo>
+                  <a:lnTo>
+                    <a:pt x="1285250" y="852970"/>
+                  </a:lnTo>
+                  <a:lnTo>
+                    <a:pt x="1285250" y="767673"/>
+                  </a:lnTo>
+                  <a:lnTo>
+                    <a:pt x="1285250" y="682376"/>
+                  </a:lnTo>
+                  <a:lnTo>
+                    <a:pt x="1285250" y="597079"/>
+                  </a:lnTo>
+                  <a:lnTo>
+                    <a:pt x="1285250" y="511782"/>
+                  </a:lnTo>
+                  <a:lnTo>
+                    <a:pt x="1285250" y="426485"/>
+                  </a:lnTo>
+                  <a:lnTo>
+                    <a:pt x="1285250" y="341188"/>
+                  </a:lnTo>
+                  <a:lnTo>
+                    <a:pt x="1285250" y="255891"/>
+                  </a:lnTo>
+                  <a:lnTo>
+                    <a:pt x="1285250" y="170594"/>
+                  </a:lnTo>
+                  <a:lnTo>
+                    <a:pt x="1285250" y="85297"/>
+                  </a:lnTo>
+                  <a:lnTo>
+                    <a:pt x="1285250" y="0"/>
+                  </a:lnTo>
+                  <a:lnTo>
+                    <a:pt x="1200798" y="1442"/>
+                  </a:lnTo>
+                  <a:lnTo>
+                    <a:pt x="1116444" y="5766"/>
+                  </a:lnTo>
+                  <a:lnTo>
+                    <a:pt x="1032288" y="12968"/>
+                  </a:lnTo>
+                  <a:lnTo>
+                    <a:pt x="948426" y="23039"/>
+                  </a:lnTo>
+                  <a:lnTo>
+                    <a:pt x="864957" y="35967"/>
+                  </a:lnTo>
+                  <a:lnTo>
+                    <a:pt x="781978" y="51737"/>
+                  </a:lnTo>
+                  <a:lnTo>
+                    <a:pt x="699586" y="70332"/>
+                  </a:lnTo>
+                  <a:lnTo>
+                    <a:pt x="617877" y="91728"/>
+                  </a:lnTo>
+                  <a:lnTo>
+                    <a:pt x="536945" y="115901"/>
+                  </a:lnTo>
+                  <a:lnTo>
+                    <a:pt x="456887" y="142824"/>
+                  </a:lnTo>
+                  <a:lnTo>
+                    <a:pt x="377794" y="172464"/>
+                  </a:lnTo>
+                  <a:lnTo>
+                    <a:pt x="299759" y="204787"/>
+                  </a:lnTo>
+                  <a:lnTo>
+                    <a:pt x="222873" y="239755"/>
+                  </a:lnTo>
+                  <a:lnTo>
+                    <a:pt x="147226" y="277328"/>
+                  </a:lnTo>
+                  <a:lnTo>
+                    <a:pt x="72906" y="317462"/>
+                  </a:lnTo>
+                  <a:lnTo>
+                    <a:pt x="0" y="360110"/>
+                  </a:lnTo>
+                  <a:lnTo>
+                    <a:pt x="44318" y="432989"/>
+                  </a:lnTo>
+                  <a:lnTo>
+                    <a:pt x="88637" y="505869"/>
+                  </a:lnTo>
+                  <a:lnTo>
+                    <a:pt x="132956" y="578748"/>
+                  </a:lnTo>
+                  <a:lnTo>
+                    <a:pt x="177275" y="651627"/>
+                  </a:lnTo>
+                  <a:lnTo>
+                    <a:pt x="221594" y="724507"/>
+                  </a:lnTo>
+                  <a:lnTo>
+                    <a:pt x="265913" y="797386"/>
+                  </a:lnTo>
+                  <a:lnTo>
+                    <a:pt x="310232" y="870266"/>
+                  </a:lnTo>
+                  <a:lnTo>
+                    <a:pt x="354551" y="943145"/>
+                  </a:lnTo>
+                  <a:lnTo>
+                    <a:pt x="398870" y="1016025"/>
+                  </a:lnTo>
+                  <a:lnTo>
+                    <a:pt x="443189" y="1088904"/>
+                  </a:lnTo>
+                  <a:lnTo>
+                    <a:pt x="487508" y="1161784"/>
+                  </a:lnTo>
+                  <a:lnTo>
+                    <a:pt x="531827" y="1234663"/>
+                  </a:lnTo>
+                  <a:lnTo>
+                    <a:pt x="576146" y="1307542"/>
+                  </a:lnTo>
+                  <a:lnTo>
+                    <a:pt x="620465" y="1380422"/>
+                  </a:lnTo>
+                  <a:lnTo>
+                    <a:pt x="664784" y="1453301"/>
+                  </a:lnTo>
+                  <a:lnTo>
+                    <a:pt x="709103" y="1526181"/>
+                  </a:lnTo>
+                  <a:lnTo>
+                    <a:pt x="753422" y="1599060"/>
+                  </a:lnTo>
+                  <a:lnTo>
+                    <a:pt x="797741" y="1671940"/>
+                  </a:lnTo>
+                  <a:lnTo>
+                    <a:pt x="842060" y="1744819"/>
+                  </a:lnTo>
+                  <a:lnTo>
+                    <a:pt x="886379" y="1817698"/>
+                  </a:lnTo>
+                  <a:lnTo>
+                    <a:pt x="930698" y="1890578"/>
+                  </a:lnTo>
+                  <a:lnTo>
+                    <a:pt x="975017" y="1963457"/>
+                  </a:lnTo>
+                  <a:lnTo>
+                    <a:pt x="1019336" y="2036337"/>
+                  </a:lnTo>
+                  <a:lnTo>
+                    <a:pt x="1063655" y="2109216"/>
+                  </a:lnTo>
+                  <a:lnTo>
+                    <a:pt x="1107974" y="2182096"/>
+                  </a:lnTo>
+                  <a:lnTo>
+                    <a:pt x="1152293" y="2254975"/>
+                  </a:lnTo>
+                  <a:lnTo>
+                    <a:pt x="1196612" y="2327855"/>
+                  </a:lnTo>
+                  <a:lnTo>
+                    <a:pt x="1240931" y="2400734"/>
                   </a:lnTo>
                   <a:close/>
                 </a:path>
@@ -3911,24 +3700,24 @@
         </p:sp>
         <p:sp>
           <p:nvSpPr>
-            <p:cNvPr id="10" name="pl9"/>
+            <p:cNvPr id="9" name="pl8"/>
             <p:cNvSpPr/>
             <p:nvPr/>
           </p:nvSpPr>
           <p:spPr>
             <a:xfrm>
-              <a:off x="4929266" y="2935985"/>
-              <a:ext cx="112871" cy="119046"/>
+              <a:off x="5161664" y="2887493"/>
+              <a:ext cx="110422" cy="133893"/>
             </a:xfrm>
             <a:custGeom>
               <a:avLst/>
               <a:pathLst>
-                <a:path w="112871" h="119046">
+                <a:path w="110422" h="133893">
                   <a:moveTo>
-                    <a:pt x="0" y="0"/>
+                    <a:pt x="110422" y="0"/>
                   </a:moveTo>
                   <a:lnTo>
-                    <a:pt x="112871" y="119046"/>
+                    <a:pt x="0" y="133893"/>
                   </a:lnTo>
                 </a:path>
               </a:pathLst>
@@ -3951,13 +3740,13 @@
         </p:sp>
         <p:sp>
           <p:nvSpPr>
-            <p:cNvPr id="11" name="tx10"/>
+            <p:cNvPr id="10" name="tx9"/>
             <p:cNvSpPr/>
             <p:nvPr/>
           </p:nvSpPr>
           <p:spPr>
             <a:xfrm>
-              <a:off x="5159061" y="5264107"/>
+              <a:off x="5123595" y="5289887"/>
               <a:ext cx="1566579" cy="157737"/>
             </a:xfrm>
             <a:prstGeom prst="rect">
@@ -3997,13 +3786,13 @@
         </p:sp>
         <p:sp>
           <p:nvSpPr>
-            <p:cNvPr id="12" name="tx11"/>
+            <p:cNvPr id="11" name="tx10"/>
             <p:cNvSpPr/>
             <p:nvPr/>
           </p:nvSpPr>
           <p:spPr>
             <a:xfrm>
-              <a:off x="5454157" y="5570491"/>
+              <a:off x="5418692" y="5596271"/>
               <a:ext cx="976386" cy="163560"/>
             </a:xfrm>
             <a:prstGeom prst="rect">
@@ -4036,20 +3825,20 @@
                   <a:latin typeface="Arial"/>
                   <a:cs typeface="Arial"/>
                 </a:rPr>
-                <a:t> 79.286 %</a:t>
+                <a:t> 80.435 %</a:t>
               </a:r>
             </a:p>
           </p:txBody>
         </p:sp>
         <p:sp>
           <p:nvSpPr>
-            <p:cNvPr id="13" name="tx12"/>
+            <p:cNvPr id="12" name="tx11"/>
             <p:cNvSpPr/>
             <p:nvPr/>
           </p:nvSpPr>
           <p:spPr>
             <a:xfrm>
-              <a:off x="2990744" y="3924137"/>
+              <a:off x="3019218" y="3839630"/>
               <a:ext cx="2036510" cy="157737"/>
             </a:xfrm>
             <a:prstGeom prst="rect">
@@ -4089,13 +3878,13 @@
         </p:sp>
         <p:sp>
           <p:nvSpPr>
-            <p:cNvPr id="14" name="tx13"/>
+            <p:cNvPr id="13" name="tx12"/>
             <p:cNvSpPr/>
             <p:nvPr/>
           </p:nvSpPr>
           <p:spPr>
             <a:xfrm>
-              <a:off x="3581096" y="4230520"/>
+              <a:off x="3609570" y="4146014"/>
               <a:ext cx="855806" cy="163560"/>
             </a:xfrm>
             <a:prstGeom prst="rect">
@@ -4128,20 +3917,20 @@
                   <a:latin typeface="Arial"/>
                   <a:cs typeface="Arial"/>
                 </a:rPr>
-                <a:t> 0.714 %</a:t>
+                <a:t> 0.725 %</a:t>
               </a:r>
             </a:p>
           </p:txBody>
         </p:sp>
         <p:sp>
           <p:nvSpPr>
-            <p:cNvPr id="15" name="tx14"/>
+            <p:cNvPr id="14" name="tx13"/>
             <p:cNvSpPr/>
             <p:nvPr/>
           </p:nvSpPr>
           <p:spPr>
             <a:xfrm>
-              <a:off x="4141746" y="2961982"/>
+              <a:off x="4174912" y="2911975"/>
               <a:ext cx="1205158" cy="198283"/>
             </a:xfrm>
             <a:prstGeom prst="rect">
@@ -4181,14 +3970,14 @@
         </p:sp>
         <p:sp>
           <p:nvSpPr>
-            <p:cNvPr id="16" name="tx15"/>
+            <p:cNvPr id="15" name="tx14"/>
             <p:cNvSpPr/>
             <p:nvPr/>
           </p:nvSpPr>
           <p:spPr>
             <a:xfrm>
-              <a:off x="4467120" y="3308912"/>
-              <a:ext cx="554411" cy="163560"/>
+              <a:off x="4289298" y="3258905"/>
+              <a:ext cx="976386" cy="163560"/>
             </a:xfrm>
             <a:prstGeom prst="rect">
               <a:avLst/>
@@ -4220,20 +4009,20 @@
                   <a:latin typeface="Arial"/>
                   <a:cs typeface="Arial"/>
                 </a:rPr>
-                <a:t> 10 %</a:t>
+                <a:t> 10.145 %</a:t>
               </a:r>
             </a:p>
           </p:txBody>
         </p:sp>
         <p:sp>
           <p:nvSpPr>
-            <p:cNvPr id="17" name="tx16"/>
+            <p:cNvPr id="16" name="tx15"/>
             <p:cNvSpPr/>
             <p:nvPr/>
           </p:nvSpPr>
           <p:spPr>
             <a:xfrm>
-              <a:off x="3931237" y="2400094"/>
+              <a:off x="4628713" y="2351602"/>
               <a:ext cx="1470136" cy="200824"/>
             </a:xfrm>
             <a:prstGeom prst="rect">
@@ -4273,13 +4062,13 @@
         </p:sp>
         <p:sp>
           <p:nvSpPr>
-            <p:cNvPr id="18" name="tx17"/>
+            <p:cNvPr id="17" name="tx16"/>
             <p:cNvSpPr/>
             <p:nvPr/>
           </p:nvSpPr>
           <p:spPr>
             <a:xfrm>
-              <a:off x="4238402" y="2749565"/>
+              <a:off x="4935878" y="2701073"/>
               <a:ext cx="855806" cy="163560"/>
             </a:xfrm>
             <a:prstGeom prst="rect">
@@ -4312,106 +4101,14 @@
                   <a:latin typeface="Arial"/>
                   <a:cs typeface="Arial"/>
                 </a:rPr>
-                <a:t> 8.571 %</a:t>
+                <a:t> 8.696 %</a:t>
               </a:r>
             </a:p>
           </p:txBody>
         </p:sp>
         <p:sp>
           <p:nvSpPr>
-            <p:cNvPr id="19" name="tx18"/>
-            <p:cNvSpPr/>
-            <p:nvPr/>
-          </p:nvSpPr>
-          <p:spPr>
-            <a:xfrm>
-              <a:off x="5492245" y="2577167"/>
-              <a:ext cx="1156990" cy="198283"/>
-            </a:xfrm>
-            <a:prstGeom prst="rect">
-              <a:avLst/>
-            </a:prstGeom>
-            <a:noFill/>
-          </p:spPr>
-          <p:txBody>
-            <a:bodyPr lIns="0" rIns="0" tIns="0" bIns="0" anchorCtr="1" anchor="ctr" wrap="none"/>
-            <a:lstStyle/>
-            <a:p>
-              <a:pPr algn="l" marL="0" marR="0" indent="0">
-                <a:lnSpc>
-                  <a:spcPts val="1707"/>
-                </a:lnSpc>
-                <a:spcBef>
-                  <a:spcPts val="0"/>
-                </a:spcBef>
-                <a:spcAft>
-                  <a:spcPts val="0"/>
-                </a:spcAft>
-              </a:pPr>
-              <a:r>
-                <a:rPr sz="1707">
-                  <a:solidFill>
-                    <a:srgbClr val="000000">
-                      <a:alpha val="100000"/>
-                    </a:srgbClr>
-                  </a:solidFill>
-                  <a:latin typeface="Arial"/>
-                  <a:cs typeface="Arial"/>
-                </a:rPr>
-                <a:t>Autotrophic </a:t>
-              </a:r>
-            </a:p>
-          </p:txBody>
-        </p:sp>
-        <p:sp>
-          <p:nvSpPr>
-            <p:cNvPr id="20" name="tx19"/>
-            <p:cNvSpPr/>
-            <p:nvPr/>
-          </p:nvSpPr>
-          <p:spPr>
-            <a:xfrm>
-              <a:off x="5642837" y="2924097"/>
-              <a:ext cx="855806" cy="163560"/>
-            </a:xfrm>
-            <a:prstGeom prst="rect">
-              <a:avLst/>
-            </a:prstGeom>
-            <a:noFill/>
-          </p:spPr>
-          <p:txBody>
-            <a:bodyPr lIns="0" rIns="0" tIns="0" bIns="0" anchorCtr="1" anchor="ctr" wrap="none"/>
-            <a:lstStyle/>
-            <a:p>
-              <a:pPr algn="l" marL="0" marR="0" indent="0">
-                <a:lnSpc>
-                  <a:spcPts val="1707"/>
-                </a:lnSpc>
-                <a:spcBef>
-                  <a:spcPts val="0"/>
-                </a:spcBef>
-                <a:spcAft>
-                  <a:spcPts val="0"/>
-                </a:spcAft>
-              </a:pPr>
-              <a:r>
-                <a:rPr sz="1707">
-                  <a:solidFill>
-                    <a:srgbClr val="000000">
-                      <a:alpha val="100000"/>
-                    </a:srgbClr>
-                  </a:solidFill>
-                  <a:latin typeface="Arial"/>
-                  <a:cs typeface="Arial"/>
-                </a:rPr>
-                <a:t> 1.429 %</a:t>
-              </a:r>
-            </a:p>
-          </p:txBody>
-        </p:sp>
-        <p:sp>
-          <p:nvSpPr>
-            <p:cNvPr id="21" name="tx20"/>
+            <p:cNvPr id="18" name="tx17"/>
             <p:cNvSpPr/>
             <p:nvPr/>
           </p:nvSpPr>

--- a/Images/Figures_PPT/PieWithOutRAPTOR.pptx
+++ b/Images/Figures_PPT/PieWithOutRAPTOR.pptx
@@ -2931,7 +2931,7 @@
               </a:pathLst>
             </a:custGeom>
             <a:solidFill>
-              <a:srgbClr val="C77CFF">
+              <a:srgbClr val="D0D1AC">
                 <a:alpha val="100000"/>
               </a:srgbClr>
             </a:solidFill>
@@ -3148,7 +3148,7 @@
               </a:pathLst>
             </a:custGeom>
             <a:solidFill>
-              <a:srgbClr val="00BFC4">
+              <a:srgbClr val="FE4A49">
                 <a:alpha val="100000"/>
               </a:srgbClr>
             </a:solidFill>
@@ -3416,7 +3416,7 @@
               </a:pathLst>
             </a:custGeom>
             <a:solidFill>
-              <a:srgbClr val="7CAE00">
+              <a:srgbClr val="A87142">
                 <a:alpha val="100000"/>
               </a:srgbClr>
             </a:solidFill>
@@ -3678,7 +3678,7 @@
               </a:pathLst>
             </a:custGeom>
             <a:solidFill>
-              <a:srgbClr val="F8766D">
+              <a:srgbClr val="A020F0">
                 <a:alpha val="100000"/>
               </a:srgbClr>
             </a:solidFill>
@@ -3706,18 +3706,18 @@
           </p:nvSpPr>
           <p:spPr>
             <a:xfrm>
-              <a:off x="5161664" y="2887493"/>
-              <a:ext cx="110422" cy="133893"/>
+              <a:off x="5161655" y="2886244"/>
+              <a:ext cx="111259" cy="135134"/>
             </a:xfrm>
             <a:custGeom>
               <a:avLst/>
               <a:pathLst>
-                <a:path w="110422" h="133893">
+                <a:path w="111259" h="135134">
                   <a:moveTo>
-                    <a:pt x="110422" y="0"/>
+                    <a:pt x="111259" y="0"/>
                   </a:moveTo>
                   <a:lnTo>
-                    <a:pt x="0" y="133893"/>
+                    <a:pt x="0" y="135134"/>
                   </a:lnTo>
                 </a:path>
               </a:pathLst>
@@ -3746,7 +3746,7 @@
           </p:nvSpPr>
           <p:spPr>
             <a:xfrm>
-              <a:off x="5123595" y="5289887"/>
+              <a:off x="5709937" y="4703666"/>
               <a:ext cx="1566579" cy="157737"/>
             </a:xfrm>
             <a:prstGeom prst="rect">
@@ -3792,7 +3792,7 @@
           </p:nvSpPr>
           <p:spPr>
             <a:xfrm>
-              <a:off x="5418692" y="5596271"/>
+              <a:off x="6005034" y="5010050"/>
               <a:ext cx="976386" cy="163560"/>
             </a:xfrm>
             <a:prstGeom prst="rect">
@@ -3838,7 +3838,7 @@
           </p:nvSpPr>
           <p:spPr>
             <a:xfrm>
-              <a:off x="3019218" y="3839630"/>
+              <a:off x="3019320" y="3839395"/>
               <a:ext cx="2036510" cy="157737"/>
             </a:xfrm>
             <a:prstGeom prst="rect">
@@ -3884,7 +3884,7 @@
           </p:nvSpPr>
           <p:spPr>
             <a:xfrm>
-              <a:off x="3609570" y="4146014"/>
+              <a:off x="3609672" y="4145779"/>
               <a:ext cx="855806" cy="163560"/>
             </a:xfrm>
             <a:prstGeom prst="rect">
@@ -3930,7 +3930,7 @@
           </p:nvSpPr>
           <p:spPr>
             <a:xfrm>
-              <a:off x="4174912" y="2911975"/>
+              <a:off x="4174982" y="2912046"/>
               <a:ext cx="1205158" cy="198283"/>
             </a:xfrm>
             <a:prstGeom prst="rect">
@@ -3976,7 +3976,7 @@
           </p:nvSpPr>
           <p:spPr>
             <a:xfrm>
-              <a:off x="4289298" y="3258905"/>
+              <a:off x="4289368" y="3258976"/>
               <a:ext cx="976386" cy="163560"/>
             </a:xfrm>
             <a:prstGeom prst="rect">
@@ -4022,7 +4022,7 @@
           </p:nvSpPr>
           <p:spPr>
             <a:xfrm>
-              <a:off x="4628713" y="2351602"/>
+              <a:off x="4629424" y="2350353"/>
               <a:ext cx="1470136" cy="200824"/>
             </a:xfrm>
             <a:prstGeom prst="rect">
@@ -4068,7 +4068,7 @@
           </p:nvSpPr>
           <p:spPr>
             <a:xfrm>
-              <a:off x="4935878" y="2701073"/>
+              <a:off x="4936589" y="2699824"/>
               <a:ext cx="855806" cy="163560"/>
             </a:xfrm>
             <a:prstGeom prst="rect">

--- a/Images/Figures_PPT/PieWithOutRAPTOR.pptx
+++ b/Images/Figures_PPT/PieWithOutRAPTOR.pptx
@@ -3706,18 +3706,18 @@
           </p:nvSpPr>
           <p:spPr>
             <a:xfrm>
-              <a:off x="5161655" y="2886244"/>
-              <a:ext cx="111259" cy="135134"/>
+              <a:off x="5161669" y="2888246"/>
+              <a:ext cx="109921" cy="133145"/>
             </a:xfrm>
             <a:custGeom>
               <a:avLst/>
               <a:pathLst>
-                <a:path w="111259" h="135134">
+                <a:path w="109921" h="133145">
                   <a:moveTo>
-                    <a:pt x="111259" y="0"/>
+                    <a:pt x="109921" y="0"/>
                   </a:moveTo>
                   <a:lnTo>
-                    <a:pt x="0" y="135134"/>
+                    <a:pt x="0" y="133145"/>
                   </a:lnTo>
                 </a:path>
               </a:pathLst>
@@ -3746,7 +3746,7 @@
           </p:nvSpPr>
           <p:spPr>
             <a:xfrm>
-              <a:off x="5709937" y="4703666"/>
+              <a:off x="5123214" y="5290305"/>
               <a:ext cx="1566579" cy="157737"/>
             </a:xfrm>
             <a:prstGeom prst="rect">
@@ -3792,7 +3792,7 @@
           </p:nvSpPr>
           <p:spPr>
             <a:xfrm>
-              <a:off x="6005034" y="5010050"/>
+              <a:off x="5418311" y="5596689"/>
               <a:ext cx="976386" cy="163560"/>
             </a:xfrm>
             <a:prstGeom prst="rect">
@@ -3838,7 +3838,7 @@
           </p:nvSpPr>
           <p:spPr>
             <a:xfrm>
-              <a:off x="3019320" y="3839395"/>
+              <a:off x="3019167" y="3839681"/>
               <a:ext cx="2036510" cy="157737"/>
             </a:xfrm>
             <a:prstGeom prst="rect">
@@ -3884,7 +3884,7 @@
           </p:nvSpPr>
           <p:spPr>
             <a:xfrm>
-              <a:off x="3609672" y="4145779"/>
+              <a:off x="3609519" y="4146064"/>
               <a:ext cx="855806" cy="163560"/>
             </a:xfrm>
             <a:prstGeom prst="rect">
@@ -3930,7 +3930,7 @@
           </p:nvSpPr>
           <p:spPr>
             <a:xfrm>
-              <a:off x="4174982" y="2912046"/>
+              <a:off x="4174336" y="2912373"/>
               <a:ext cx="1205158" cy="198283"/>
             </a:xfrm>
             <a:prstGeom prst="rect">
@@ -3976,7 +3976,7 @@
           </p:nvSpPr>
           <p:spPr>
             <a:xfrm>
-              <a:off x="4289368" y="3258976"/>
+              <a:off x="4288723" y="3259303"/>
               <a:ext cx="976386" cy="163560"/>
             </a:xfrm>
             <a:prstGeom prst="rect">
@@ -4022,7 +4022,7 @@
           </p:nvSpPr>
           <p:spPr>
             <a:xfrm>
-              <a:off x="4629424" y="2350353"/>
+              <a:off x="4628314" y="2352355"/>
               <a:ext cx="1470136" cy="200824"/>
             </a:xfrm>
             <a:prstGeom prst="rect">
@@ -4068,7 +4068,7 @@
           </p:nvSpPr>
           <p:spPr>
             <a:xfrm>
-              <a:off x="4936589" y="2699824"/>
+              <a:off x="4935479" y="2701825"/>
               <a:ext cx="855806" cy="163560"/>
             </a:xfrm>
             <a:prstGeom prst="rect">

--- a/Images/Figures_PPT/PieWithOutRAPTOR.pptx
+++ b/Images/Figures_PPT/PieWithOutRAPTOR.pptx
@@ -3703,18 +3703,18 @@
           </p:nvSpPr>
           <p:spPr>
             <a:xfrm>
-              <a:off x="5225795" y="2766361"/>
-              <a:ext cx="174565" cy="238255"/>
+              <a:off x="5225795" y="2766379"/>
+              <a:ext cx="174554" cy="238238"/>
             </a:xfrm>
             <a:custGeom>
               <a:avLst/>
               <a:pathLst>
-                <a:path w="174565" h="238255">
+                <a:path w="174554" h="238238">
                   <a:moveTo>
-                    <a:pt x="174565" y="0"/>
+                    <a:pt x="174554" y="0"/>
                   </a:moveTo>
                   <a:lnTo>
-                    <a:pt x="0" y="238255"/>
+                    <a:pt x="0" y="238238"/>
                   </a:lnTo>
                 </a:path>
               </a:pathLst>
@@ -3743,7 +3743,7 @@
           </p:nvSpPr>
           <p:spPr>
             <a:xfrm>
-              <a:off x="5601424" y="4772302"/>
+              <a:off x="5015333" y="5358604"/>
               <a:ext cx="1566579" cy="157737"/>
             </a:xfrm>
             <a:prstGeom prst="rect">
@@ -3789,7 +3789,7 @@
           </p:nvSpPr>
           <p:spPr>
             <a:xfrm>
-              <a:off x="5896521" y="5078686"/>
+              <a:off x="5310430" y="5664988"/>
               <a:ext cx="976386" cy="163560"/>
             </a:xfrm>
             <a:prstGeom prst="rect">
@@ -3835,7 +3835,7 @@
           </p:nvSpPr>
           <p:spPr>
             <a:xfrm>
-              <a:off x="3134980" y="3610569"/>
+              <a:off x="3135147" y="3610513"/>
               <a:ext cx="2036510" cy="157737"/>
             </a:xfrm>
             <a:prstGeom prst="rect">
@@ -3881,7 +3881,7 @@
           </p:nvSpPr>
           <p:spPr>
             <a:xfrm>
-              <a:off x="3725332" y="3916953"/>
+              <a:off x="3725499" y="3916897"/>
               <a:ext cx="855806" cy="163560"/>
             </a:xfrm>
             <a:prstGeom prst="rect">
@@ -3927,7 +3927,7 @@
           </p:nvSpPr>
           <p:spPr>
             <a:xfrm>
-              <a:off x="4294692" y="2791741"/>
+              <a:off x="4296036" y="2790210"/>
               <a:ext cx="1205158" cy="198283"/>
             </a:xfrm>
             <a:prstGeom prst="rect">
@@ -3973,7 +3973,7 @@
           </p:nvSpPr>
           <p:spPr>
             <a:xfrm>
-              <a:off x="4469368" y="3138671"/>
+              <a:off x="4470712" y="3137140"/>
               <a:ext cx="855806" cy="163560"/>
             </a:xfrm>
             <a:prstGeom prst="rect">
@@ -4019,7 +4019,7 @@
           </p:nvSpPr>
           <p:spPr>
             <a:xfrm>
-              <a:off x="4751128" y="2230470"/>
+              <a:off x="4751116" y="2230488"/>
               <a:ext cx="1470136" cy="200824"/>
             </a:xfrm>
             <a:prstGeom prst="rect">
@@ -4065,7 +4065,7 @@
           </p:nvSpPr>
           <p:spPr>
             <a:xfrm>
-              <a:off x="5058293" y="2579941"/>
+              <a:off x="5058281" y="2579958"/>
               <a:ext cx="855806" cy="163560"/>
             </a:xfrm>
             <a:prstGeom prst="rect">

--- a/Images/Figures_PPT/PieWithOutRAPTOR.pptx
+++ b/Images/Figures_PPT/PieWithOutRAPTOR.pptx
@@ -3703,18 +3703,18 @@
           </p:nvSpPr>
           <p:spPr>
             <a:xfrm>
-              <a:off x="5225795" y="2766379"/>
-              <a:ext cx="174554" cy="238238"/>
+              <a:off x="5225795" y="2766436"/>
+              <a:ext cx="174514" cy="238180"/>
             </a:xfrm>
             <a:custGeom>
               <a:avLst/>
               <a:pathLst>
-                <a:path w="174554" h="238238">
+                <a:path w="174514" h="238180">
                   <a:moveTo>
-                    <a:pt x="174554" y="0"/>
+                    <a:pt x="174514" y="0"/>
                   </a:moveTo>
                   <a:lnTo>
-                    <a:pt x="0" y="238238"/>
+                    <a:pt x="0" y="238180"/>
                   </a:lnTo>
                 </a:path>
               </a:pathLst>
@@ -3743,7 +3743,7 @@
           </p:nvSpPr>
           <p:spPr>
             <a:xfrm>
-              <a:off x="5015333" y="5358604"/>
+              <a:off x="5601338" y="4772782"/>
               <a:ext cx="1566579" cy="157737"/>
             </a:xfrm>
             <a:prstGeom prst="rect">
@@ -3789,7 +3789,7 @@
           </p:nvSpPr>
           <p:spPr>
             <a:xfrm>
-              <a:off x="5310430" y="5664988"/>
+              <a:off x="5896435" y="5079166"/>
               <a:ext cx="976386" cy="163560"/>
             </a:xfrm>
             <a:prstGeom prst="rect">
@@ -3835,7 +3835,7 @@
           </p:nvSpPr>
           <p:spPr>
             <a:xfrm>
-              <a:off x="3135147" y="3610513"/>
+              <a:off x="3135155" y="3610507"/>
               <a:ext cx="2036510" cy="157737"/>
             </a:xfrm>
             <a:prstGeom prst="rect">
@@ -3881,7 +3881,7 @@
           </p:nvSpPr>
           <p:spPr>
             <a:xfrm>
-              <a:off x="3725499" y="3916897"/>
+              <a:off x="3725507" y="3916891"/>
               <a:ext cx="855806" cy="163560"/>
             </a:xfrm>
             <a:prstGeom prst="rect">
@@ -3927,7 +3927,7 @@
           </p:nvSpPr>
           <p:spPr>
             <a:xfrm>
-              <a:off x="4296036" y="2790210"/>
+              <a:off x="4294155" y="2791998"/>
               <a:ext cx="1205158" cy="198283"/>
             </a:xfrm>
             <a:prstGeom prst="rect">
@@ -3973,7 +3973,7 @@
           </p:nvSpPr>
           <p:spPr>
             <a:xfrm>
-              <a:off x="4470712" y="3137140"/>
+              <a:off x="4468831" y="3138928"/>
               <a:ext cx="855806" cy="163560"/>
             </a:xfrm>
             <a:prstGeom prst="rect">
@@ -4019,7 +4019,7 @@
           </p:nvSpPr>
           <p:spPr>
             <a:xfrm>
-              <a:off x="4751116" y="2230488"/>
+              <a:off x="4751060" y="2230545"/>
               <a:ext cx="1470136" cy="200824"/>
             </a:xfrm>
             <a:prstGeom prst="rect">
@@ -4065,7 +4065,7 @@
           </p:nvSpPr>
           <p:spPr>
             <a:xfrm>
-              <a:off x="5058281" y="2579958"/>
+              <a:off x="5058225" y="2580016"/>
               <a:ext cx="855806" cy="163560"/>
             </a:xfrm>
             <a:prstGeom prst="rect">

--- a/Images/Figures_PPT/PieWithOutRAPTOR.pptx
+++ b/Images/Figures_PPT/PieWithOutRAPTOR.pptx
@@ -3703,18 +3703,18 @@
           </p:nvSpPr>
           <p:spPr>
             <a:xfrm>
-              <a:off x="5225795" y="2766436"/>
-              <a:ext cx="174514" cy="238180"/>
+              <a:off x="5225797" y="2766628"/>
+              <a:ext cx="174447" cy="237990"/>
             </a:xfrm>
             <a:custGeom>
               <a:avLst/>
               <a:pathLst>
-                <a:path w="174514" h="238180">
+                <a:path w="174447" h="237990">
                   <a:moveTo>
-                    <a:pt x="174514" y="0"/>
+                    <a:pt x="174447" y="0"/>
                   </a:moveTo>
                   <a:lnTo>
-                    <a:pt x="0" y="238180"/>
+                    <a:pt x="0" y="237990"/>
                   </a:lnTo>
                 </a:path>
               </a:pathLst>
@@ -3743,7 +3743,7 @@
           </p:nvSpPr>
           <p:spPr>
             <a:xfrm>
-              <a:off x="5601338" y="4772782"/>
+              <a:off x="5015889" y="5358079"/>
               <a:ext cx="1566579" cy="157737"/>
             </a:xfrm>
             <a:prstGeom prst="rect">
@@ -3789,7 +3789,7 @@
           </p:nvSpPr>
           <p:spPr>
             <a:xfrm>
-              <a:off x="5896435" y="5079166"/>
+              <a:off x="5310985" y="5664462"/>
               <a:ext cx="976386" cy="163560"/>
             </a:xfrm>
             <a:prstGeom prst="rect">
@@ -3835,7 +3835,7 @@
           </p:nvSpPr>
           <p:spPr>
             <a:xfrm>
-              <a:off x="3135155" y="3610507"/>
+              <a:off x="3134887" y="3610428"/>
               <a:ext cx="2036510" cy="157737"/>
             </a:xfrm>
             <a:prstGeom prst="rect">
@@ -3881,7 +3881,7 @@
           </p:nvSpPr>
           <p:spPr>
             <a:xfrm>
-              <a:off x="3725507" y="3916891"/>
+              <a:off x="3725239" y="3916812"/>
               <a:ext cx="855806" cy="163560"/>
             </a:xfrm>
             <a:prstGeom prst="rect">
@@ -3927,7 +3927,7 @@
           </p:nvSpPr>
           <p:spPr>
             <a:xfrm>
-              <a:off x="4294155" y="2791998"/>
+              <a:off x="4294706" y="2791938"/>
               <a:ext cx="1205158" cy="198283"/>
             </a:xfrm>
             <a:prstGeom prst="rect">
@@ -3973,7 +3973,7 @@
           </p:nvSpPr>
           <p:spPr>
             <a:xfrm>
-              <a:off x="4468831" y="3138928"/>
+              <a:off x="4469382" y="3138868"/>
               <a:ext cx="855806" cy="163560"/>
             </a:xfrm>
             <a:prstGeom prst="rect">
@@ -4019,7 +4019,7 @@
           </p:nvSpPr>
           <p:spPr>
             <a:xfrm>
-              <a:off x="4751060" y="2230545"/>
+              <a:off x="4751094" y="2230738"/>
               <a:ext cx="1470136" cy="200824"/>
             </a:xfrm>
             <a:prstGeom prst="rect">
@@ -4065,7 +4065,7 @@
           </p:nvSpPr>
           <p:spPr>
             <a:xfrm>
-              <a:off x="5058225" y="2580016"/>
+              <a:off x="5058259" y="2580208"/>
               <a:ext cx="855806" cy="163560"/>
             </a:xfrm>
             <a:prstGeom prst="rect">

--- a/Images/Figures_PPT/PieWithOutRAPTOR.pptx
+++ b/Images/Figures_PPT/PieWithOutRAPTOR.pptx
@@ -3703,18 +3703,18 @@
           </p:nvSpPr>
           <p:spPr>
             <a:xfrm>
-              <a:off x="5225797" y="2766628"/>
-              <a:ext cx="174447" cy="237990"/>
+              <a:off x="5225795" y="2766402"/>
+              <a:ext cx="174534" cy="238215"/>
             </a:xfrm>
             <a:custGeom>
               <a:avLst/>
               <a:pathLst>
-                <a:path w="174447" h="237990">
+                <a:path w="174534" h="238215">
                   <a:moveTo>
-                    <a:pt x="174447" y="0"/>
+                    <a:pt x="174534" y="0"/>
                   </a:moveTo>
                   <a:lnTo>
-                    <a:pt x="0" y="237990"/>
+                    <a:pt x="0" y="238215"/>
                   </a:lnTo>
                 </a:path>
               </a:pathLst>
@@ -3743,7 +3743,7 @@
           </p:nvSpPr>
           <p:spPr>
             <a:xfrm>
-              <a:off x="5015889" y="5358079"/>
+              <a:off x="5601240" y="4772868"/>
               <a:ext cx="1566579" cy="157737"/>
             </a:xfrm>
             <a:prstGeom prst="rect">
@@ -3789,7 +3789,7 @@
           </p:nvSpPr>
           <p:spPr>
             <a:xfrm>
-              <a:off x="5310985" y="5664462"/>
+              <a:off x="5896337" y="5079252"/>
               <a:ext cx="976386" cy="163560"/>
             </a:xfrm>
             <a:prstGeom prst="rect">
@@ -3835,7 +3835,7 @@
           </p:nvSpPr>
           <p:spPr>
             <a:xfrm>
-              <a:off x="3134887" y="3610428"/>
+              <a:off x="3134978" y="3610537"/>
               <a:ext cx="2036510" cy="157737"/>
             </a:xfrm>
             <a:prstGeom prst="rect">
@@ -3881,7 +3881,7 @@
           </p:nvSpPr>
           <p:spPr>
             <a:xfrm>
-              <a:off x="3725239" y="3916812"/>
+              <a:off x="3725330" y="3916921"/>
               <a:ext cx="855806" cy="163560"/>
             </a:xfrm>
             <a:prstGeom prst="rect">
@@ -3927,7 +3927,7 @@
           </p:nvSpPr>
           <p:spPr>
             <a:xfrm>
-              <a:off x="4294706" y="2791938"/>
+              <a:off x="4294599" y="2791722"/>
               <a:ext cx="1205158" cy="198283"/>
             </a:xfrm>
             <a:prstGeom prst="rect">
@@ -3973,7 +3973,7 @@
           </p:nvSpPr>
           <p:spPr>
             <a:xfrm>
-              <a:off x="4469382" y="3138868"/>
+              <a:off x="4469275" y="3138651"/>
               <a:ext cx="855806" cy="163560"/>
             </a:xfrm>
             <a:prstGeom prst="rect">
@@ -4019,7 +4019,7 @@
           </p:nvSpPr>
           <p:spPr>
             <a:xfrm>
-              <a:off x="4751094" y="2230738"/>
+              <a:off x="4751079" y="2230511"/>
               <a:ext cx="1470136" cy="200824"/>
             </a:xfrm>
             <a:prstGeom prst="rect">
@@ -4065,7 +4065,7 @@
           </p:nvSpPr>
           <p:spPr>
             <a:xfrm>
-              <a:off x="5058259" y="2580208"/>
+              <a:off x="5058244" y="2579981"/>
               <a:ext cx="855806" cy="163560"/>
             </a:xfrm>
             <a:prstGeom prst="rect">
